--- a/Adversarial attack/An IoT Time Series Data Security Model for Adversarial Attack Based on Thermometer Encoding.pptx
+++ b/Adversarial attack/An IoT Time Series Data Security Model for Adversarial Attack Based on Thermometer Encoding.pptx
@@ -1,34 +1,34 @@
 
 <file path=ppt/presentation.xml><?xml version="1.0" encoding="utf-8"?>
-<p:presentation xmlns:a="http://schemas.openxmlformats.org/drawingml/2006/main" xmlns:r="http://schemas.openxmlformats.org/officeDocument/2006/relationships" xmlns:mc="http://schemas.openxmlformats.org/markup-compatibility/2006" xmlns:mv="urn:schemas-microsoft-com:mac:vml" xmlns:p="http://schemas.openxmlformats.org/presentationml/2006/main" xmlns:c="http://schemas.openxmlformats.org/drawingml/2006/chart" xmlns:dgm="http://schemas.openxmlformats.org/drawingml/2006/diagram" xmlns:o="urn:schemas-microsoft-com:office:office" xmlns:v="urn:schemas-microsoft-com:vml" xmlns:pvml="urn:schemas-microsoft-com:office:powerpoint" xmlns:com="http://schemas.openxmlformats.org/drawingml/2006/compatibility" xmlns:p14="http://schemas.microsoft.com/office/powerpoint/2010/main" xmlns:p15="http://schemas.microsoft.com/office/powerpoint/2012/main" xmlns:ahyp="http://schemas.microsoft.com/office/drawing/2018/hyperlinkcolor" autoCompressPictures="0" strictFirstAndLastChars="0" saveSubsetFonts="1">
+<p:presentation xmlns:a="http://schemas.openxmlformats.org/drawingml/2006/main" xmlns:r="http://schemas.openxmlformats.org/officeDocument/2006/relationships" xmlns:p="http://schemas.openxmlformats.org/presentationml/2006/main" strictFirstAndLastChars="0" saveSubsetFonts="1" autoCompressPictures="0">
   <p:sldMasterIdLst>
-    <p:sldMasterId id="2147483659" r:id="rId4"/>
+    <p:sldMasterId id="2147483659" r:id="rId1"/>
   </p:sldMasterIdLst>
   <p:notesMasterIdLst>
-    <p:notesMasterId r:id="rId5"/>
+    <p:notesMasterId r:id="rId18"/>
   </p:notesMasterIdLst>
   <p:sldIdLst>
-    <p:sldId id="256" r:id="rId6"/>
-    <p:sldId id="257" r:id="rId7"/>
-    <p:sldId id="258" r:id="rId8"/>
-    <p:sldId id="259" r:id="rId9"/>
-    <p:sldId id="260" r:id="rId10"/>
-    <p:sldId id="261" r:id="rId11"/>
-    <p:sldId id="262" r:id="rId12"/>
-    <p:sldId id="263" r:id="rId13"/>
-    <p:sldId id="264" r:id="rId14"/>
-    <p:sldId id="265" r:id="rId15"/>
-    <p:sldId id="266" r:id="rId16"/>
-    <p:sldId id="267" r:id="rId17"/>
-    <p:sldId id="268" r:id="rId18"/>
-    <p:sldId id="269" r:id="rId19"/>
-    <p:sldId id="270" r:id="rId20"/>
-    <p:sldId id="271" r:id="rId21"/>
+    <p:sldId id="256" r:id="rId2"/>
+    <p:sldId id="257" r:id="rId3"/>
+    <p:sldId id="258" r:id="rId4"/>
+    <p:sldId id="259" r:id="rId5"/>
+    <p:sldId id="260" r:id="rId6"/>
+    <p:sldId id="261" r:id="rId7"/>
+    <p:sldId id="262" r:id="rId8"/>
+    <p:sldId id="263" r:id="rId9"/>
+    <p:sldId id="264" r:id="rId10"/>
+    <p:sldId id="265" r:id="rId11"/>
+    <p:sldId id="266" r:id="rId12"/>
+    <p:sldId id="267" r:id="rId13"/>
+    <p:sldId id="268" r:id="rId14"/>
+    <p:sldId id="269" r:id="rId15"/>
+    <p:sldId id="270" r:id="rId16"/>
+    <p:sldId id="271" r:id="rId17"/>
   </p:sldIdLst>
-  <p:sldSz cy="5143500" cx="9144000"/>
+  <p:sldSz cx="9144000" cy="5143500" type="screen16x9"/>
   <p:notesSz cx="6858000" cy="9144000"/>
   <p:defaultTextStyle>
-    <a:defPPr lvl="0" marR="0" rtl="0" algn="l">
+    <a:defPPr marR="0" lvl="0" algn="l" rtl="0">
       <a:lnSpc>
         <a:spcPct val="100000"/>
       </a:lnSpc>
@@ -39,7 +39,7 @@
         <a:spcPts val="0"/>
       </a:spcAft>
     </a:defPPr>
-    <a:lvl1pPr lvl="0" marR="0" rtl="0" algn="l">
+    <a:lvl1pPr marR="0" lvl="0" algn="l" rtl="0">
       <a:lnSpc>
         <a:spcPct val="100000"/>
       </a:lnSpc>
@@ -53,7 +53,7 @@
         <a:srgbClr val="000000"/>
       </a:buClr>
       <a:buFont typeface="Arial"/>
-      <a:defRPr b="0" i="0" sz="1400" u="none" cap="none" strike="noStrike">
+      <a:defRPr sz="1400" b="0" i="0" u="none" strike="noStrike" cap="none">
         <a:solidFill>
           <a:srgbClr val="000000"/>
         </a:solidFill>
@@ -63,7 +63,7 @@
         <a:sym typeface="Arial"/>
       </a:defRPr>
     </a:lvl1pPr>
-    <a:lvl2pPr lvl="1" marR="0" rtl="0" algn="l">
+    <a:lvl2pPr marR="0" lvl="1" algn="l" rtl="0">
       <a:lnSpc>
         <a:spcPct val="100000"/>
       </a:lnSpc>
@@ -77,7 +77,7 @@
         <a:srgbClr val="000000"/>
       </a:buClr>
       <a:buFont typeface="Arial"/>
-      <a:defRPr b="0" i="0" sz="1400" u="none" cap="none" strike="noStrike">
+      <a:defRPr sz="1400" b="0" i="0" u="none" strike="noStrike" cap="none">
         <a:solidFill>
           <a:srgbClr val="000000"/>
         </a:solidFill>
@@ -87,7 +87,7 @@
         <a:sym typeface="Arial"/>
       </a:defRPr>
     </a:lvl2pPr>
-    <a:lvl3pPr lvl="2" marR="0" rtl="0" algn="l">
+    <a:lvl3pPr marR="0" lvl="2" algn="l" rtl="0">
       <a:lnSpc>
         <a:spcPct val="100000"/>
       </a:lnSpc>
@@ -101,7 +101,7 @@
         <a:srgbClr val="000000"/>
       </a:buClr>
       <a:buFont typeface="Arial"/>
-      <a:defRPr b="0" i="0" sz="1400" u="none" cap="none" strike="noStrike">
+      <a:defRPr sz="1400" b="0" i="0" u="none" strike="noStrike" cap="none">
         <a:solidFill>
           <a:srgbClr val="000000"/>
         </a:solidFill>
@@ -111,7 +111,7 @@
         <a:sym typeface="Arial"/>
       </a:defRPr>
     </a:lvl3pPr>
-    <a:lvl4pPr lvl="3" marR="0" rtl="0" algn="l">
+    <a:lvl4pPr marR="0" lvl="3" algn="l" rtl="0">
       <a:lnSpc>
         <a:spcPct val="100000"/>
       </a:lnSpc>
@@ -125,7 +125,7 @@
         <a:srgbClr val="000000"/>
       </a:buClr>
       <a:buFont typeface="Arial"/>
-      <a:defRPr b="0" i="0" sz="1400" u="none" cap="none" strike="noStrike">
+      <a:defRPr sz="1400" b="0" i="0" u="none" strike="noStrike" cap="none">
         <a:solidFill>
           <a:srgbClr val="000000"/>
         </a:solidFill>
@@ -135,7 +135,7 @@
         <a:sym typeface="Arial"/>
       </a:defRPr>
     </a:lvl4pPr>
-    <a:lvl5pPr lvl="4" marR="0" rtl="0" algn="l">
+    <a:lvl5pPr marR="0" lvl="4" algn="l" rtl="0">
       <a:lnSpc>
         <a:spcPct val="100000"/>
       </a:lnSpc>
@@ -149,7 +149,7 @@
         <a:srgbClr val="000000"/>
       </a:buClr>
       <a:buFont typeface="Arial"/>
-      <a:defRPr b="0" i="0" sz="1400" u="none" cap="none" strike="noStrike">
+      <a:defRPr sz="1400" b="0" i="0" u="none" strike="noStrike" cap="none">
         <a:solidFill>
           <a:srgbClr val="000000"/>
         </a:solidFill>
@@ -159,7 +159,7 @@
         <a:sym typeface="Arial"/>
       </a:defRPr>
     </a:lvl5pPr>
-    <a:lvl6pPr lvl="5" marR="0" rtl="0" algn="l">
+    <a:lvl6pPr marR="0" lvl="5" algn="l" rtl="0">
       <a:lnSpc>
         <a:spcPct val="100000"/>
       </a:lnSpc>
@@ -173,7 +173,7 @@
         <a:srgbClr val="000000"/>
       </a:buClr>
       <a:buFont typeface="Arial"/>
-      <a:defRPr b="0" i="0" sz="1400" u="none" cap="none" strike="noStrike">
+      <a:defRPr sz="1400" b="0" i="0" u="none" strike="noStrike" cap="none">
         <a:solidFill>
           <a:srgbClr val="000000"/>
         </a:solidFill>
@@ -183,7 +183,7 @@
         <a:sym typeface="Arial"/>
       </a:defRPr>
     </a:lvl6pPr>
-    <a:lvl7pPr lvl="6" marR="0" rtl="0" algn="l">
+    <a:lvl7pPr marR="0" lvl="6" algn="l" rtl="0">
       <a:lnSpc>
         <a:spcPct val="100000"/>
       </a:lnSpc>
@@ -197,7 +197,7 @@
         <a:srgbClr val="000000"/>
       </a:buClr>
       <a:buFont typeface="Arial"/>
-      <a:defRPr b="0" i="0" sz="1400" u="none" cap="none" strike="noStrike">
+      <a:defRPr sz="1400" b="0" i="0" u="none" strike="noStrike" cap="none">
         <a:solidFill>
           <a:srgbClr val="000000"/>
         </a:solidFill>
@@ -207,7 +207,7 @@
         <a:sym typeface="Arial"/>
       </a:defRPr>
     </a:lvl7pPr>
-    <a:lvl8pPr lvl="7" marR="0" rtl="0" algn="l">
+    <a:lvl8pPr marR="0" lvl="7" algn="l" rtl="0">
       <a:lnSpc>
         <a:spcPct val="100000"/>
       </a:lnSpc>
@@ -221,7 +221,7 @@
         <a:srgbClr val="000000"/>
       </a:buClr>
       <a:buFont typeface="Arial"/>
-      <a:defRPr b="0" i="0" sz="1400" u="none" cap="none" strike="noStrike">
+      <a:defRPr sz="1400" b="0" i="0" u="none" strike="noStrike" cap="none">
         <a:solidFill>
           <a:srgbClr val="000000"/>
         </a:solidFill>
@@ -231,7 +231,7 @@
         <a:sym typeface="Arial"/>
       </a:defRPr>
     </a:lvl8pPr>
-    <a:lvl9pPr lvl="8" marR="0" rtl="0" algn="l">
+    <a:lvl9pPr marR="0" lvl="8" algn="l" rtl="0">
       <a:lnSpc>
         <a:spcPct val="100000"/>
       </a:lnSpc>
@@ -245,7 +245,7 @@
         <a:srgbClr val="000000"/>
       </a:buClr>
       <a:buFont typeface="Arial"/>
-      <a:defRPr b="0" i="0" sz="1400" u="none" cap="none" strike="noStrike">
+      <a:defRPr sz="1400" b="0" i="0" u="none" strike="noStrike" cap="none">
         <a:solidFill>
           <a:srgbClr val="000000"/>
         </a:solidFill>
@@ -258,7 +258,7 @@
   </p:defaultTextStyle>
   <p:extLst>
     <p:ext uri="{EFAFB233-063F-42B5-8137-9DF3F51BA10A}">
-      <p15:sldGuideLst>
+      <p15:sldGuideLst xmlns:p15="http://schemas.microsoft.com/office/powerpoint/2012/main">
         <p15:guide id="1" orient="horz" pos="1620">
           <p15:clr>
             <a:srgbClr val="A4A3A4"/>
@@ -276,11 +276,16 @@
 </file>
 
 <file path=ppt/notesMasters/notesMaster1.xml><?xml version="1.0" encoding="utf-8"?>
-<p:notesMaster xmlns:a="http://schemas.openxmlformats.org/drawingml/2006/main" xmlns:r="http://schemas.openxmlformats.org/officeDocument/2006/relationships" xmlns:mc="http://schemas.openxmlformats.org/markup-compatibility/2006" xmlns:mv="urn:schemas-microsoft-com:mac:vml" xmlns:p="http://schemas.openxmlformats.org/presentationml/2006/main" xmlns:c="http://schemas.openxmlformats.org/drawingml/2006/chart" xmlns:dgm="http://schemas.openxmlformats.org/drawingml/2006/diagram" xmlns:o="urn:schemas-microsoft-com:office:office" xmlns:v="urn:schemas-microsoft-com:vml" xmlns:pvml="urn:schemas-microsoft-com:office:powerpoint" xmlns:com="http://schemas.openxmlformats.org/drawingml/2006/compatibility" xmlns:p14="http://schemas.microsoft.com/office/powerpoint/2010/main" xmlns:p15="http://schemas.microsoft.com/office/powerpoint/2012/main" xmlns:ahyp="http://schemas.microsoft.com/office/drawing/2018/hyperlinkcolor">
+<p:notesMaster xmlns:a="http://schemas.openxmlformats.org/drawingml/2006/main" xmlns:r="http://schemas.openxmlformats.org/officeDocument/2006/relationships" xmlns:p="http://schemas.openxmlformats.org/presentationml/2006/main">
   <p:cSld>
+    <p:bg>
+      <p:bgRef idx="1001">
+        <a:schemeClr val="bg1"/>
+      </p:bgRef>
+    </p:bg>
     <p:spTree>
       <p:nvGrpSpPr>
-        <p:cNvPr id="2" name="Shape 2"/>
+        <p:cNvPr id="1" name="Shape 2"/>
         <p:cNvGrpSpPr/>
         <p:nvPr/>
       </p:nvGrpSpPr>
@@ -295,9 +300,11 @@
       <p:sp>
         <p:nvSpPr>
           <p:cNvPr id="3" name="Google Shape;3;n"/>
-          <p:cNvSpPr/>
+          <p:cNvSpPr>
+            <a:spLocks noGrp="1" noRot="1" noChangeAspect="1"/>
+          </p:cNvSpPr>
           <p:nvPr>
-            <p:ph idx="2" type="sldImg"/>
+            <p:ph type="sldImg" idx="2"/>
           </p:nvPr>
         </p:nvSpPr>
         <p:spPr>
@@ -306,9 +313,13 @@
             <a:ext cx="6096075" cy="3429000"/>
           </a:xfrm>
           <a:custGeom>
-            <a:rect b="b" l="l" r="r" t="t"/>
+            <a:avLst/>
+            <a:gdLst/>
+            <a:ahLst/>
+            <a:cxnLst/>
+            <a:rect l="l" t="t" r="r" b="b"/>
             <a:pathLst>
-              <a:path extrusionOk="0" h="120000" w="120000">
+              <a:path w="120000" h="120000" extrusionOk="0">
                 <a:moveTo>
                   <a:pt x="0" y="0"/>
                 </a:moveTo>
@@ -326,23 +337,25 @@
             </a:pathLst>
           </a:custGeom>
           <a:noFill/>
-          <a:ln cap="flat" cmpd="sng" w="9525">
+          <a:ln w="9525" cap="flat" cmpd="sng">
             <a:solidFill>
               <a:srgbClr val="000000"/>
             </a:solidFill>
             <a:prstDash val="solid"/>
             <a:round/>
-            <a:headEnd len="sm" w="sm" type="none"/>
-            <a:tailEnd len="sm" w="sm" type="none"/>
+            <a:headEnd type="none" w="sm" len="sm"/>
+            <a:tailEnd type="none" w="sm" len="sm"/>
           </a:ln>
         </p:spPr>
       </p:sp>
       <p:sp>
         <p:nvSpPr>
           <p:cNvPr id="4" name="Google Shape;4;n"/>
-          <p:cNvSpPr txBox="1"/>
+          <p:cNvSpPr txBox="1">
+            <a:spLocks noGrp="1"/>
+          </p:cNvSpPr>
           <p:nvPr>
-            <p:ph idx="1" type="body"/>
+            <p:ph type="body" idx="1"/>
           </p:nvPr>
         </p:nvSpPr>
         <p:spPr>
@@ -359,11 +372,11 @@
           </a:ln>
         </p:spPr>
         <p:txBody>
-          <a:bodyPr anchorCtr="0" anchor="t" bIns="91425" lIns="91425" spcFirstLastPara="1" rIns="91425" wrap="square" tIns="91425">
+          <a:bodyPr spcFirstLastPara="1" wrap="square" lIns="91425" tIns="91425" rIns="91425" bIns="91425" anchor="t" anchorCtr="0">
             <a:noAutofit/>
           </a:bodyPr>
           <a:lstStyle>
-            <a:lvl1pPr indent="-298450" lvl="0" marL="457200">
+            <a:lvl1pPr marL="457200" lvl="0" indent="-298450">
               <a:spcBef>
                 <a:spcPts val="0"/>
               </a:spcBef>
@@ -374,7 +387,7 @@
               <a:buChar char="●"/>
               <a:defRPr sz="1100"/>
             </a:lvl1pPr>
-            <a:lvl2pPr indent="-298450" lvl="1" marL="914400">
+            <a:lvl2pPr marL="914400" lvl="1" indent="-298450">
               <a:spcBef>
                 <a:spcPts val="0"/>
               </a:spcBef>
@@ -385,7 +398,7 @@
               <a:buChar char="○"/>
               <a:defRPr sz="1100"/>
             </a:lvl2pPr>
-            <a:lvl3pPr indent="-298450" lvl="2" marL="1371600">
+            <a:lvl3pPr marL="1371600" lvl="2" indent="-298450">
               <a:spcBef>
                 <a:spcPts val="0"/>
               </a:spcBef>
@@ -396,7 +409,7 @@
               <a:buChar char="■"/>
               <a:defRPr sz="1100"/>
             </a:lvl3pPr>
-            <a:lvl4pPr indent="-298450" lvl="3" marL="1828800">
+            <a:lvl4pPr marL="1828800" lvl="3" indent="-298450">
               <a:spcBef>
                 <a:spcPts val="0"/>
               </a:spcBef>
@@ -407,7 +420,7 @@
               <a:buChar char="●"/>
               <a:defRPr sz="1100"/>
             </a:lvl4pPr>
-            <a:lvl5pPr indent="-298450" lvl="4" marL="2286000">
+            <a:lvl5pPr marL="2286000" lvl="4" indent="-298450">
               <a:spcBef>
                 <a:spcPts val="0"/>
               </a:spcBef>
@@ -418,7 +431,7 @@
               <a:buChar char="○"/>
               <a:defRPr sz="1100"/>
             </a:lvl5pPr>
-            <a:lvl6pPr indent="-298450" lvl="5" marL="2743200">
+            <a:lvl6pPr marL="2743200" lvl="5" indent="-298450">
               <a:spcBef>
                 <a:spcPts val="0"/>
               </a:spcBef>
@@ -429,7 +442,7 @@
               <a:buChar char="■"/>
               <a:defRPr sz="1100"/>
             </a:lvl6pPr>
-            <a:lvl7pPr indent="-298450" lvl="6" marL="3200400">
+            <a:lvl7pPr marL="3200400" lvl="6" indent="-298450">
               <a:spcBef>
                 <a:spcPts val="0"/>
               </a:spcBef>
@@ -440,7 +453,7 @@
               <a:buChar char="●"/>
               <a:defRPr sz="1100"/>
             </a:lvl7pPr>
-            <a:lvl8pPr indent="-298450" lvl="7" marL="3657600">
+            <a:lvl8pPr marL="3657600" lvl="7" indent="-298450">
               <a:spcBef>
                 <a:spcPts val="0"/>
               </a:spcBef>
@@ -451,7 +464,7 @@
               <a:buChar char="○"/>
               <a:defRPr sz="1100"/>
             </a:lvl8pPr>
-            <a:lvl9pPr indent="-298450" lvl="8" marL="4114800">
+            <a:lvl9pPr marL="4114800" lvl="8" indent="-298450">
               <a:spcBef>
                 <a:spcPts val="0"/>
               </a:spcBef>
@@ -463,14 +476,16 @@
               <a:defRPr sz="1100"/>
             </a:lvl9pPr>
           </a:lstStyle>
-          <a:p/>
+          <a:p>
+            <a:endParaRPr/>
+          </a:p>
         </p:txBody>
       </p:sp>
     </p:spTree>
   </p:cSld>
-  <p:clrMap accent1="accent1" accent2="accent2" accent3="accent3" accent4="accent4" accent5="accent5" accent6="accent6" bg1="lt1" bg2="dk2" tx1="dk1" tx2="lt2" folHlink="folHlink" hlink="hlink"/>
+  <p:clrMap bg1="lt1" tx1="dk1" bg2="dk2" tx2="lt2" accent1="accent1" accent2="accent2" accent3="accent3" accent4="accent4" accent5="accent5" accent6="accent6" hlink="hlink" folHlink="folHlink"/>
   <p:notesStyle>
-    <a:defPPr lvl="0" marR="0" rtl="0" algn="l">
+    <a:defPPr marR="0" lvl="0" algn="l" rtl="0">
       <a:lnSpc>
         <a:spcPct val="100000"/>
       </a:lnSpc>
@@ -481,7 +496,7 @@
         <a:spcPts val="0"/>
       </a:spcAft>
     </a:defPPr>
-    <a:lvl1pPr lvl="0" marR="0" rtl="0" algn="l">
+    <a:lvl1pPr marR="0" lvl="0" algn="l" rtl="0">
       <a:lnSpc>
         <a:spcPct val="100000"/>
       </a:lnSpc>
@@ -495,7 +510,7 @@
         <a:srgbClr val="000000"/>
       </a:buClr>
       <a:buFont typeface="Arial"/>
-      <a:defRPr b="0" i="0" sz="1400" u="none" cap="none" strike="noStrike">
+      <a:defRPr sz="1400" b="0" i="0" u="none" strike="noStrike" cap="none">
         <a:solidFill>
           <a:srgbClr val="000000"/>
         </a:solidFill>
@@ -505,7 +520,7 @@
         <a:sym typeface="Arial"/>
       </a:defRPr>
     </a:lvl1pPr>
-    <a:lvl2pPr lvl="1" marR="0" rtl="0" algn="l">
+    <a:lvl2pPr marR="0" lvl="1" algn="l" rtl="0">
       <a:lnSpc>
         <a:spcPct val="100000"/>
       </a:lnSpc>
@@ -519,7 +534,7 @@
         <a:srgbClr val="000000"/>
       </a:buClr>
       <a:buFont typeface="Arial"/>
-      <a:defRPr b="0" i="0" sz="1400" u="none" cap="none" strike="noStrike">
+      <a:defRPr sz="1400" b="0" i="0" u="none" strike="noStrike" cap="none">
         <a:solidFill>
           <a:srgbClr val="000000"/>
         </a:solidFill>
@@ -529,7 +544,7 @@
         <a:sym typeface="Arial"/>
       </a:defRPr>
     </a:lvl2pPr>
-    <a:lvl3pPr lvl="2" marR="0" rtl="0" algn="l">
+    <a:lvl3pPr marR="0" lvl="2" algn="l" rtl="0">
       <a:lnSpc>
         <a:spcPct val="100000"/>
       </a:lnSpc>
@@ -543,7 +558,7 @@
         <a:srgbClr val="000000"/>
       </a:buClr>
       <a:buFont typeface="Arial"/>
-      <a:defRPr b="0" i="0" sz="1400" u="none" cap="none" strike="noStrike">
+      <a:defRPr sz="1400" b="0" i="0" u="none" strike="noStrike" cap="none">
         <a:solidFill>
           <a:srgbClr val="000000"/>
         </a:solidFill>
@@ -553,7 +568,7 @@
         <a:sym typeface="Arial"/>
       </a:defRPr>
     </a:lvl3pPr>
-    <a:lvl4pPr lvl="3" marR="0" rtl="0" algn="l">
+    <a:lvl4pPr marR="0" lvl="3" algn="l" rtl="0">
       <a:lnSpc>
         <a:spcPct val="100000"/>
       </a:lnSpc>
@@ -567,7 +582,7 @@
         <a:srgbClr val="000000"/>
       </a:buClr>
       <a:buFont typeface="Arial"/>
-      <a:defRPr b="0" i="0" sz="1400" u="none" cap="none" strike="noStrike">
+      <a:defRPr sz="1400" b="0" i="0" u="none" strike="noStrike" cap="none">
         <a:solidFill>
           <a:srgbClr val="000000"/>
         </a:solidFill>
@@ -577,7 +592,7 @@
         <a:sym typeface="Arial"/>
       </a:defRPr>
     </a:lvl4pPr>
-    <a:lvl5pPr lvl="4" marR="0" rtl="0" algn="l">
+    <a:lvl5pPr marR="0" lvl="4" algn="l" rtl="0">
       <a:lnSpc>
         <a:spcPct val="100000"/>
       </a:lnSpc>
@@ -591,7 +606,7 @@
         <a:srgbClr val="000000"/>
       </a:buClr>
       <a:buFont typeface="Arial"/>
-      <a:defRPr b="0" i="0" sz="1400" u="none" cap="none" strike="noStrike">
+      <a:defRPr sz="1400" b="0" i="0" u="none" strike="noStrike" cap="none">
         <a:solidFill>
           <a:srgbClr val="000000"/>
         </a:solidFill>
@@ -601,7 +616,7 @@
         <a:sym typeface="Arial"/>
       </a:defRPr>
     </a:lvl5pPr>
-    <a:lvl6pPr lvl="5" marR="0" rtl="0" algn="l">
+    <a:lvl6pPr marR="0" lvl="5" algn="l" rtl="0">
       <a:lnSpc>
         <a:spcPct val="100000"/>
       </a:lnSpc>
@@ -615,7 +630,7 @@
         <a:srgbClr val="000000"/>
       </a:buClr>
       <a:buFont typeface="Arial"/>
-      <a:defRPr b="0" i="0" sz="1400" u="none" cap="none" strike="noStrike">
+      <a:defRPr sz="1400" b="0" i="0" u="none" strike="noStrike" cap="none">
         <a:solidFill>
           <a:srgbClr val="000000"/>
         </a:solidFill>
@@ -625,7 +640,7 @@
         <a:sym typeface="Arial"/>
       </a:defRPr>
     </a:lvl6pPr>
-    <a:lvl7pPr lvl="6" marR="0" rtl="0" algn="l">
+    <a:lvl7pPr marR="0" lvl="6" algn="l" rtl="0">
       <a:lnSpc>
         <a:spcPct val="100000"/>
       </a:lnSpc>
@@ -639,7 +654,7 @@
         <a:srgbClr val="000000"/>
       </a:buClr>
       <a:buFont typeface="Arial"/>
-      <a:defRPr b="0" i="0" sz="1400" u="none" cap="none" strike="noStrike">
+      <a:defRPr sz="1400" b="0" i="0" u="none" strike="noStrike" cap="none">
         <a:solidFill>
           <a:srgbClr val="000000"/>
         </a:solidFill>
@@ -649,7 +664,7 @@
         <a:sym typeface="Arial"/>
       </a:defRPr>
     </a:lvl7pPr>
-    <a:lvl8pPr lvl="7" marR="0" rtl="0" algn="l">
+    <a:lvl8pPr marR="0" lvl="7" algn="l" rtl="0">
       <a:lnSpc>
         <a:spcPct val="100000"/>
       </a:lnSpc>
@@ -663,7 +678,7 @@
         <a:srgbClr val="000000"/>
       </a:buClr>
       <a:buFont typeface="Arial"/>
-      <a:defRPr b="0" i="0" sz="1400" u="none" cap="none" strike="noStrike">
+      <a:defRPr sz="1400" b="0" i="0" u="none" strike="noStrike" cap="none">
         <a:solidFill>
           <a:srgbClr val="000000"/>
         </a:solidFill>
@@ -673,7 +688,7 @@
         <a:sym typeface="Arial"/>
       </a:defRPr>
     </a:lvl8pPr>
-    <a:lvl9pPr lvl="8" marR="0" rtl="0" algn="l">
+    <a:lvl9pPr marR="0" lvl="8" algn="l" rtl="0">
       <a:lnSpc>
         <a:spcPct val="100000"/>
       </a:lnSpc>
@@ -687,7 +702,7 @@
         <a:srgbClr val="000000"/>
       </a:buClr>
       <a:buFont typeface="Arial"/>
-      <a:defRPr b="0" i="0" sz="1400" u="none" cap="none" strike="noStrike">
+      <a:defRPr sz="1400" b="0" i="0" u="none" strike="noStrike" cap="none">
         <a:solidFill>
           <a:srgbClr val="000000"/>
         </a:solidFill>
@@ -702,11 +717,11 @@
 </file>
 
 <file path=ppt/notesSlides/notesSlide1.xml><?xml version="1.0" encoding="utf-8"?>
-<p:notes xmlns:a="http://schemas.openxmlformats.org/drawingml/2006/main" xmlns:r="http://schemas.openxmlformats.org/officeDocument/2006/relationships" xmlns:mc="http://schemas.openxmlformats.org/markup-compatibility/2006" xmlns:mv="urn:schemas-microsoft-com:mac:vml" xmlns:p="http://schemas.openxmlformats.org/presentationml/2006/main" xmlns:c="http://schemas.openxmlformats.org/drawingml/2006/chart" xmlns:dgm="http://schemas.openxmlformats.org/drawingml/2006/diagram" xmlns:o="urn:schemas-microsoft-com:office:office" xmlns:v="urn:schemas-microsoft-com:vml" xmlns:pvml="urn:schemas-microsoft-com:office:powerpoint" xmlns:com="http://schemas.openxmlformats.org/drawingml/2006/compatibility" xmlns:p14="http://schemas.microsoft.com/office/powerpoint/2010/main" xmlns:p15="http://schemas.microsoft.com/office/powerpoint/2012/main" xmlns:ahyp="http://schemas.microsoft.com/office/drawing/2018/hyperlinkcolor" showMasterPhAnim="0" showMasterSp="0">
+<p:notes xmlns:a="http://schemas.openxmlformats.org/drawingml/2006/main" xmlns:r="http://schemas.openxmlformats.org/officeDocument/2006/relationships" xmlns:p="http://schemas.openxmlformats.org/presentationml/2006/main" showMasterSp="0" showMasterPhAnim="0">
   <p:cSld>
     <p:spTree>
       <p:nvGrpSpPr>
-        <p:cNvPr id="50" name="Shape 50"/>
+        <p:cNvPr id="1" name="Shape 50"/>
         <p:cNvGrpSpPr/>
         <p:nvPr/>
       </p:nvGrpSpPr>
@@ -721,9 +736,11 @@
       <p:sp>
         <p:nvSpPr>
           <p:cNvPr id="51" name="Google Shape;51;gb81b71afa1_0_878:notes"/>
-          <p:cNvSpPr/>
+          <p:cNvSpPr>
+            <a:spLocks noGrp="1" noRot="1" noChangeAspect="1"/>
+          </p:cNvSpPr>
           <p:nvPr>
-            <p:ph idx="2" type="sldImg"/>
+            <p:ph type="sldImg" idx="2"/>
           </p:nvPr>
         </p:nvSpPr>
         <p:spPr>
@@ -732,9 +749,13 @@
             <a:ext cx="6096000" cy="3429000"/>
           </a:xfrm>
           <a:custGeom>
-            <a:rect b="b" l="l" r="r" t="t"/>
+            <a:avLst/>
+            <a:gdLst/>
+            <a:ahLst/>
+            <a:cxnLst/>
+            <a:rect l="l" t="t" r="r" b="b"/>
             <a:pathLst>
-              <a:path extrusionOk="0" h="120000" w="120000">
+              <a:path w="120000" h="120000" extrusionOk="0">
                 <a:moveTo>
                   <a:pt x="0" y="0"/>
                 </a:moveTo>
@@ -756,9 +777,11 @@
       <p:sp>
         <p:nvSpPr>
           <p:cNvPr id="52" name="Google Shape;52;gb81b71afa1_0_878:notes"/>
-          <p:cNvSpPr txBox="1"/>
+          <p:cNvSpPr txBox="1">
+            <a:spLocks noGrp="1"/>
+          </p:cNvSpPr>
           <p:nvPr>
-            <p:ph idx="1" type="body"/>
+            <p:ph type="body" idx="1"/>
           </p:nvPr>
         </p:nvSpPr>
         <p:spPr>
@@ -771,23 +794,20 @@
           </a:prstGeom>
         </p:spPr>
         <p:txBody>
-          <a:bodyPr anchorCtr="0" anchor="t" bIns="91425" lIns="91425" spcFirstLastPara="1" rIns="91425" wrap="square" tIns="91425">
+          <a:bodyPr spcFirstLastPara="1" wrap="square" lIns="91425" tIns="91425" rIns="91425" bIns="91425" anchor="t" anchorCtr="0">
             <a:noAutofit/>
           </a:bodyPr>
           <a:lstStyle/>
           <a:p>
-            <a:pPr indent="0" lvl="0" marL="0" rtl="0" algn="l">
-              <a:spcBef>
-                <a:spcPts val="0"/>
-              </a:spcBef>
-              <a:spcAft>
-                <a:spcPts val="0"/>
-              </a:spcAft>
-              <a:buNone/>
-            </a:pPr>
-            <a:r>
-              <a:t/>
-            </a:r>
+            <a:pPr marL="0" lvl="0" indent="0" algn="l" rtl="0">
+              <a:spcBef>
+                <a:spcPts val="0"/>
+              </a:spcBef>
+              <a:spcAft>
+                <a:spcPts val="0"/>
+              </a:spcAft>
+              <a:buNone/>
+            </a:pPr>
             <a:endParaRPr/>
           </a:p>
         </p:txBody>
@@ -801,11 +821,11 @@
 </file>
 
 <file path=ppt/notesSlides/notesSlide10.xml><?xml version="1.0" encoding="utf-8"?>
-<p:notes xmlns:a="http://schemas.openxmlformats.org/drawingml/2006/main" xmlns:r="http://schemas.openxmlformats.org/officeDocument/2006/relationships" xmlns:mc="http://schemas.openxmlformats.org/markup-compatibility/2006" xmlns:mv="urn:schemas-microsoft-com:mac:vml" xmlns:p="http://schemas.openxmlformats.org/presentationml/2006/main" xmlns:c="http://schemas.openxmlformats.org/drawingml/2006/chart" xmlns:dgm="http://schemas.openxmlformats.org/drawingml/2006/diagram" xmlns:o="urn:schemas-microsoft-com:office:office" xmlns:v="urn:schemas-microsoft-com:vml" xmlns:pvml="urn:schemas-microsoft-com:office:powerpoint" xmlns:com="http://schemas.openxmlformats.org/drawingml/2006/compatibility" xmlns:p14="http://schemas.microsoft.com/office/powerpoint/2010/main" xmlns:p15="http://schemas.microsoft.com/office/powerpoint/2012/main" xmlns:ahyp="http://schemas.microsoft.com/office/drawing/2018/hyperlinkcolor" showMasterPhAnim="0" showMasterSp="0">
+<p:notes xmlns:a="http://schemas.openxmlformats.org/drawingml/2006/main" xmlns:r="http://schemas.openxmlformats.org/officeDocument/2006/relationships" xmlns:p="http://schemas.openxmlformats.org/presentationml/2006/main" showMasterSp="0" showMasterPhAnim="0">
   <p:cSld>
     <p:spTree>
       <p:nvGrpSpPr>
-        <p:cNvPr id="110" name="Shape 110"/>
+        <p:cNvPr id="1" name="Shape 110"/>
         <p:cNvGrpSpPr/>
         <p:nvPr/>
       </p:nvGrpSpPr>
@@ -820,9 +840,11 @@
       <p:sp>
         <p:nvSpPr>
           <p:cNvPr id="111" name="Google Shape;111;gb81b71afa1_0_929:notes"/>
-          <p:cNvSpPr/>
+          <p:cNvSpPr>
+            <a:spLocks noGrp="1" noRot="1" noChangeAspect="1"/>
+          </p:cNvSpPr>
           <p:nvPr>
-            <p:ph idx="2" type="sldImg"/>
+            <p:ph type="sldImg" idx="2"/>
           </p:nvPr>
         </p:nvSpPr>
         <p:spPr>
@@ -831,9 +853,13 @@
             <a:ext cx="6096000" cy="3429000"/>
           </a:xfrm>
           <a:custGeom>
-            <a:rect b="b" l="l" r="r" t="t"/>
+            <a:avLst/>
+            <a:gdLst/>
+            <a:ahLst/>
+            <a:cxnLst/>
+            <a:rect l="l" t="t" r="r" b="b"/>
             <a:pathLst>
-              <a:path extrusionOk="0" h="120000" w="120000">
+              <a:path w="120000" h="120000" extrusionOk="0">
                 <a:moveTo>
                   <a:pt x="0" y="0"/>
                 </a:moveTo>
@@ -855,9 +881,11 @@
       <p:sp>
         <p:nvSpPr>
           <p:cNvPr id="112" name="Google Shape;112;gb81b71afa1_0_929:notes"/>
-          <p:cNvSpPr txBox="1"/>
+          <p:cNvSpPr txBox="1">
+            <a:spLocks noGrp="1"/>
+          </p:cNvSpPr>
           <p:nvPr>
-            <p:ph idx="1" type="body"/>
+            <p:ph type="body" idx="1"/>
           </p:nvPr>
         </p:nvSpPr>
         <p:spPr>
@@ -870,23 +898,20 @@
           </a:prstGeom>
         </p:spPr>
         <p:txBody>
-          <a:bodyPr anchorCtr="0" anchor="t" bIns="91425" lIns="91425" spcFirstLastPara="1" rIns="91425" wrap="square" tIns="91425">
+          <a:bodyPr spcFirstLastPara="1" wrap="square" lIns="91425" tIns="91425" rIns="91425" bIns="91425" anchor="t" anchorCtr="0">
             <a:noAutofit/>
           </a:bodyPr>
           <a:lstStyle/>
           <a:p>
-            <a:pPr indent="0" lvl="0" marL="0" rtl="0" algn="l">
-              <a:spcBef>
-                <a:spcPts val="0"/>
-              </a:spcBef>
-              <a:spcAft>
-                <a:spcPts val="0"/>
-              </a:spcAft>
-              <a:buNone/>
-            </a:pPr>
-            <a:r>
-              <a:t/>
-            </a:r>
+            <a:pPr marL="0" lvl="0" indent="0" algn="l" rtl="0">
+              <a:spcBef>
+                <a:spcPts val="0"/>
+              </a:spcBef>
+              <a:spcAft>
+                <a:spcPts val="0"/>
+              </a:spcAft>
+              <a:buNone/>
+            </a:pPr>
             <a:endParaRPr/>
           </a:p>
         </p:txBody>
@@ -900,11 +925,11 @@
 </file>
 
 <file path=ppt/notesSlides/notesSlide11.xml><?xml version="1.0" encoding="utf-8"?>
-<p:notes xmlns:a="http://schemas.openxmlformats.org/drawingml/2006/main" xmlns:r="http://schemas.openxmlformats.org/officeDocument/2006/relationships" xmlns:mc="http://schemas.openxmlformats.org/markup-compatibility/2006" xmlns:mv="urn:schemas-microsoft-com:mac:vml" xmlns:p="http://schemas.openxmlformats.org/presentationml/2006/main" xmlns:c="http://schemas.openxmlformats.org/drawingml/2006/chart" xmlns:dgm="http://schemas.openxmlformats.org/drawingml/2006/diagram" xmlns:o="urn:schemas-microsoft-com:office:office" xmlns:v="urn:schemas-microsoft-com:vml" xmlns:pvml="urn:schemas-microsoft-com:office:powerpoint" xmlns:com="http://schemas.openxmlformats.org/drawingml/2006/compatibility" xmlns:p14="http://schemas.microsoft.com/office/powerpoint/2010/main" xmlns:p15="http://schemas.microsoft.com/office/powerpoint/2012/main" xmlns:ahyp="http://schemas.microsoft.com/office/drawing/2018/hyperlinkcolor" showMasterPhAnim="0" showMasterSp="0">
+<p:notes xmlns:a="http://schemas.openxmlformats.org/drawingml/2006/main" xmlns:r="http://schemas.openxmlformats.org/officeDocument/2006/relationships" xmlns:p="http://schemas.openxmlformats.org/presentationml/2006/main" showMasterSp="0" showMasterPhAnim="0">
   <p:cSld>
     <p:spTree>
       <p:nvGrpSpPr>
-        <p:cNvPr id="116" name="Shape 116"/>
+        <p:cNvPr id="1" name="Shape 116"/>
         <p:cNvGrpSpPr/>
         <p:nvPr/>
       </p:nvGrpSpPr>
@@ -919,20 +944,26 @@
       <p:sp>
         <p:nvSpPr>
           <p:cNvPr id="117" name="Google Shape;117;gb81b71afa1_0_934:notes"/>
-          <p:cNvSpPr/>
+          <p:cNvSpPr>
+            <a:spLocks noGrp="1" noRot="1" noChangeAspect="1"/>
+          </p:cNvSpPr>
           <p:nvPr>
-            <p:ph idx="2" type="sldImg"/>
+            <p:ph type="sldImg" idx="2"/>
           </p:nvPr>
         </p:nvSpPr>
         <p:spPr>
           <a:xfrm>
-            <a:off x="381300" y="685800"/>
+            <a:off x="381000" y="685800"/>
             <a:ext cx="6096000" cy="3429000"/>
           </a:xfrm>
           <a:custGeom>
-            <a:rect b="b" l="l" r="r" t="t"/>
+            <a:avLst/>
+            <a:gdLst/>
+            <a:ahLst/>
+            <a:cxnLst/>
+            <a:rect l="l" t="t" r="r" b="b"/>
             <a:pathLst>
-              <a:path extrusionOk="0" h="120000" w="120000">
+              <a:path w="120000" h="120000" extrusionOk="0">
                 <a:moveTo>
                   <a:pt x="0" y="0"/>
                 </a:moveTo>
@@ -954,9 +985,11 @@
       <p:sp>
         <p:nvSpPr>
           <p:cNvPr id="118" name="Google Shape;118;gb81b71afa1_0_934:notes"/>
-          <p:cNvSpPr txBox="1"/>
+          <p:cNvSpPr txBox="1">
+            <a:spLocks noGrp="1"/>
+          </p:cNvSpPr>
           <p:nvPr>
-            <p:ph idx="1" type="body"/>
+            <p:ph type="body" idx="1"/>
           </p:nvPr>
         </p:nvSpPr>
         <p:spPr>
@@ -969,23 +1002,20 @@
           </a:prstGeom>
         </p:spPr>
         <p:txBody>
-          <a:bodyPr anchorCtr="0" anchor="t" bIns="91425" lIns="91425" spcFirstLastPara="1" rIns="91425" wrap="square" tIns="91425">
+          <a:bodyPr spcFirstLastPara="1" wrap="square" lIns="91425" tIns="91425" rIns="91425" bIns="91425" anchor="t" anchorCtr="0">
             <a:noAutofit/>
           </a:bodyPr>
           <a:lstStyle/>
           <a:p>
-            <a:pPr indent="0" lvl="0" marL="0" rtl="0" algn="l">
-              <a:spcBef>
-                <a:spcPts val="0"/>
-              </a:spcBef>
-              <a:spcAft>
-                <a:spcPts val="0"/>
-              </a:spcAft>
-              <a:buNone/>
-            </a:pPr>
-            <a:r>
-              <a:t/>
-            </a:r>
+            <a:pPr marL="0" lvl="0" indent="0" algn="l" rtl="0">
+              <a:spcBef>
+                <a:spcPts val="0"/>
+              </a:spcBef>
+              <a:spcAft>
+                <a:spcPts val="0"/>
+              </a:spcAft>
+              <a:buNone/>
+            </a:pPr>
             <a:endParaRPr/>
           </a:p>
         </p:txBody>
@@ -999,11 +1029,11 @@
 </file>
 
 <file path=ppt/notesSlides/notesSlide12.xml><?xml version="1.0" encoding="utf-8"?>
-<p:notes xmlns:a="http://schemas.openxmlformats.org/drawingml/2006/main" xmlns:r="http://schemas.openxmlformats.org/officeDocument/2006/relationships" xmlns:mc="http://schemas.openxmlformats.org/markup-compatibility/2006" xmlns:mv="urn:schemas-microsoft-com:mac:vml" xmlns:p="http://schemas.openxmlformats.org/presentationml/2006/main" xmlns:c="http://schemas.openxmlformats.org/drawingml/2006/chart" xmlns:dgm="http://schemas.openxmlformats.org/drawingml/2006/diagram" xmlns:o="urn:schemas-microsoft-com:office:office" xmlns:v="urn:schemas-microsoft-com:vml" xmlns:pvml="urn:schemas-microsoft-com:office:powerpoint" xmlns:com="http://schemas.openxmlformats.org/drawingml/2006/compatibility" xmlns:p14="http://schemas.microsoft.com/office/powerpoint/2010/main" xmlns:p15="http://schemas.microsoft.com/office/powerpoint/2012/main" xmlns:ahyp="http://schemas.microsoft.com/office/drawing/2018/hyperlinkcolor" showMasterPhAnim="0" showMasterSp="0">
+<p:notes xmlns:a="http://schemas.openxmlformats.org/drawingml/2006/main" xmlns:r="http://schemas.openxmlformats.org/officeDocument/2006/relationships" xmlns:p="http://schemas.openxmlformats.org/presentationml/2006/main" showMasterSp="0" showMasterPhAnim="0">
   <p:cSld>
     <p:spTree>
       <p:nvGrpSpPr>
-        <p:cNvPr id="124" name="Shape 124"/>
+        <p:cNvPr id="1" name="Shape 124"/>
         <p:cNvGrpSpPr/>
         <p:nvPr/>
       </p:nvGrpSpPr>
@@ -1018,9 +1048,11 @@
       <p:sp>
         <p:nvSpPr>
           <p:cNvPr id="125" name="Google Shape;125;gb81b71afa1_0_941:notes"/>
-          <p:cNvSpPr/>
+          <p:cNvSpPr>
+            <a:spLocks noGrp="1" noRot="1" noChangeAspect="1"/>
+          </p:cNvSpPr>
           <p:nvPr>
-            <p:ph idx="2" type="sldImg"/>
+            <p:ph type="sldImg" idx="2"/>
           </p:nvPr>
         </p:nvSpPr>
         <p:spPr>
@@ -1029,9 +1061,13 @@
             <a:ext cx="6096000" cy="3429000"/>
           </a:xfrm>
           <a:custGeom>
-            <a:rect b="b" l="l" r="r" t="t"/>
+            <a:avLst/>
+            <a:gdLst/>
+            <a:ahLst/>
+            <a:cxnLst/>
+            <a:rect l="l" t="t" r="r" b="b"/>
             <a:pathLst>
-              <a:path extrusionOk="0" h="120000" w="120000">
+              <a:path w="120000" h="120000" extrusionOk="0">
                 <a:moveTo>
                   <a:pt x="0" y="0"/>
                 </a:moveTo>
@@ -1053,9 +1089,11 @@
       <p:sp>
         <p:nvSpPr>
           <p:cNvPr id="126" name="Google Shape;126;gb81b71afa1_0_941:notes"/>
-          <p:cNvSpPr txBox="1"/>
+          <p:cNvSpPr txBox="1">
+            <a:spLocks noGrp="1"/>
+          </p:cNvSpPr>
           <p:nvPr>
-            <p:ph idx="1" type="body"/>
+            <p:ph type="body" idx="1"/>
           </p:nvPr>
         </p:nvSpPr>
         <p:spPr>
@@ -1068,23 +1106,20 @@
           </a:prstGeom>
         </p:spPr>
         <p:txBody>
-          <a:bodyPr anchorCtr="0" anchor="t" bIns="91425" lIns="91425" spcFirstLastPara="1" rIns="91425" wrap="square" tIns="91425">
+          <a:bodyPr spcFirstLastPara="1" wrap="square" lIns="91425" tIns="91425" rIns="91425" bIns="91425" anchor="t" anchorCtr="0">
             <a:noAutofit/>
           </a:bodyPr>
           <a:lstStyle/>
           <a:p>
-            <a:pPr indent="0" lvl="0" marL="0" rtl="0" algn="l">
-              <a:spcBef>
-                <a:spcPts val="0"/>
-              </a:spcBef>
-              <a:spcAft>
-                <a:spcPts val="0"/>
-              </a:spcAft>
-              <a:buNone/>
-            </a:pPr>
-            <a:r>
-              <a:t/>
-            </a:r>
+            <a:pPr marL="0" lvl="0" indent="0" algn="l" rtl="0">
+              <a:spcBef>
+                <a:spcPts val="0"/>
+              </a:spcBef>
+              <a:spcAft>
+                <a:spcPts val="0"/>
+              </a:spcAft>
+              <a:buNone/>
+            </a:pPr>
             <a:endParaRPr/>
           </a:p>
         </p:txBody>
@@ -1098,11 +1133,11 @@
 </file>
 
 <file path=ppt/notesSlides/notesSlide13.xml><?xml version="1.0" encoding="utf-8"?>
-<p:notes xmlns:a="http://schemas.openxmlformats.org/drawingml/2006/main" xmlns:r="http://schemas.openxmlformats.org/officeDocument/2006/relationships" xmlns:mc="http://schemas.openxmlformats.org/markup-compatibility/2006" xmlns:mv="urn:schemas-microsoft-com:mac:vml" xmlns:p="http://schemas.openxmlformats.org/presentationml/2006/main" xmlns:c="http://schemas.openxmlformats.org/drawingml/2006/chart" xmlns:dgm="http://schemas.openxmlformats.org/drawingml/2006/diagram" xmlns:o="urn:schemas-microsoft-com:office:office" xmlns:v="urn:schemas-microsoft-com:vml" xmlns:pvml="urn:schemas-microsoft-com:office:powerpoint" xmlns:com="http://schemas.openxmlformats.org/drawingml/2006/compatibility" xmlns:p14="http://schemas.microsoft.com/office/powerpoint/2010/main" xmlns:p15="http://schemas.microsoft.com/office/powerpoint/2012/main" xmlns:ahyp="http://schemas.microsoft.com/office/drawing/2018/hyperlinkcolor" showMasterPhAnim="0" showMasterSp="0">
+<p:notes xmlns:a="http://schemas.openxmlformats.org/drawingml/2006/main" xmlns:r="http://schemas.openxmlformats.org/officeDocument/2006/relationships" xmlns:p="http://schemas.openxmlformats.org/presentationml/2006/main" showMasterSp="0" showMasterPhAnim="0">
   <p:cSld>
     <p:spTree>
       <p:nvGrpSpPr>
-        <p:cNvPr id="132" name="Shape 132"/>
+        <p:cNvPr id="1" name="Shape 132"/>
         <p:cNvGrpSpPr/>
         <p:nvPr/>
       </p:nvGrpSpPr>
@@ -1117,9 +1152,11 @@
       <p:sp>
         <p:nvSpPr>
           <p:cNvPr id="133" name="Google Shape;133;gb81b71afa1_0_948:notes"/>
-          <p:cNvSpPr/>
+          <p:cNvSpPr>
+            <a:spLocks noGrp="1" noRot="1" noChangeAspect="1"/>
+          </p:cNvSpPr>
           <p:nvPr>
-            <p:ph idx="2" type="sldImg"/>
+            <p:ph type="sldImg" idx="2"/>
           </p:nvPr>
         </p:nvSpPr>
         <p:spPr>
@@ -1128,9 +1165,13 @@
             <a:ext cx="6096000" cy="3429000"/>
           </a:xfrm>
           <a:custGeom>
-            <a:rect b="b" l="l" r="r" t="t"/>
+            <a:avLst/>
+            <a:gdLst/>
+            <a:ahLst/>
+            <a:cxnLst/>
+            <a:rect l="l" t="t" r="r" b="b"/>
             <a:pathLst>
-              <a:path extrusionOk="0" h="120000" w="120000">
+              <a:path w="120000" h="120000" extrusionOk="0">
                 <a:moveTo>
                   <a:pt x="0" y="0"/>
                 </a:moveTo>
@@ -1152,9 +1193,11 @@
       <p:sp>
         <p:nvSpPr>
           <p:cNvPr id="134" name="Google Shape;134;gb81b71afa1_0_948:notes"/>
-          <p:cNvSpPr txBox="1"/>
+          <p:cNvSpPr txBox="1">
+            <a:spLocks noGrp="1"/>
+          </p:cNvSpPr>
           <p:nvPr>
-            <p:ph idx="1" type="body"/>
+            <p:ph type="body" idx="1"/>
           </p:nvPr>
         </p:nvSpPr>
         <p:spPr>
@@ -1167,23 +1210,20 @@
           </a:prstGeom>
         </p:spPr>
         <p:txBody>
-          <a:bodyPr anchorCtr="0" anchor="t" bIns="91425" lIns="91425" spcFirstLastPara="1" rIns="91425" wrap="square" tIns="91425">
+          <a:bodyPr spcFirstLastPara="1" wrap="square" lIns="91425" tIns="91425" rIns="91425" bIns="91425" anchor="t" anchorCtr="0">
             <a:noAutofit/>
           </a:bodyPr>
           <a:lstStyle/>
           <a:p>
-            <a:pPr indent="0" lvl="0" marL="0" rtl="0" algn="l">
-              <a:spcBef>
-                <a:spcPts val="0"/>
-              </a:spcBef>
-              <a:spcAft>
-                <a:spcPts val="0"/>
-              </a:spcAft>
-              <a:buNone/>
-            </a:pPr>
-            <a:r>
-              <a:t/>
-            </a:r>
+            <a:pPr marL="0" lvl="0" indent="0" algn="l" rtl="0">
+              <a:spcBef>
+                <a:spcPts val="0"/>
+              </a:spcBef>
+              <a:spcAft>
+                <a:spcPts val="0"/>
+              </a:spcAft>
+              <a:buNone/>
+            </a:pPr>
             <a:endParaRPr/>
           </a:p>
         </p:txBody>
@@ -1197,11 +1237,11 @@
 </file>
 
 <file path=ppt/notesSlides/notesSlide14.xml><?xml version="1.0" encoding="utf-8"?>
-<p:notes xmlns:a="http://schemas.openxmlformats.org/drawingml/2006/main" xmlns:r="http://schemas.openxmlformats.org/officeDocument/2006/relationships" xmlns:mc="http://schemas.openxmlformats.org/markup-compatibility/2006" xmlns:mv="urn:schemas-microsoft-com:mac:vml" xmlns:p="http://schemas.openxmlformats.org/presentationml/2006/main" xmlns:c="http://schemas.openxmlformats.org/drawingml/2006/chart" xmlns:dgm="http://schemas.openxmlformats.org/drawingml/2006/diagram" xmlns:o="urn:schemas-microsoft-com:office:office" xmlns:v="urn:schemas-microsoft-com:vml" xmlns:pvml="urn:schemas-microsoft-com:office:powerpoint" xmlns:com="http://schemas.openxmlformats.org/drawingml/2006/compatibility" xmlns:p14="http://schemas.microsoft.com/office/powerpoint/2010/main" xmlns:p15="http://schemas.microsoft.com/office/powerpoint/2012/main" xmlns:ahyp="http://schemas.microsoft.com/office/drawing/2018/hyperlinkcolor" showMasterPhAnim="0" showMasterSp="0">
+<p:notes xmlns:a="http://schemas.openxmlformats.org/drawingml/2006/main" xmlns:r="http://schemas.openxmlformats.org/officeDocument/2006/relationships" xmlns:p="http://schemas.openxmlformats.org/presentationml/2006/main" showMasterSp="0" showMasterPhAnim="0">
   <p:cSld>
     <p:spTree>
       <p:nvGrpSpPr>
-        <p:cNvPr id="141" name="Shape 141"/>
+        <p:cNvPr id="1" name="Shape 141"/>
         <p:cNvGrpSpPr/>
         <p:nvPr/>
       </p:nvGrpSpPr>
@@ -1216,9 +1256,11 @@
       <p:sp>
         <p:nvSpPr>
           <p:cNvPr id="142" name="Google Shape;142;gb81b71afa1_0_956:notes"/>
-          <p:cNvSpPr/>
+          <p:cNvSpPr>
+            <a:spLocks noGrp="1" noRot="1" noChangeAspect="1"/>
+          </p:cNvSpPr>
           <p:nvPr>
-            <p:ph idx="2" type="sldImg"/>
+            <p:ph type="sldImg" idx="2"/>
           </p:nvPr>
         </p:nvSpPr>
         <p:spPr>
@@ -1227,9 +1269,13 @@
             <a:ext cx="6096000" cy="3429000"/>
           </a:xfrm>
           <a:custGeom>
-            <a:rect b="b" l="l" r="r" t="t"/>
+            <a:avLst/>
+            <a:gdLst/>
+            <a:ahLst/>
+            <a:cxnLst/>
+            <a:rect l="l" t="t" r="r" b="b"/>
             <a:pathLst>
-              <a:path extrusionOk="0" h="120000" w="120000">
+              <a:path w="120000" h="120000" extrusionOk="0">
                 <a:moveTo>
                   <a:pt x="0" y="0"/>
                 </a:moveTo>
@@ -1251,9 +1297,11 @@
       <p:sp>
         <p:nvSpPr>
           <p:cNvPr id="143" name="Google Shape;143;gb81b71afa1_0_956:notes"/>
-          <p:cNvSpPr txBox="1"/>
+          <p:cNvSpPr txBox="1">
+            <a:spLocks noGrp="1"/>
+          </p:cNvSpPr>
           <p:nvPr>
-            <p:ph idx="1" type="body"/>
+            <p:ph type="body" idx="1"/>
           </p:nvPr>
         </p:nvSpPr>
         <p:spPr>
@@ -1266,23 +1314,20 @@
           </a:prstGeom>
         </p:spPr>
         <p:txBody>
-          <a:bodyPr anchorCtr="0" anchor="t" bIns="91425" lIns="91425" spcFirstLastPara="1" rIns="91425" wrap="square" tIns="91425">
+          <a:bodyPr spcFirstLastPara="1" wrap="square" lIns="91425" tIns="91425" rIns="91425" bIns="91425" anchor="t" anchorCtr="0">
             <a:noAutofit/>
           </a:bodyPr>
           <a:lstStyle/>
           <a:p>
-            <a:pPr indent="0" lvl="0" marL="0" rtl="0" algn="l">
-              <a:spcBef>
-                <a:spcPts val="0"/>
-              </a:spcBef>
-              <a:spcAft>
-                <a:spcPts val="0"/>
-              </a:spcAft>
-              <a:buNone/>
-            </a:pPr>
-            <a:r>
-              <a:t/>
-            </a:r>
+            <a:pPr marL="0" lvl="0" indent="0" algn="l" rtl="0">
+              <a:spcBef>
+                <a:spcPts val="0"/>
+              </a:spcBef>
+              <a:spcAft>
+                <a:spcPts val="0"/>
+              </a:spcAft>
+              <a:buNone/>
+            </a:pPr>
             <a:endParaRPr/>
           </a:p>
         </p:txBody>
@@ -1296,11 +1341,11 @@
 </file>
 
 <file path=ppt/notesSlides/notesSlide15.xml><?xml version="1.0" encoding="utf-8"?>
-<p:notes xmlns:a="http://schemas.openxmlformats.org/drawingml/2006/main" xmlns:r="http://schemas.openxmlformats.org/officeDocument/2006/relationships" xmlns:mc="http://schemas.openxmlformats.org/markup-compatibility/2006" xmlns:mv="urn:schemas-microsoft-com:mac:vml" xmlns:p="http://schemas.openxmlformats.org/presentationml/2006/main" xmlns:c="http://schemas.openxmlformats.org/drawingml/2006/chart" xmlns:dgm="http://schemas.openxmlformats.org/drawingml/2006/diagram" xmlns:o="urn:schemas-microsoft-com:office:office" xmlns:v="urn:schemas-microsoft-com:vml" xmlns:pvml="urn:schemas-microsoft-com:office:powerpoint" xmlns:com="http://schemas.openxmlformats.org/drawingml/2006/compatibility" xmlns:p14="http://schemas.microsoft.com/office/powerpoint/2010/main" xmlns:p15="http://schemas.microsoft.com/office/powerpoint/2012/main" xmlns:ahyp="http://schemas.microsoft.com/office/drawing/2018/hyperlinkcolor" showMasterPhAnim="0" showMasterSp="0">
+<p:notes xmlns:a="http://schemas.openxmlformats.org/drawingml/2006/main" xmlns:r="http://schemas.openxmlformats.org/officeDocument/2006/relationships" xmlns:p="http://schemas.openxmlformats.org/presentationml/2006/main" showMasterSp="0" showMasterPhAnim="0">
   <p:cSld>
     <p:spTree>
       <p:nvGrpSpPr>
-        <p:cNvPr id="149" name="Shape 149"/>
+        <p:cNvPr id="1" name="Shape 149"/>
         <p:cNvGrpSpPr/>
         <p:nvPr/>
       </p:nvGrpSpPr>
@@ -1315,9 +1360,11 @@
       <p:sp>
         <p:nvSpPr>
           <p:cNvPr id="150" name="Google Shape;150;gb81b71afa1_0_963:notes"/>
-          <p:cNvSpPr/>
+          <p:cNvSpPr>
+            <a:spLocks noGrp="1" noRot="1" noChangeAspect="1"/>
+          </p:cNvSpPr>
           <p:nvPr>
-            <p:ph idx="2" type="sldImg"/>
+            <p:ph type="sldImg" idx="2"/>
           </p:nvPr>
         </p:nvSpPr>
         <p:spPr>
@@ -1326,9 +1373,13 @@
             <a:ext cx="6096000" cy="3429000"/>
           </a:xfrm>
           <a:custGeom>
-            <a:rect b="b" l="l" r="r" t="t"/>
+            <a:avLst/>
+            <a:gdLst/>
+            <a:ahLst/>
+            <a:cxnLst/>
+            <a:rect l="l" t="t" r="r" b="b"/>
             <a:pathLst>
-              <a:path extrusionOk="0" h="120000" w="120000">
+              <a:path w="120000" h="120000" extrusionOk="0">
                 <a:moveTo>
                   <a:pt x="0" y="0"/>
                 </a:moveTo>
@@ -1350,9 +1401,11 @@
       <p:sp>
         <p:nvSpPr>
           <p:cNvPr id="151" name="Google Shape;151;gb81b71afa1_0_963:notes"/>
-          <p:cNvSpPr txBox="1"/>
+          <p:cNvSpPr txBox="1">
+            <a:spLocks noGrp="1"/>
+          </p:cNvSpPr>
           <p:nvPr>
-            <p:ph idx="1" type="body"/>
+            <p:ph type="body" idx="1"/>
           </p:nvPr>
         </p:nvSpPr>
         <p:spPr>
@@ -1365,23 +1418,20 @@
           </a:prstGeom>
         </p:spPr>
         <p:txBody>
-          <a:bodyPr anchorCtr="0" anchor="t" bIns="91425" lIns="91425" spcFirstLastPara="1" rIns="91425" wrap="square" tIns="91425">
+          <a:bodyPr spcFirstLastPara="1" wrap="square" lIns="91425" tIns="91425" rIns="91425" bIns="91425" anchor="t" anchorCtr="0">
             <a:noAutofit/>
           </a:bodyPr>
           <a:lstStyle/>
           <a:p>
-            <a:pPr indent="0" lvl="0" marL="0" rtl="0" algn="l">
-              <a:spcBef>
-                <a:spcPts val="0"/>
-              </a:spcBef>
-              <a:spcAft>
-                <a:spcPts val="0"/>
-              </a:spcAft>
-              <a:buNone/>
-            </a:pPr>
-            <a:r>
-              <a:t/>
-            </a:r>
+            <a:pPr marL="0" lvl="0" indent="0" algn="l" rtl="0">
+              <a:spcBef>
+                <a:spcPts val="0"/>
+              </a:spcBef>
+              <a:spcAft>
+                <a:spcPts val="0"/>
+              </a:spcAft>
+              <a:buNone/>
+            </a:pPr>
             <a:endParaRPr/>
           </a:p>
         </p:txBody>
@@ -1395,11 +1445,11 @@
 </file>
 
 <file path=ppt/notesSlides/notesSlide16.xml><?xml version="1.0" encoding="utf-8"?>
-<p:notes xmlns:a="http://schemas.openxmlformats.org/drawingml/2006/main" xmlns:r="http://schemas.openxmlformats.org/officeDocument/2006/relationships" xmlns:mc="http://schemas.openxmlformats.org/markup-compatibility/2006" xmlns:mv="urn:schemas-microsoft-com:mac:vml" xmlns:p="http://schemas.openxmlformats.org/presentationml/2006/main" xmlns:c="http://schemas.openxmlformats.org/drawingml/2006/chart" xmlns:dgm="http://schemas.openxmlformats.org/drawingml/2006/diagram" xmlns:o="urn:schemas-microsoft-com:office:office" xmlns:v="urn:schemas-microsoft-com:vml" xmlns:pvml="urn:schemas-microsoft-com:office:powerpoint" xmlns:com="http://schemas.openxmlformats.org/drawingml/2006/compatibility" xmlns:p14="http://schemas.microsoft.com/office/powerpoint/2010/main" xmlns:p15="http://schemas.microsoft.com/office/powerpoint/2012/main" xmlns:ahyp="http://schemas.microsoft.com/office/drawing/2018/hyperlinkcolor" showMasterPhAnim="0" showMasterSp="0">
+<p:notes xmlns:a="http://schemas.openxmlformats.org/drawingml/2006/main" xmlns:r="http://schemas.openxmlformats.org/officeDocument/2006/relationships" xmlns:p="http://schemas.openxmlformats.org/presentationml/2006/main" showMasterSp="0" showMasterPhAnim="0">
   <p:cSld>
     <p:spTree>
       <p:nvGrpSpPr>
-        <p:cNvPr id="157" name="Shape 157"/>
+        <p:cNvPr id="1" name="Shape 157"/>
         <p:cNvGrpSpPr/>
         <p:nvPr/>
       </p:nvGrpSpPr>
@@ -1414,9 +1464,11 @@
       <p:sp>
         <p:nvSpPr>
           <p:cNvPr id="158" name="Google Shape;158;gb81b71afa1_0_970:notes"/>
-          <p:cNvSpPr/>
+          <p:cNvSpPr>
+            <a:spLocks noGrp="1" noRot="1" noChangeAspect="1"/>
+          </p:cNvSpPr>
           <p:nvPr>
-            <p:ph idx="2" type="sldImg"/>
+            <p:ph type="sldImg" idx="2"/>
           </p:nvPr>
         </p:nvSpPr>
         <p:spPr>
@@ -1425,9 +1477,13 @@
             <a:ext cx="6096000" cy="3429000"/>
           </a:xfrm>
           <a:custGeom>
-            <a:rect b="b" l="l" r="r" t="t"/>
+            <a:avLst/>
+            <a:gdLst/>
+            <a:ahLst/>
+            <a:cxnLst/>
+            <a:rect l="l" t="t" r="r" b="b"/>
             <a:pathLst>
-              <a:path extrusionOk="0" h="120000" w="120000">
+              <a:path w="120000" h="120000" extrusionOk="0">
                 <a:moveTo>
                   <a:pt x="0" y="0"/>
                 </a:moveTo>
@@ -1449,9 +1505,11 @@
       <p:sp>
         <p:nvSpPr>
           <p:cNvPr id="159" name="Google Shape;159;gb81b71afa1_0_970:notes"/>
-          <p:cNvSpPr txBox="1"/>
+          <p:cNvSpPr txBox="1">
+            <a:spLocks noGrp="1"/>
+          </p:cNvSpPr>
           <p:nvPr>
-            <p:ph idx="1" type="body"/>
+            <p:ph type="body" idx="1"/>
           </p:nvPr>
         </p:nvSpPr>
         <p:spPr>
@@ -1464,23 +1522,20 @@
           </a:prstGeom>
         </p:spPr>
         <p:txBody>
-          <a:bodyPr anchorCtr="0" anchor="t" bIns="91425" lIns="91425" spcFirstLastPara="1" rIns="91425" wrap="square" tIns="91425">
+          <a:bodyPr spcFirstLastPara="1" wrap="square" lIns="91425" tIns="91425" rIns="91425" bIns="91425" anchor="t" anchorCtr="0">
             <a:noAutofit/>
           </a:bodyPr>
           <a:lstStyle/>
           <a:p>
-            <a:pPr indent="0" lvl="0" marL="0" rtl="0" algn="l">
-              <a:spcBef>
-                <a:spcPts val="0"/>
-              </a:spcBef>
-              <a:spcAft>
-                <a:spcPts val="0"/>
-              </a:spcAft>
-              <a:buNone/>
-            </a:pPr>
-            <a:r>
-              <a:t/>
-            </a:r>
+            <a:pPr marL="0" lvl="0" indent="0" algn="l" rtl="0">
+              <a:spcBef>
+                <a:spcPts val="0"/>
+              </a:spcBef>
+              <a:spcAft>
+                <a:spcPts val="0"/>
+              </a:spcAft>
+              <a:buNone/>
+            </a:pPr>
             <a:endParaRPr/>
           </a:p>
         </p:txBody>
@@ -1494,11 +1549,11 @@
 </file>
 
 <file path=ppt/notesSlides/notesSlide2.xml><?xml version="1.0" encoding="utf-8"?>
-<p:notes xmlns:a="http://schemas.openxmlformats.org/drawingml/2006/main" xmlns:r="http://schemas.openxmlformats.org/officeDocument/2006/relationships" xmlns:mc="http://schemas.openxmlformats.org/markup-compatibility/2006" xmlns:mv="urn:schemas-microsoft-com:mac:vml" xmlns:p="http://schemas.openxmlformats.org/presentationml/2006/main" xmlns:c="http://schemas.openxmlformats.org/drawingml/2006/chart" xmlns:dgm="http://schemas.openxmlformats.org/drawingml/2006/diagram" xmlns:o="urn:schemas-microsoft-com:office:office" xmlns:v="urn:schemas-microsoft-com:vml" xmlns:pvml="urn:schemas-microsoft-com:office:powerpoint" xmlns:com="http://schemas.openxmlformats.org/drawingml/2006/compatibility" xmlns:p14="http://schemas.microsoft.com/office/powerpoint/2010/main" xmlns:p15="http://schemas.microsoft.com/office/powerpoint/2012/main" xmlns:ahyp="http://schemas.microsoft.com/office/drawing/2018/hyperlinkcolor" showMasterPhAnim="0" showMasterSp="0">
+<p:notes xmlns:a="http://schemas.openxmlformats.org/drawingml/2006/main" xmlns:r="http://schemas.openxmlformats.org/officeDocument/2006/relationships" xmlns:p="http://schemas.openxmlformats.org/presentationml/2006/main" showMasterSp="0" showMasterPhAnim="0">
   <p:cSld>
     <p:spTree>
       <p:nvGrpSpPr>
-        <p:cNvPr id="55" name="Shape 55"/>
+        <p:cNvPr id="1" name="Shape 55"/>
         <p:cNvGrpSpPr/>
         <p:nvPr/>
       </p:nvGrpSpPr>
@@ -1513,9 +1568,11 @@
       <p:sp>
         <p:nvSpPr>
           <p:cNvPr id="56" name="Google Shape;56;gb81b71afa1_0_882:notes"/>
-          <p:cNvSpPr/>
+          <p:cNvSpPr>
+            <a:spLocks noGrp="1" noRot="1" noChangeAspect="1"/>
+          </p:cNvSpPr>
           <p:nvPr>
-            <p:ph idx="2" type="sldImg"/>
+            <p:ph type="sldImg" idx="2"/>
           </p:nvPr>
         </p:nvSpPr>
         <p:spPr>
@@ -1524,9 +1581,13 @@
             <a:ext cx="6096000" cy="3429000"/>
           </a:xfrm>
           <a:custGeom>
-            <a:rect b="b" l="l" r="r" t="t"/>
+            <a:avLst/>
+            <a:gdLst/>
+            <a:ahLst/>
+            <a:cxnLst/>
+            <a:rect l="l" t="t" r="r" b="b"/>
             <a:pathLst>
-              <a:path extrusionOk="0" h="120000" w="120000">
+              <a:path w="120000" h="120000" extrusionOk="0">
                 <a:moveTo>
                   <a:pt x="0" y="0"/>
                 </a:moveTo>
@@ -1548,9 +1609,11 @@
       <p:sp>
         <p:nvSpPr>
           <p:cNvPr id="57" name="Google Shape;57;gb81b71afa1_0_882:notes"/>
-          <p:cNvSpPr txBox="1"/>
+          <p:cNvSpPr txBox="1">
+            <a:spLocks noGrp="1"/>
+          </p:cNvSpPr>
           <p:nvPr>
-            <p:ph idx="1" type="body"/>
+            <p:ph type="body" idx="1"/>
           </p:nvPr>
         </p:nvSpPr>
         <p:spPr>
@@ -1563,23 +1626,20 @@
           </a:prstGeom>
         </p:spPr>
         <p:txBody>
-          <a:bodyPr anchorCtr="0" anchor="t" bIns="91425" lIns="91425" spcFirstLastPara="1" rIns="91425" wrap="square" tIns="91425">
+          <a:bodyPr spcFirstLastPara="1" wrap="square" lIns="91425" tIns="91425" rIns="91425" bIns="91425" anchor="t" anchorCtr="0">
             <a:noAutofit/>
           </a:bodyPr>
           <a:lstStyle/>
           <a:p>
-            <a:pPr indent="0" lvl="0" marL="0" rtl="0" algn="l">
-              <a:spcBef>
-                <a:spcPts val="0"/>
-              </a:spcBef>
-              <a:spcAft>
-                <a:spcPts val="0"/>
-              </a:spcAft>
-              <a:buNone/>
-            </a:pPr>
-            <a:r>
-              <a:t/>
-            </a:r>
+            <a:pPr marL="0" lvl="0" indent="0" algn="l" rtl="0">
+              <a:spcBef>
+                <a:spcPts val="0"/>
+              </a:spcBef>
+              <a:spcAft>
+                <a:spcPts val="0"/>
+              </a:spcAft>
+              <a:buNone/>
+            </a:pPr>
             <a:endParaRPr/>
           </a:p>
         </p:txBody>
@@ -1593,11 +1653,11 @@
 </file>
 
 <file path=ppt/notesSlides/notesSlide3.xml><?xml version="1.0" encoding="utf-8"?>
-<p:notes xmlns:a="http://schemas.openxmlformats.org/drawingml/2006/main" xmlns:r="http://schemas.openxmlformats.org/officeDocument/2006/relationships" xmlns:mc="http://schemas.openxmlformats.org/markup-compatibility/2006" xmlns:mv="urn:schemas-microsoft-com:mac:vml" xmlns:p="http://schemas.openxmlformats.org/presentationml/2006/main" xmlns:c="http://schemas.openxmlformats.org/drawingml/2006/chart" xmlns:dgm="http://schemas.openxmlformats.org/drawingml/2006/diagram" xmlns:o="urn:schemas-microsoft-com:office:office" xmlns:v="urn:schemas-microsoft-com:vml" xmlns:pvml="urn:schemas-microsoft-com:office:powerpoint" xmlns:com="http://schemas.openxmlformats.org/drawingml/2006/compatibility" xmlns:p14="http://schemas.microsoft.com/office/powerpoint/2010/main" xmlns:p15="http://schemas.microsoft.com/office/powerpoint/2012/main" xmlns:ahyp="http://schemas.microsoft.com/office/drawing/2018/hyperlinkcolor" showMasterPhAnim="0" showMasterSp="0">
+<p:notes xmlns:a="http://schemas.openxmlformats.org/drawingml/2006/main" xmlns:r="http://schemas.openxmlformats.org/officeDocument/2006/relationships" xmlns:p="http://schemas.openxmlformats.org/presentationml/2006/main" showMasterSp="0" showMasterPhAnim="0">
   <p:cSld>
     <p:spTree>
       <p:nvGrpSpPr>
-        <p:cNvPr id="61" name="Shape 61"/>
+        <p:cNvPr id="1" name="Shape 61"/>
         <p:cNvGrpSpPr/>
         <p:nvPr/>
       </p:nvGrpSpPr>
@@ -1612,9 +1672,11 @@
       <p:sp>
         <p:nvSpPr>
           <p:cNvPr id="62" name="Google Shape;62;gb81b71afa1_0_887:notes"/>
-          <p:cNvSpPr/>
+          <p:cNvSpPr>
+            <a:spLocks noGrp="1" noRot="1" noChangeAspect="1"/>
+          </p:cNvSpPr>
           <p:nvPr>
-            <p:ph idx="2" type="sldImg"/>
+            <p:ph type="sldImg" idx="2"/>
           </p:nvPr>
         </p:nvSpPr>
         <p:spPr>
@@ -1623,9 +1685,13 @@
             <a:ext cx="6096000" cy="3429000"/>
           </a:xfrm>
           <a:custGeom>
-            <a:rect b="b" l="l" r="r" t="t"/>
+            <a:avLst/>
+            <a:gdLst/>
+            <a:ahLst/>
+            <a:cxnLst/>
+            <a:rect l="l" t="t" r="r" b="b"/>
             <a:pathLst>
-              <a:path extrusionOk="0" h="120000" w="120000">
+              <a:path w="120000" h="120000" extrusionOk="0">
                 <a:moveTo>
                   <a:pt x="0" y="0"/>
                 </a:moveTo>
@@ -1647,9 +1713,11 @@
       <p:sp>
         <p:nvSpPr>
           <p:cNvPr id="63" name="Google Shape;63;gb81b71afa1_0_887:notes"/>
-          <p:cNvSpPr txBox="1"/>
+          <p:cNvSpPr txBox="1">
+            <a:spLocks noGrp="1"/>
+          </p:cNvSpPr>
           <p:nvPr>
-            <p:ph idx="1" type="body"/>
+            <p:ph type="body" idx="1"/>
           </p:nvPr>
         </p:nvSpPr>
         <p:spPr>
@@ -1662,23 +1730,20 @@
           </a:prstGeom>
         </p:spPr>
         <p:txBody>
-          <a:bodyPr anchorCtr="0" anchor="t" bIns="91425" lIns="91425" spcFirstLastPara="1" rIns="91425" wrap="square" tIns="91425">
+          <a:bodyPr spcFirstLastPara="1" wrap="square" lIns="91425" tIns="91425" rIns="91425" bIns="91425" anchor="t" anchorCtr="0">
             <a:noAutofit/>
           </a:bodyPr>
           <a:lstStyle/>
           <a:p>
-            <a:pPr indent="0" lvl="0" marL="0" rtl="0" algn="l">
-              <a:spcBef>
-                <a:spcPts val="0"/>
-              </a:spcBef>
-              <a:spcAft>
-                <a:spcPts val="0"/>
-              </a:spcAft>
-              <a:buNone/>
-            </a:pPr>
-            <a:r>
-              <a:t/>
-            </a:r>
+            <a:pPr marL="0" lvl="0" indent="0" algn="l" rtl="0">
+              <a:spcBef>
+                <a:spcPts val="0"/>
+              </a:spcBef>
+              <a:spcAft>
+                <a:spcPts val="0"/>
+              </a:spcAft>
+              <a:buNone/>
+            </a:pPr>
             <a:endParaRPr/>
           </a:p>
         </p:txBody>
@@ -1692,11 +1757,11 @@
 </file>
 
 <file path=ppt/notesSlides/notesSlide4.xml><?xml version="1.0" encoding="utf-8"?>
-<p:notes xmlns:a="http://schemas.openxmlformats.org/drawingml/2006/main" xmlns:r="http://schemas.openxmlformats.org/officeDocument/2006/relationships" xmlns:mc="http://schemas.openxmlformats.org/markup-compatibility/2006" xmlns:mv="urn:schemas-microsoft-com:mac:vml" xmlns:p="http://schemas.openxmlformats.org/presentationml/2006/main" xmlns:c="http://schemas.openxmlformats.org/drawingml/2006/chart" xmlns:dgm="http://schemas.openxmlformats.org/drawingml/2006/diagram" xmlns:o="urn:schemas-microsoft-com:office:office" xmlns:v="urn:schemas-microsoft-com:vml" xmlns:pvml="urn:schemas-microsoft-com:office:powerpoint" xmlns:com="http://schemas.openxmlformats.org/drawingml/2006/compatibility" xmlns:p14="http://schemas.microsoft.com/office/powerpoint/2010/main" xmlns:p15="http://schemas.microsoft.com/office/powerpoint/2012/main" xmlns:ahyp="http://schemas.microsoft.com/office/drawing/2018/hyperlinkcolor" showMasterPhAnim="0" showMasterSp="0">
+<p:notes xmlns:a="http://schemas.openxmlformats.org/drawingml/2006/main" xmlns:r="http://schemas.openxmlformats.org/officeDocument/2006/relationships" xmlns:p="http://schemas.openxmlformats.org/presentationml/2006/main" showMasterSp="0" showMasterPhAnim="0">
   <p:cSld>
     <p:spTree>
       <p:nvGrpSpPr>
-        <p:cNvPr id="68" name="Shape 68"/>
+        <p:cNvPr id="1" name="Shape 68"/>
         <p:cNvGrpSpPr/>
         <p:nvPr/>
       </p:nvGrpSpPr>
@@ -1711,9 +1776,11 @@
       <p:sp>
         <p:nvSpPr>
           <p:cNvPr id="69" name="Google Shape;69;gb81b71afa1_0_893:notes"/>
-          <p:cNvSpPr/>
+          <p:cNvSpPr>
+            <a:spLocks noGrp="1" noRot="1" noChangeAspect="1"/>
+          </p:cNvSpPr>
           <p:nvPr>
-            <p:ph idx="2" type="sldImg"/>
+            <p:ph type="sldImg" idx="2"/>
           </p:nvPr>
         </p:nvSpPr>
         <p:spPr>
@@ -1722,9 +1789,13 @@
             <a:ext cx="6096000" cy="3429000"/>
           </a:xfrm>
           <a:custGeom>
-            <a:rect b="b" l="l" r="r" t="t"/>
+            <a:avLst/>
+            <a:gdLst/>
+            <a:ahLst/>
+            <a:cxnLst/>
+            <a:rect l="l" t="t" r="r" b="b"/>
             <a:pathLst>
-              <a:path extrusionOk="0" h="120000" w="120000">
+              <a:path w="120000" h="120000" extrusionOk="0">
                 <a:moveTo>
                   <a:pt x="0" y="0"/>
                 </a:moveTo>
@@ -1746,9 +1817,11 @@
       <p:sp>
         <p:nvSpPr>
           <p:cNvPr id="70" name="Google Shape;70;gb81b71afa1_0_893:notes"/>
-          <p:cNvSpPr txBox="1"/>
+          <p:cNvSpPr txBox="1">
+            <a:spLocks noGrp="1"/>
+          </p:cNvSpPr>
           <p:nvPr>
-            <p:ph idx="1" type="body"/>
+            <p:ph type="body" idx="1"/>
           </p:nvPr>
         </p:nvSpPr>
         <p:spPr>
@@ -1761,23 +1834,20 @@
           </a:prstGeom>
         </p:spPr>
         <p:txBody>
-          <a:bodyPr anchorCtr="0" anchor="t" bIns="91425" lIns="91425" spcFirstLastPara="1" rIns="91425" wrap="square" tIns="91425">
+          <a:bodyPr spcFirstLastPara="1" wrap="square" lIns="91425" tIns="91425" rIns="91425" bIns="91425" anchor="t" anchorCtr="0">
             <a:noAutofit/>
           </a:bodyPr>
           <a:lstStyle/>
           <a:p>
-            <a:pPr indent="0" lvl="0" marL="0" rtl="0" algn="l">
-              <a:spcBef>
-                <a:spcPts val="0"/>
-              </a:spcBef>
-              <a:spcAft>
-                <a:spcPts val="0"/>
-              </a:spcAft>
-              <a:buNone/>
-            </a:pPr>
-            <a:r>
-              <a:t/>
-            </a:r>
+            <a:pPr marL="0" lvl="0" indent="0" algn="l" rtl="0">
+              <a:spcBef>
+                <a:spcPts val="0"/>
+              </a:spcBef>
+              <a:spcAft>
+                <a:spcPts val="0"/>
+              </a:spcAft>
+              <a:buNone/>
+            </a:pPr>
             <a:endParaRPr/>
           </a:p>
         </p:txBody>
@@ -1791,11 +1861,11 @@
 </file>
 
 <file path=ppt/notesSlides/notesSlide5.xml><?xml version="1.0" encoding="utf-8"?>
-<p:notes xmlns:a="http://schemas.openxmlformats.org/drawingml/2006/main" xmlns:r="http://schemas.openxmlformats.org/officeDocument/2006/relationships" xmlns:mc="http://schemas.openxmlformats.org/markup-compatibility/2006" xmlns:mv="urn:schemas-microsoft-com:mac:vml" xmlns:p="http://schemas.openxmlformats.org/presentationml/2006/main" xmlns:c="http://schemas.openxmlformats.org/drawingml/2006/chart" xmlns:dgm="http://schemas.openxmlformats.org/drawingml/2006/diagram" xmlns:o="urn:schemas-microsoft-com:office:office" xmlns:v="urn:schemas-microsoft-com:vml" xmlns:pvml="urn:schemas-microsoft-com:office:powerpoint" xmlns:com="http://schemas.openxmlformats.org/drawingml/2006/compatibility" xmlns:p14="http://schemas.microsoft.com/office/powerpoint/2010/main" xmlns:p15="http://schemas.microsoft.com/office/powerpoint/2012/main" xmlns:ahyp="http://schemas.microsoft.com/office/drawing/2018/hyperlinkcolor" showMasterPhAnim="0" showMasterSp="0">
+<p:notes xmlns:a="http://schemas.openxmlformats.org/drawingml/2006/main" xmlns:r="http://schemas.openxmlformats.org/officeDocument/2006/relationships" xmlns:p="http://schemas.openxmlformats.org/presentationml/2006/main" showMasterSp="0" showMasterPhAnim="0">
   <p:cSld>
     <p:spTree>
       <p:nvGrpSpPr>
-        <p:cNvPr id="74" name="Shape 74"/>
+        <p:cNvPr id="1" name="Shape 74"/>
         <p:cNvGrpSpPr/>
         <p:nvPr/>
       </p:nvGrpSpPr>
@@ -1810,9 +1880,11 @@
       <p:sp>
         <p:nvSpPr>
           <p:cNvPr id="75" name="Google Shape;75;gb81b71afa1_0_898:notes"/>
-          <p:cNvSpPr/>
+          <p:cNvSpPr>
+            <a:spLocks noGrp="1" noRot="1" noChangeAspect="1"/>
+          </p:cNvSpPr>
           <p:nvPr>
-            <p:ph idx="2" type="sldImg"/>
+            <p:ph type="sldImg" idx="2"/>
           </p:nvPr>
         </p:nvSpPr>
         <p:spPr>
@@ -1821,9 +1893,13 @@
             <a:ext cx="6096000" cy="3429000"/>
           </a:xfrm>
           <a:custGeom>
-            <a:rect b="b" l="l" r="r" t="t"/>
+            <a:avLst/>
+            <a:gdLst/>
+            <a:ahLst/>
+            <a:cxnLst/>
+            <a:rect l="l" t="t" r="r" b="b"/>
             <a:pathLst>
-              <a:path extrusionOk="0" h="120000" w="120000">
+              <a:path w="120000" h="120000" extrusionOk="0">
                 <a:moveTo>
                   <a:pt x="0" y="0"/>
                 </a:moveTo>
@@ -1845,9 +1921,11 @@
       <p:sp>
         <p:nvSpPr>
           <p:cNvPr id="76" name="Google Shape;76;gb81b71afa1_0_898:notes"/>
-          <p:cNvSpPr txBox="1"/>
+          <p:cNvSpPr txBox="1">
+            <a:spLocks noGrp="1"/>
+          </p:cNvSpPr>
           <p:nvPr>
-            <p:ph idx="1" type="body"/>
+            <p:ph type="body" idx="1"/>
           </p:nvPr>
         </p:nvSpPr>
         <p:spPr>
@@ -1860,23 +1938,20 @@
           </a:prstGeom>
         </p:spPr>
         <p:txBody>
-          <a:bodyPr anchorCtr="0" anchor="t" bIns="91425" lIns="91425" spcFirstLastPara="1" rIns="91425" wrap="square" tIns="91425">
+          <a:bodyPr spcFirstLastPara="1" wrap="square" lIns="91425" tIns="91425" rIns="91425" bIns="91425" anchor="t" anchorCtr="0">
             <a:noAutofit/>
           </a:bodyPr>
           <a:lstStyle/>
           <a:p>
-            <a:pPr indent="0" lvl="0" marL="0" rtl="0" algn="l">
-              <a:spcBef>
-                <a:spcPts val="0"/>
-              </a:spcBef>
-              <a:spcAft>
-                <a:spcPts val="0"/>
-              </a:spcAft>
-              <a:buNone/>
-            </a:pPr>
-            <a:r>
-              <a:t/>
-            </a:r>
+            <a:pPr marL="0" lvl="0" indent="0" algn="l" rtl="0">
+              <a:spcBef>
+                <a:spcPts val="0"/>
+              </a:spcBef>
+              <a:spcAft>
+                <a:spcPts val="0"/>
+              </a:spcAft>
+              <a:buNone/>
+            </a:pPr>
             <a:endParaRPr/>
           </a:p>
         </p:txBody>
@@ -1890,11 +1965,11 @@
 </file>
 
 <file path=ppt/notesSlides/notesSlide6.xml><?xml version="1.0" encoding="utf-8"?>
-<p:notes xmlns:a="http://schemas.openxmlformats.org/drawingml/2006/main" xmlns:r="http://schemas.openxmlformats.org/officeDocument/2006/relationships" xmlns:mc="http://schemas.openxmlformats.org/markup-compatibility/2006" xmlns:mv="urn:schemas-microsoft-com:mac:vml" xmlns:p="http://schemas.openxmlformats.org/presentationml/2006/main" xmlns:c="http://schemas.openxmlformats.org/drawingml/2006/chart" xmlns:dgm="http://schemas.openxmlformats.org/drawingml/2006/diagram" xmlns:o="urn:schemas-microsoft-com:office:office" xmlns:v="urn:schemas-microsoft-com:vml" xmlns:pvml="urn:schemas-microsoft-com:office:powerpoint" xmlns:com="http://schemas.openxmlformats.org/drawingml/2006/compatibility" xmlns:p14="http://schemas.microsoft.com/office/powerpoint/2010/main" xmlns:p15="http://schemas.microsoft.com/office/powerpoint/2012/main" xmlns:ahyp="http://schemas.microsoft.com/office/drawing/2018/hyperlinkcolor" showMasterPhAnim="0" showMasterSp="0">
+<p:notes xmlns:a="http://schemas.openxmlformats.org/drawingml/2006/main" xmlns:r="http://schemas.openxmlformats.org/officeDocument/2006/relationships" xmlns:p="http://schemas.openxmlformats.org/presentationml/2006/main" showMasterSp="0" showMasterPhAnim="0">
   <p:cSld>
     <p:spTree>
       <p:nvGrpSpPr>
-        <p:cNvPr id="83" name="Shape 83"/>
+        <p:cNvPr id="1" name="Shape 83"/>
         <p:cNvGrpSpPr/>
         <p:nvPr/>
       </p:nvGrpSpPr>
@@ -1909,9 +1984,11 @@
       <p:sp>
         <p:nvSpPr>
           <p:cNvPr id="84" name="Google Shape;84;gb81b71afa1_0_906:notes"/>
-          <p:cNvSpPr/>
+          <p:cNvSpPr>
+            <a:spLocks noGrp="1" noRot="1" noChangeAspect="1"/>
+          </p:cNvSpPr>
           <p:nvPr>
-            <p:ph idx="2" type="sldImg"/>
+            <p:ph type="sldImg" idx="2"/>
           </p:nvPr>
         </p:nvSpPr>
         <p:spPr>
@@ -1920,9 +1997,13 @@
             <a:ext cx="6096000" cy="3429000"/>
           </a:xfrm>
           <a:custGeom>
-            <a:rect b="b" l="l" r="r" t="t"/>
+            <a:avLst/>
+            <a:gdLst/>
+            <a:ahLst/>
+            <a:cxnLst/>
+            <a:rect l="l" t="t" r="r" b="b"/>
             <a:pathLst>
-              <a:path extrusionOk="0" h="120000" w="120000">
+              <a:path w="120000" h="120000" extrusionOk="0">
                 <a:moveTo>
                   <a:pt x="0" y="0"/>
                 </a:moveTo>
@@ -1944,9 +2025,11 @@
       <p:sp>
         <p:nvSpPr>
           <p:cNvPr id="85" name="Google Shape;85;gb81b71afa1_0_906:notes"/>
-          <p:cNvSpPr txBox="1"/>
+          <p:cNvSpPr txBox="1">
+            <a:spLocks noGrp="1"/>
+          </p:cNvSpPr>
           <p:nvPr>
-            <p:ph idx="1" type="body"/>
+            <p:ph type="body" idx="1"/>
           </p:nvPr>
         </p:nvSpPr>
         <p:spPr>
@@ -1959,23 +2042,20 @@
           </a:prstGeom>
         </p:spPr>
         <p:txBody>
-          <a:bodyPr anchorCtr="0" anchor="t" bIns="91425" lIns="91425" spcFirstLastPara="1" rIns="91425" wrap="square" tIns="91425">
+          <a:bodyPr spcFirstLastPara="1" wrap="square" lIns="91425" tIns="91425" rIns="91425" bIns="91425" anchor="t" anchorCtr="0">
             <a:noAutofit/>
           </a:bodyPr>
           <a:lstStyle/>
           <a:p>
-            <a:pPr indent="0" lvl="0" marL="0" rtl="0" algn="l">
-              <a:spcBef>
-                <a:spcPts val="0"/>
-              </a:spcBef>
-              <a:spcAft>
-                <a:spcPts val="0"/>
-              </a:spcAft>
-              <a:buNone/>
-            </a:pPr>
-            <a:r>
-              <a:t/>
-            </a:r>
+            <a:pPr marL="0" lvl="0" indent="0" algn="l" rtl="0">
+              <a:spcBef>
+                <a:spcPts val="0"/>
+              </a:spcBef>
+              <a:spcAft>
+                <a:spcPts val="0"/>
+              </a:spcAft>
+              <a:buNone/>
+            </a:pPr>
             <a:endParaRPr/>
           </a:p>
         </p:txBody>
@@ -1989,11 +2069,11 @@
 </file>
 
 <file path=ppt/notesSlides/notesSlide7.xml><?xml version="1.0" encoding="utf-8"?>
-<p:notes xmlns:a="http://schemas.openxmlformats.org/drawingml/2006/main" xmlns:r="http://schemas.openxmlformats.org/officeDocument/2006/relationships" xmlns:mc="http://schemas.openxmlformats.org/markup-compatibility/2006" xmlns:mv="urn:schemas-microsoft-com:mac:vml" xmlns:p="http://schemas.openxmlformats.org/presentationml/2006/main" xmlns:c="http://schemas.openxmlformats.org/drawingml/2006/chart" xmlns:dgm="http://schemas.openxmlformats.org/drawingml/2006/diagram" xmlns:o="urn:schemas-microsoft-com:office:office" xmlns:v="urn:schemas-microsoft-com:vml" xmlns:pvml="urn:schemas-microsoft-com:office:powerpoint" xmlns:com="http://schemas.openxmlformats.org/drawingml/2006/compatibility" xmlns:p14="http://schemas.microsoft.com/office/powerpoint/2010/main" xmlns:p15="http://schemas.microsoft.com/office/powerpoint/2012/main" xmlns:ahyp="http://schemas.microsoft.com/office/drawing/2018/hyperlinkcolor" showMasterPhAnim="0" showMasterSp="0">
+<p:notes xmlns:a="http://schemas.openxmlformats.org/drawingml/2006/main" xmlns:r="http://schemas.openxmlformats.org/officeDocument/2006/relationships" xmlns:p="http://schemas.openxmlformats.org/presentationml/2006/main" showMasterSp="0" showMasterPhAnim="0">
   <p:cSld>
     <p:spTree>
       <p:nvGrpSpPr>
-        <p:cNvPr id="90" name="Shape 90"/>
+        <p:cNvPr id="1" name="Shape 90"/>
         <p:cNvGrpSpPr/>
         <p:nvPr/>
       </p:nvGrpSpPr>
@@ -2008,9 +2088,11 @@
       <p:sp>
         <p:nvSpPr>
           <p:cNvPr id="91" name="Google Shape;91;gb81b71afa1_0_912:notes"/>
-          <p:cNvSpPr/>
+          <p:cNvSpPr>
+            <a:spLocks noGrp="1" noRot="1" noChangeAspect="1"/>
+          </p:cNvSpPr>
           <p:nvPr>
-            <p:ph idx="2" type="sldImg"/>
+            <p:ph type="sldImg" idx="2"/>
           </p:nvPr>
         </p:nvSpPr>
         <p:spPr>
@@ -2019,9 +2101,13 @@
             <a:ext cx="6096000" cy="3429000"/>
           </a:xfrm>
           <a:custGeom>
-            <a:rect b="b" l="l" r="r" t="t"/>
+            <a:avLst/>
+            <a:gdLst/>
+            <a:ahLst/>
+            <a:cxnLst/>
+            <a:rect l="l" t="t" r="r" b="b"/>
             <a:pathLst>
-              <a:path extrusionOk="0" h="120000" w="120000">
+              <a:path w="120000" h="120000" extrusionOk="0">
                 <a:moveTo>
                   <a:pt x="0" y="0"/>
                 </a:moveTo>
@@ -2043,9 +2129,11 @@
       <p:sp>
         <p:nvSpPr>
           <p:cNvPr id="92" name="Google Shape;92;gb81b71afa1_0_912:notes"/>
-          <p:cNvSpPr txBox="1"/>
+          <p:cNvSpPr txBox="1">
+            <a:spLocks noGrp="1"/>
+          </p:cNvSpPr>
           <p:nvPr>
-            <p:ph idx="1" type="body"/>
+            <p:ph type="body" idx="1"/>
           </p:nvPr>
         </p:nvSpPr>
         <p:spPr>
@@ -2058,23 +2146,20 @@
           </a:prstGeom>
         </p:spPr>
         <p:txBody>
-          <a:bodyPr anchorCtr="0" anchor="t" bIns="91425" lIns="91425" spcFirstLastPara="1" rIns="91425" wrap="square" tIns="91425">
+          <a:bodyPr spcFirstLastPara="1" wrap="square" lIns="91425" tIns="91425" rIns="91425" bIns="91425" anchor="t" anchorCtr="0">
             <a:noAutofit/>
           </a:bodyPr>
           <a:lstStyle/>
           <a:p>
-            <a:pPr indent="0" lvl="0" marL="0" rtl="0" algn="l">
-              <a:spcBef>
-                <a:spcPts val="0"/>
-              </a:spcBef>
-              <a:spcAft>
-                <a:spcPts val="0"/>
-              </a:spcAft>
-              <a:buNone/>
-            </a:pPr>
-            <a:r>
-              <a:t/>
-            </a:r>
+            <a:pPr marL="0" lvl="0" indent="0" algn="l" rtl="0">
+              <a:spcBef>
+                <a:spcPts val="0"/>
+              </a:spcBef>
+              <a:spcAft>
+                <a:spcPts val="0"/>
+              </a:spcAft>
+              <a:buNone/>
+            </a:pPr>
             <a:endParaRPr/>
           </a:p>
         </p:txBody>
@@ -2088,11 +2173,11 @@
 </file>
 
 <file path=ppt/notesSlides/notesSlide8.xml><?xml version="1.0" encoding="utf-8"?>
-<p:notes xmlns:a="http://schemas.openxmlformats.org/drawingml/2006/main" xmlns:r="http://schemas.openxmlformats.org/officeDocument/2006/relationships" xmlns:mc="http://schemas.openxmlformats.org/markup-compatibility/2006" xmlns:mv="urn:schemas-microsoft-com:mac:vml" xmlns:p="http://schemas.openxmlformats.org/presentationml/2006/main" xmlns:c="http://schemas.openxmlformats.org/drawingml/2006/chart" xmlns:dgm="http://schemas.openxmlformats.org/drawingml/2006/diagram" xmlns:o="urn:schemas-microsoft-com:office:office" xmlns:v="urn:schemas-microsoft-com:vml" xmlns:pvml="urn:schemas-microsoft-com:office:powerpoint" xmlns:com="http://schemas.openxmlformats.org/drawingml/2006/compatibility" xmlns:p14="http://schemas.microsoft.com/office/powerpoint/2010/main" xmlns:p15="http://schemas.microsoft.com/office/powerpoint/2012/main" xmlns:ahyp="http://schemas.microsoft.com/office/drawing/2018/hyperlinkcolor" showMasterPhAnim="0" showMasterSp="0">
+<p:notes xmlns:a="http://schemas.openxmlformats.org/drawingml/2006/main" xmlns:r="http://schemas.openxmlformats.org/officeDocument/2006/relationships" xmlns:p="http://schemas.openxmlformats.org/presentationml/2006/main" showMasterSp="0" showMasterPhAnim="0">
   <p:cSld>
     <p:spTree>
       <p:nvGrpSpPr>
-        <p:cNvPr id="96" name="Shape 96"/>
+        <p:cNvPr id="1" name="Shape 96"/>
         <p:cNvGrpSpPr/>
         <p:nvPr/>
       </p:nvGrpSpPr>
@@ -2107,9 +2192,11 @@
       <p:sp>
         <p:nvSpPr>
           <p:cNvPr id="97" name="Google Shape;97;gb81b71afa1_0_917:notes"/>
-          <p:cNvSpPr/>
+          <p:cNvSpPr>
+            <a:spLocks noGrp="1" noRot="1" noChangeAspect="1"/>
+          </p:cNvSpPr>
           <p:nvPr>
-            <p:ph idx="2" type="sldImg"/>
+            <p:ph type="sldImg" idx="2"/>
           </p:nvPr>
         </p:nvSpPr>
         <p:spPr>
@@ -2118,9 +2205,13 @@
             <a:ext cx="6096000" cy="3429000"/>
           </a:xfrm>
           <a:custGeom>
-            <a:rect b="b" l="l" r="r" t="t"/>
+            <a:avLst/>
+            <a:gdLst/>
+            <a:ahLst/>
+            <a:cxnLst/>
+            <a:rect l="l" t="t" r="r" b="b"/>
             <a:pathLst>
-              <a:path extrusionOk="0" h="120000" w="120000">
+              <a:path w="120000" h="120000" extrusionOk="0">
                 <a:moveTo>
                   <a:pt x="0" y="0"/>
                 </a:moveTo>
@@ -2142,9 +2233,11 @@
       <p:sp>
         <p:nvSpPr>
           <p:cNvPr id="98" name="Google Shape;98;gb81b71afa1_0_917:notes"/>
-          <p:cNvSpPr txBox="1"/>
+          <p:cNvSpPr txBox="1">
+            <a:spLocks noGrp="1"/>
+          </p:cNvSpPr>
           <p:nvPr>
-            <p:ph idx="1" type="body"/>
+            <p:ph type="body" idx="1"/>
           </p:nvPr>
         </p:nvSpPr>
         <p:spPr>
@@ -2157,23 +2250,20 @@
           </a:prstGeom>
         </p:spPr>
         <p:txBody>
-          <a:bodyPr anchorCtr="0" anchor="t" bIns="91425" lIns="91425" spcFirstLastPara="1" rIns="91425" wrap="square" tIns="91425">
+          <a:bodyPr spcFirstLastPara="1" wrap="square" lIns="91425" tIns="91425" rIns="91425" bIns="91425" anchor="t" anchorCtr="0">
             <a:noAutofit/>
           </a:bodyPr>
           <a:lstStyle/>
           <a:p>
-            <a:pPr indent="0" lvl="0" marL="0" rtl="0" algn="l">
-              <a:spcBef>
-                <a:spcPts val="0"/>
-              </a:spcBef>
-              <a:spcAft>
-                <a:spcPts val="0"/>
-              </a:spcAft>
-              <a:buNone/>
-            </a:pPr>
-            <a:r>
-              <a:t/>
-            </a:r>
+            <a:pPr marL="0" lvl="0" indent="0" algn="l" rtl="0">
+              <a:spcBef>
+                <a:spcPts val="0"/>
+              </a:spcBef>
+              <a:spcAft>
+                <a:spcPts val="0"/>
+              </a:spcAft>
+              <a:buNone/>
+            </a:pPr>
             <a:endParaRPr/>
           </a:p>
         </p:txBody>
@@ -2187,11 +2277,11 @@
 </file>
 
 <file path=ppt/notesSlides/notesSlide9.xml><?xml version="1.0" encoding="utf-8"?>
-<p:notes xmlns:a="http://schemas.openxmlformats.org/drawingml/2006/main" xmlns:r="http://schemas.openxmlformats.org/officeDocument/2006/relationships" xmlns:mc="http://schemas.openxmlformats.org/markup-compatibility/2006" xmlns:mv="urn:schemas-microsoft-com:mac:vml" xmlns:p="http://schemas.openxmlformats.org/presentationml/2006/main" xmlns:c="http://schemas.openxmlformats.org/drawingml/2006/chart" xmlns:dgm="http://schemas.openxmlformats.org/drawingml/2006/diagram" xmlns:o="urn:schemas-microsoft-com:office:office" xmlns:v="urn:schemas-microsoft-com:vml" xmlns:pvml="urn:schemas-microsoft-com:office:powerpoint" xmlns:com="http://schemas.openxmlformats.org/drawingml/2006/compatibility" xmlns:p14="http://schemas.microsoft.com/office/powerpoint/2010/main" xmlns:p15="http://schemas.microsoft.com/office/powerpoint/2012/main" xmlns:ahyp="http://schemas.microsoft.com/office/drawing/2018/hyperlinkcolor" showMasterPhAnim="0" showMasterSp="0">
+<p:notes xmlns:a="http://schemas.openxmlformats.org/drawingml/2006/main" xmlns:r="http://schemas.openxmlformats.org/officeDocument/2006/relationships" xmlns:p="http://schemas.openxmlformats.org/presentationml/2006/main" showMasterSp="0" showMasterPhAnim="0">
   <p:cSld>
     <p:spTree>
       <p:nvGrpSpPr>
-        <p:cNvPr id="102" name="Shape 102"/>
+        <p:cNvPr id="1" name="Shape 102"/>
         <p:cNvGrpSpPr/>
         <p:nvPr/>
       </p:nvGrpSpPr>
@@ -2206,9 +2296,11 @@
       <p:sp>
         <p:nvSpPr>
           <p:cNvPr id="103" name="Google Shape;103;gb81b71afa1_0_922:notes"/>
-          <p:cNvSpPr/>
+          <p:cNvSpPr>
+            <a:spLocks noGrp="1" noRot="1" noChangeAspect="1"/>
+          </p:cNvSpPr>
           <p:nvPr>
-            <p:ph idx="2" type="sldImg"/>
+            <p:ph type="sldImg" idx="2"/>
           </p:nvPr>
         </p:nvSpPr>
         <p:spPr>
@@ -2217,9 +2309,13 @@
             <a:ext cx="6096000" cy="3429000"/>
           </a:xfrm>
           <a:custGeom>
-            <a:rect b="b" l="l" r="r" t="t"/>
+            <a:avLst/>
+            <a:gdLst/>
+            <a:ahLst/>
+            <a:cxnLst/>
+            <a:rect l="l" t="t" r="r" b="b"/>
             <a:pathLst>
-              <a:path extrusionOk="0" h="120000" w="120000">
+              <a:path w="120000" h="120000" extrusionOk="0">
                 <a:moveTo>
                   <a:pt x="0" y="0"/>
                 </a:moveTo>
@@ -2241,9 +2337,11 @@
       <p:sp>
         <p:nvSpPr>
           <p:cNvPr id="104" name="Google Shape;104;gb81b71afa1_0_922:notes"/>
-          <p:cNvSpPr txBox="1"/>
+          <p:cNvSpPr txBox="1">
+            <a:spLocks noGrp="1"/>
+          </p:cNvSpPr>
           <p:nvPr>
-            <p:ph idx="1" type="body"/>
+            <p:ph type="body" idx="1"/>
           </p:nvPr>
         </p:nvSpPr>
         <p:spPr>
@@ -2256,23 +2354,20 @@
           </a:prstGeom>
         </p:spPr>
         <p:txBody>
-          <a:bodyPr anchorCtr="0" anchor="t" bIns="91425" lIns="91425" spcFirstLastPara="1" rIns="91425" wrap="square" tIns="91425">
+          <a:bodyPr spcFirstLastPara="1" wrap="square" lIns="91425" tIns="91425" rIns="91425" bIns="91425" anchor="t" anchorCtr="0">
             <a:noAutofit/>
           </a:bodyPr>
           <a:lstStyle/>
           <a:p>
-            <a:pPr indent="0" lvl="0" marL="0" rtl="0" algn="l">
-              <a:spcBef>
-                <a:spcPts val="0"/>
-              </a:spcBef>
-              <a:spcAft>
-                <a:spcPts val="0"/>
-              </a:spcAft>
-              <a:buNone/>
-            </a:pPr>
-            <a:r>
-              <a:t/>
-            </a:r>
+            <a:pPr marL="0" lvl="0" indent="0" algn="l" rtl="0">
+              <a:spcBef>
+                <a:spcPts val="0"/>
+              </a:spcBef>
+              <a:spcAft>
+                <a:spcPts val="0"/>
+              </a:spcAft>
+              <a:buNone/>
+            </a:pPr>
             <a:endParaRPr/>
           </a:p>
         </p:txBody>
@@ -2286,11 +2381,11 @@
 </file>
 
 <file path=ppt/slideLayouts/slideLayout1.xml><?xml version="1.0" encoding="utf-8"?>
-<p:sldLayout xmlns:a="http://schemas.openxmlformats.org/drawingml/2006/main" xmlns:r="http://schemas.openxmlformats.org/officeDocument/2006/relationships" xmlns:mc="http://schemas.openxmlformats.org/markup-compatibility/2006" xmlns:mv="urn:schemas-microsoft-com:mac:vml" xmlns:p="http://schemas.openxmlformats.org/presentationml/2006/main" xmlns:c="http://schemas.openxmlformats.org/drawingml/2006/chart" xmlns:dgm="http://schemas.openxmlformats.org/drawingml/2006/diagram" xmlns:o="urn:schemas-microsoft-com:office:office" xmlns:v="urn:schemas-microsoft-com:vml" xmlns:pvml="urn:schemas-microsoft-com:office:powerpoint" xmlns:com="http://schemas.openxmlformats.org/drawingml/2006/compatibility" xmlns:p14="http://schemas.microsoft.com/office/powerpoint/2010/main" xmlns:p15="http://schemas.microsoft.com/office/powerpoint/2012/main" xmlns:ahyp="http://schemas.microsoft.com/office/drawing/2018/hyperlinkcolor" matchingName="Title slide" type="title">
+<p:sldLayout xmlns:a="http://schemas.openxmlformats.org/drawingml/2006/main" xmlns:r="http://schemas.openxmlformats.org/officeDocument/2006/relationships" xmlns:p="http://schemas.openxmlformats.org/presentationml/2006/main" matchingName="Title slide" type="title">
   <p:cSld name="TITLE">
     <p:spTree>
       <p:nvGrpSpPr>
-        <p:cNvPr id="9" name="Shape 9"/>
+        <p:cNvPr id="1" name="Shape 9"/>
         <p:cNvGrpSpPr/>
         <p:nvPr/>
       </p:nvGrpSpPr>
@@ -2305,7 +2400,9 @@
       <p:sp>
         <p:nvSpPr>
           <p:cNvPr id="10" name="Google Shape;10;p2"/>
-          <p:cNvSpPr txBox="1"/>
+          <p:cNvSpPr txBox="1">
+            <a:spLocks noGrp="1"/>
+          </p:cNvSpPr>
           <p:nvPr>
             <p:ph type="ctrTitle"/>
           </p:nvPr>
@@ -2320,7 +2417,7 @@
           </a:prstGeom>
         </p:spPr>
         <p:txBody>
-          <a:bodyPr anchorCtr="0" anchor="b" bIns="91425" lIns="91425" spcFirstLastPara="1" rIns="91425" wrap="square" tIns="91425">
+          <a:bodyPr spcFirstLastPara="1" wrap="square" lIns="91425" tIns="91425" rIns="91425" bIns="91425" anchor="b" anchorCtr="0">
             <a:normAutofit/>
           </a:bodyPr>
           <a:lstStyle>
@@ -2424,15 +2521,19 @@
               <a:defRPr sz="5200"/>
             </a:lvl9pPr>
           </a:lstStyle>
-          <a:p/>
+          <a:p>
+            <a:endParaRPr/>
+          </a:p>
         </p:txBody>
       </p:sp>
       <p:sp>
         <p:nvSpPr>
           <p:cNvPr id="11" name="Google Shape;11;p2"/>
-          <p:cNvSpPr txBox="1"/>
+          <p:cNvSpPr txBox="1">
+            <a:spLocks noGrp="1"/>
+          </p:cNvSpPr>
           <p:nvPr>
-            <p:ph idx="1" type="subTitle"/>
+            <p:ph type="subTitle" idx="1"/>
           </p:nvPr>
         </p:nvSpPr>
         <p:spPr>
@@ -2445,7 +2546,7 @@
           </a:prstGeom>
         </p:spPr>
         <p:txBody>
-          <a:bodyPr anchorCtr="0" anchor="t" bIns="91425" lIns="91425" spcFirstLastPara="1" rIns="91425" wrap="square" tIns="91425">
+          <a:bodyPr spcFirstLastPara="1" wrap="square" lIns="91425" tIns="91425" rIns="91425" bIns="91425" anchor="t" anchorCtr="0">
             <a:normAutofit/>
           </a:bodyPr>
           <a:lstStyle>
@@ -2576,15 +2677,19 @@
               <a:defRPr sz="2800"/>
             </a:lvl9pPr>
           </a:lstStyle>
-          <a:p/>
+          <a:p>
+            <a:endParaRPr/>
+          </a:p>
         </p:txBody>
       </p:sp>
       <p:sp>
         <p:nvSpPr>
           <p:cNvPr id="12" name="Google Shape;12;p2"/>
-          <p:cNvSpPr txBox="1"/>
+          <p:cNvSpPr txBox="1">
+            <a:spLocks noGrp="1"/>
+          </p:cNvSpPr>
           <p:nvPr>
-            <p:ph idx="12" type="sldNum"/>
+            <p:ph type="sldNum" idx="12"/>
           </p:nvPr>
         </p:nvSpPr>
         <p:spPr>
@@ -2597,7 +2702,7 @@
           </a:prstGeom>
         </p:spPr>
         <p:txBody>
-          <a:bodyPr anchorCtr="0" anchor="ctr" bIns="91425" lIns="91425" spcFirstLastPara="1" rIns="91425" wrap="square" tIns="91425">
+          <a:bodyPr spcFirstLastPara="1" wrap="square" lIns="91425" tIns="91425" rIns="91425" bIns="91425" anchor="ctr" anchorCtr="0">
             <a:normAutofit/>
           </a:bodyPr>
           <a:lstStyle>
@@ -2639,7 +2744,7 @@
             </a:lvl9pPr>
           </a:lstStyle>
           <a:p>
-            <a:pPr indent="0" lvl="0" marL="0" rtl="0" algn="r">
+            <a:pPr marL="0" lvl="0" indent="0" algn="r" rtl="0">
               <a:spcBef>
                 <a:spcPts val="0"/>
               </a:spcBef>
@@ -2665,11 +2770,11 @@
 </file>
 
 <file path=ppt/slideLayouts/slideLayout10.xml><?xml version="1.0" encoding="utf-8"?>
-<p:sldLayout xmlns:a="http://schemas.openxmlformats.org/drawingml/2006/main" xmlns:r="http://schemas.openxmlformats.org/officeDocument/2006/relationships" xmlns:mc="http://schemas.openxmlformats.org/markup-compatibility/2006" xmlns:mv="urn:schemas-microsoft-com:mac:vml" xmlns:p="http://schemas.openxmlformats.org/presentationml/2006/main" xmlns:c="http://schemas.openxmlformats.org/drawingml/2006/chart" xmlns:dgm="http://schemas.openxmlformats.org/drawingml/2006/diagram" xmlns:o="urn:schemas-microsoft-com:office:office" xmlns:v="urn:schemas-microsoft-com:vml" xmlns:pvml="urn:schemas-microsoft-com:office:powerpoint" xmlns:com="http://schemas.openxmlformats.org/drawingml/2006/compatibility" xmlns:p14="http://schemas.microsoft.com/office/powerpoint/2010/main" xmlns:p15="http://schemas.microsoft.com/office/powerpoint/2012/main" xmlns:ahyp="http://schemas.microsoft.com/office/drawing/2018/hyperlinkcolor" matchingName="Big number">
+<p:sldLayout xmlns:a="http://schemas.openxmlformats.org/drawingml/2006/main" xmlns:r="http://schemas.openxmlformats.org/officeDocument/2006/relationships" xmlns:p="http://schemas.openxmlformats.org/presentationml/2006/main" matchingName="Big number">
   <p:cSld name="BIG_NUMBER">
     <p:spTree>
       <p:nvGrpSpPr>
-        <p:cNvPr id="44" name="Shape 44"/>
+        <p:cNvPr id="1" name="Shape 44"/>
         <p:cNvGrpSpPr/>
         <p:nvPr/>
       </p:nvGrpSpPr>
@@ -2684,9 +2789,11 @@
       <p:sp>
         <p:nvSpPr>
           <p:cNvPr id="45" name="Google Shape;45;p11"/>
-          <p:cNvSpPr txBox="1"/>
+          <p:cNvSpPr txBox="1">
+            <a:spLocks noGrp="1"/>
+          </p:cNvSpPr>
           <p:nvPr>
-            <p:ph hasCustomPrompt="1" type="title"/>
+            <p:ph type="title" hasCustomPrompt="1"/>
           </p:nvPr>
         </p:nvSpPr>
         <p:spPr>
@@ -2699,7 +2806,7 @@
           </a:prstGeom>
         </p:spPr>
         <p:txBody>
-          <a:bodyPr anchorCtr="0" anchor="b" bIns="91425" lIns="91425" spcFirstLastPara="1" rIns="91425" wrap="square" tIns="91425">
+          <a:bodyPr spcFirstLastPara="1" wrap="square" lIns="91425" tIns="91425" rIns="91425" bIns="91425" anchor="b" anchorCtr="0">
             <a:normAutofit/>
           </a:bodyPr>
           <a:lstStyle>
@@ -2813,9 +2920,11 @@
       <p:sp>
         <p:nvSpPr>
           <p:cNvPr id="46" name="Google Shape;46;p11"/>
-          <p:cNvSpPr txBox="1"/>
+          <p:cNvSpPr txBox="1">
+            <a:spLocks noGrp="1"/>
+          </p:cNvSpPr>
           <p:nvPr>
-            <p:ph idx="1" type="body"/>
+            <p:ph type="body" idx="1"/>
           </p:nvPr>
         </p:nvSpPr>
         <p:spPr>
@@ -2828,11 +2937,11 @@
           </a:prstGeom>
         </p:spPr>
         <p:txBody>
-          <a:bodyPr anchorCtr="0" anchor="t" bIns="91425" lIns="91425" spcFirstLastPara="1" rIns="91425" wrap="square" tIns="91425">
+          <a:bodyPr spcFirstLastPara="1" wrap="square" lIns="91425" tIns="91425" rIns="91425" bIns="91425" anchor="t" anchorCtr="0">
             <a:normAutofit/>
           </a:bodyPr>
           <a:lstStyle>
-            <a:lvl1pPr indent="-342900" lvl="0" marL="457200" algn="ctr">
+            <a:lvl1pPr marL="457200" lvl="0" indent="-342900" algn="ctr">
               <a:spcBef>
                 <a:spcPts val="0"/>
               </a:spcBef>
@@ -2843,7 +2952,7 @@
               <a:buChar char="●"/>
               <a:defRPr/>
             </a:lvl1pPr>
-            <a:lvl2pPr indent="-317500" lvl="1" marL="914400" algn="ctr">
+            <a:lvl2pPr marL="914400" lvl="1" indent="-317500" algn="ctr">
               <a:spcBef>
                 <a:spcPts val="0"/>
               </a:spcBef>
@@ -2854,7 +2963,7 @@
               <a:buChar char="○"/>
               <a:defRPr/>
             </a:lvl2pPr>
-            <a:lvl3pPr indent="-317500" lvl="2" marL="1371600" algn="ctr">
+            <a:lvl3pPr marL="1371600" lvl="2" indent="-317500" algn="ctr">
               <a:spcBef>
                 <a:spcPts val="0"/>
               </a:spcBef>
@@ -2865,7 +2974,7 @@
               <a:buChar char="■"/>
               <a:defRPr/>
             </a:lvl3pPr>
-            <a:lvl4pPr indent="-317500" lvl="3" marL="1828800" algn="ctr">
+            <a:lvl4pPr marL="1828800" lvl="3" indent="-317500" algn="ctr">
               <a:spcBef>
                 <a:spcPts val="0"/>
               </a:spcBef>
@@ -2876,7 +2985,7 @@
               <a:buChar char="●"/>
               <a:defRPr/>
             </a:lvl4pPr>
-            <a:lvl5pPr indent="-317500" lvl="4" marL="2286000" algn="ctr">
+            <a:lvl5pPr marL="2286000" lvl="4" indent="-317500" algn="ctr">
               <a:spcBef>
                 <a:spcPts val="0"/>
               </a:spcBef>
@@ -2887,7 +2996,7 @@
               <a:buChar char="○"/>
               <a:defRPr/>
             </a:lvl5pPr>
-            <a:lvl6pPr indent="-317500" lvl="5" marL="2743200" algn="ctr">
+            <a:lvl6pPr marL="2743200" lvl="5" indent="-317500" algn="ctr">
               <a:spcBef>
                 <a:spcPts val="0"/>
               </a:spcBef>
@@ -2898,7 +3007,7 @@
               <a:buChar char="■"/>
               <a:defRPr/>
             </a:lvl6pPr>
-            <a:lvl7pPr indent="-317500" lvl="6" marL="3200400" algn="ctr">
+            <a:lvl7pPr marL="3200400" lvl="6" indent="-317500" algn="ctr">
               <a:spcBef>
                 <a:spcPts val="0"/>
               </a:spcBef>
@@ -2909,7 +3018,7 @@
               <a:buChar char="●"/>
               <a:defRPr/>
             </a:lvl7pPr>
-            <a:lvl8pPr indent="-317500" lvl="7" marL="3657600" algn="ctr">
+            <a:lvl8pPr marL="3657600" lvl="7" indent="-317500" algn="ctr">
               <a:spcBef>
                 <a:spcPts val="0"/>
               </a:spcBef>
@@ -2920,7 +3029,7 @@
               <a:buChar char="○"/>
               <a:defRPr/>
             </a:lvl8pPr>
-            <a:lvl9pPr indent="-317500" lvl="8" marL="4114800" algn="ctr">
+            <a:lvl9pPr marL="4114800" lvl="8" indent="-317500" algn="ctr">
               <a:spcBef>
                 <a:spcPts val="0"/>
               </a:spcBef>
@@ -2932,15 +3041,19 @@
               <a:defRPr/>
             </a:lvl9pPr>
           </a:lstStyle>
-          <a:p/>
+          <a:p>
+            <a:endParaRPr/>
+          </a:p>
         </p:txBody>
       </p:sp>
       <p:sp>
         <p:nvSpPr>
           <p:cNvPr id="47" name="Google Shape;47;p11"/>
-          <p:cNvSpPr txBox="1"/>
+          <p:cNvSpPr txBox="1">
+            <a:spLocks noGrp="1"/>
+          </p:cNvSpPr>
           <p:nvPr>
-            <p:ph idx="12" type="sldNum"/>
+            <p:ph type="sldNum" idx="12"/>
           </p:nvPr>
         </p:nvSpPr>
         <p:spPr>
@@ -2953,7 +3066,7 @@
           </a:prstGeom>
         </p:spPr>
         <p:txBody>
-          <a:bodyPr anchorCtr="0" anchor="ctr" bIns="91425" lIns="91425" spcFirstLastPara="1" rIns="91425" wrap="square" tIns="91425">
+          <a:bodyPr spcFirstLastPara="1" wrap="square" lIns="91425" tIns="91425" rIns="91425" bIns="91425" anchor="ctr" anchorCtr="0">
             <a:normAutofit/>
           </a:bodyPr>
           <a:lstStyle>
@@ -2995,7 +3108,7 @@
             </a:lvl9pPr>
           </a:lstStyle>
           <a:p>
-            <a:pPr indent="0" lvl="0" marL="0" rtl="0" algn="r">
+            <a:pPr marL="0" lvl="0" indent="0" algn="r" rtl="0">
               <a:spcBef>
                 <a:spcPts val="0"/>
               </a:spcBef>
@@ -3021,11 +3134,11 @@
 </file>
 
 <file path=ppt/slideLayouts/slideLayout11.xml><?xml version="1.0" encoding="utf-8"?>
-<p:sldLayout xmlns:a="http://schemas.openxmlformats.org/drawingml/2006/main" xmlns:r="http://schemas.openxmlformats.org/officeDocument/2006/relationships" xmlns:mc="http://schemas.openxmlformats.org/markup-compatibility/2006" xmlns:mv="urn:schemas-microsoft-com:mac:vml" xmlns:p="http://schemas.openxmlformats.org/presentationml/2006/main" xmlns:c="http://schemas.openxmlformats.org/drawingml/2006/chart" xmlns:dgm="http://schemas.openxmlformats.org/drawingml/2006/diagram" xmlns:o="urn:schemas-microsoft-com:office:office" xmlns:v="urn:schemas-microsoft-com:vml" xmlns:pvml="urn:schemas-microsoft-com:office:powerpoint" xmlns:com="http://schemas.openxmlformats.org/drawingml/2006/compatibility" xmlns:p14="http://schemas.microsoft.com/office/powerpoint/2010/main" xmlns:p15="http://schemas.microsoft.com/office/powerpoint/2012/main" xmlns:ahyp="http://schemas.microsoft.com/office/drawing/2018/hyperlinkcolor" matchingName="Blank" type="blank">
+<p:sldLayout xmlns:a="http://schemas.openxmlformats.org/drawingml/2006/main" xmlns:r="http://schemas.openxmlformats.org/officeDocument/2006/relationships" xmlns:p="http://schemas.openxmlformats.org/presentationml/2006/main" matchingName="Blank" type="blank">
   <p:cSld name="BLANK">
     <p:spTree>
       <p:nvGrpSpPr>
-        <p:cNvPr id="48" name="Shape 48"/>
+        <p:cNvPr id="1" name="Shape 48"/>
         <p:cNvGrpSpPr/>
         <p:nvPr/>
       </p:nvGrpSpPr>
@@ -3040,9 +3153,11 @@
       <p:sp>
         <p:nvSpPr>
           <p:cNvPr id="49" name="Google Shape;49;p12"/>
-          <p:cNvSpPr txBox="1"/>
+          <p:cNvSpPr txBox="1">
+            <a:spLocks noGrp="1"/>
+          </p:cNvSpPr>
           <p:nvPr>
-            <p:ph idx="12" type="sldNum"/>
+            <p:ph type="sldNum" idx="12"/>
           </p:nvPr>
         </p:nvSpPr>
         <p:spPr>
@@ -3055,7 +3170,7 @@
           </a:prstGeom>
         </p:spPr>
         <p:txBody>
-          <a:bodyPr anchorCtr="0" anchor="ctr" bIns="91425" lIns="91425" spcFirstLastPara="1" rIns="91425" wrap="square" tIns="91425">
+          <a:bodyPr spcFirstLastPara="1" wrap="square" lIns="91425" tIns="91425" rIns="91425" bIns="91425" anchor="ctr" anchorCtr="0">
             <a:normAutofit/>
           </a:bodyPr>
           <a:lstStyle>
@@ -3097,7 +3212,7 @@
             </a:lvl9pPr>
           </a:lstStyle>
           <a:p>
-            <a:pPr indent="0" lvl="0" marL="0" rtl="0" algn="r">
+            <a:pPr marL="0" lvl="0" indent="0" algn="r" rtl="0">
               <a:spcBef>
                 <a:spcPts val="0"/>
               </a:spcBef>
@@ -3123,11 +3238,11 @@
 </file>
 
 <file path=ppt/slideLayouts/slideLayout2.xml><?xml version="1.0" encoding="utf-8"?>
-<p:sldLayout xmlns:a="http://schemas.openxmlformats.org/drawingml/2006/main" xmlns:r="http://schemas.openxmlformats.org/officeDocument/2006/relationships" xmlns:mc="http://schemas.openxmlformats.org/markup-compatibility/2006" xmlns:mv="urn:schemas-microsoft-com:mac:vml" xmlns:p="http://schemas.openxmlformats.org/presentationml/2006/main" xmlns:c="http://schemas.openxmlformats.org/drawingml/2006/chart" xmlns:dgm="http://schemas.openxmlformats.org/drawingml/2006/diagram" xmlns:o="urn:schemas-microsoft-com:office:office" xmlns:v="urn:schemas-microsoft-com:vml" xmlns:pvml="urn:schemas-microsoft-com:office:powerpoint" xmlns:com="http://schemas.openxmlformats.org/drawingml/2006/compatibility" xmlns:p14="http://schemas.microsoft.com/office/powerpoint/2010/main" xmlns:p15="http://schemas.microsoft.com/office/powerpoint/2012/main" xmlns:ahyp="http://schemas.microsoft.com/office/drawing/2018/hyperlinkcolor" matchingName="Section header" type="secHead">
+<p:sldLayout xmlns:a="http://schemas.openxmlformats.org/drawingml/2006/main" xmlns:r="http://schemas.openxmlformats.org/officeDocument/2006/relationships" xmlns:p="http://schemas.openxmlformats.org/presentationml/2006/main" matchingName="Section header" type="secHead">
   <p:cSld name="SECTION_HEADER">
     <p:spTree>
       <p:nvGrpSpPr>
-        <p:cNvPr id="13" name="Shape 13"/>
+        <p:cNvPr id="1" name="Shape 13"/>
         <p:cNvGrpSpPr/>
         <p:nvPr/>
       </p:nvGrpSpPr>
@@ -3142,7 +3257,9 @@
       <p:sp>
         <p:nvSpPr>
           <p:cNvPr id="14" name="Google Shape;14;p3"/>
-          <p:cNvSpPr txBox="1"/>
+          <p:cNvSpPr txBox="1">
+            <a:spLocks noGrp="1"/>
+          </p:cNvSpPr>
           <p:nvPr>
             <p:ph type="title"/>
           </p:nvPr>
@@ -3157,7 +3274,7 @@
           </a:prstGeom>
         </p:spPr>
         <p:txBody>
-          <a:bodyPr anchorCtr="0" anchor="ctr" bIns="91425" lIns="91425" spcFirstLastPara="1" rIns="91425" wrap="square" tIns="91425">
+          <a:bodyPr spcFirstLastPara="1" wrap="square" lIns="91425" tIns="91425" rIns="91425" bIns="91425" anchor="ctr" anchorCtr="0">
             <a:normAutofit/>
           </a:bodyPr>
           <a:lstStyle>
@@ -3261,15 +3378,19 @@
               <a:defRPr sz="3600"/>
             </a:lvl9pPr>
           </a:lstStyle>
-          <a:p/>
+          <a:p>
+            <a:endParaRPr/>
+          </a:p>
         </p:txBody>
       </p:sp>
       <p:sp>
         <p:nvSpPr>
           <p:cNvPr id="15" name="Google Shape;15;p3"/>
-          <p:cNvSpPr txBox="1"/>
+          <p:cNvSpPr txBox="1">
+            <a:spLocks noGrp="1"/>
+          </p:cNvSpPr>
           <p:nvPr>
-            <p:ph idx="12" type="sldNum"/>
+            <p:ph type="sldNum" idx="12"/>
           </p:nvPr>
         </p:nvSpPr>
         <p:spPr>
@@ -3282,7 +3403,7 @@
           </a:prstGeom>
         </p:spPr>
         <p:txBody>
-          <a:bodyPr anchorCtr="0" anchor="ctr" bIns="91425" lIns="91425" spcFirstLastPara="1" rIns="91425" wrap="square" tIns="91425">
+          <a:bodyPr spcFirstLastPara="1" wrap="square" lIns="91425" tIns="91425" rIns="91425" bIns="91425" anchor="ctr" anchorCtr="0">
             <a:normAutofit/>
           </a:bodyPr>
           <a:lstStyle>
@@ -3324,7 +3445,7 @@
             </a:lvl9pPr>
           </a:lstStyle>
           <a:p>
-            <a:pPr indent="0" lvl="0" marL="0" rtl="0" algn="r">
+            <a:pPr marL="0" lvl="0" indent="0" algn="r" rtl="0">
               <a:spcBef>
                 <a:spcPts val="0"/>
               </a:spcBef>
@@ -3350,11 +3471,11 @@
 </file>
 
 <file path=ppt/slideLayouts/slideLayout3.xml><?xml version="1.0" encoding="utf-8"?>
-<p:sldLayout xmlns:a="http://schemas.openxmlformats.org/drawingml/2006/main" xmlns:r="http://schemas.openxmlformats.org/officeDocument/2006/relationships" xmlns:mc="http://schemas.openxmlformats.org/markup-compatibility/2006" xmlns:mv="urn:schemas-microsoft-com:mac:vml" xmlns:p="http://schemas.openxmlformats.org/presentationml/2006/main" xmlns:c="http://schemas.openxmlformats.org/drawingml/2006/chart" xmlns:dgm="http://schemas.openxmlformats.org/drawingml/2006/diagram" xmlns:o="urn:schemas-microsoft-com:office:office" xmlns:v="urn:schemas-microsoft-com:vml" xmlns:pvml="urn:schemas-microsoft-com:office:powerpoint" xmlns:com="http://schemas.openxmlformats.org/drawingml/2006/compatibility" xmlns:p14="http://schemas.microsoft.com/office/powerpoint/2010/main" xmlns:p15="http://schemas.microsoft.com/office/powerpoint/2012/main" xmlns:ahyp="http://schemas.microsoft.com/office/drawing/2018/hyperlinkcolor" matchingName="Title and body" type="tx">
+<p:sldLayout xmlns:a="http://schemas.openxmlformats.org/drawingml/2006/main" xmlns:r="http://schemas.openxmlformats.org/officeDocument/2006/relationships" xmlns:p="http://schemas.openxmlformats.org/presentationml/2006/main" matchingName="Title and body" type="tx">
   <p:cSld name="TITLE_AND_BODY">
     <p:spTree>
       <p:nvGrpSpPr>
-        <p:cNvPr id="16" name="Shape 16"/>
+        <p:cNvPr id="1" name="Shape 16"/>
         <p:cNvGrpSpPr/>
         <p:nvPr/>
       </p:nvGrpSpPr>
@@ -3369,7 +3490,9 @@
       <p:sp>
         <p:nvSpPr>
           <p:cNvPr id="17" name="Google Shape;17;p4"/>
-          <p:cNvSpPr txBox="1"/>
+          <p:cNvSpPr txBox="1">
+            <a:spLocks noGrp="1"/>
+          </p:cNvSpPr>
           <p:nvPr>
             <p:ph type="title"/>
           </p:nvPr>
@@ -3384,7 +3507,7 @@
           </a:prstGeom>
         </p:spPr>
         <p:txBody>
-          <a:bodyPr anchorCtr="0" anchor="t" bIns="91425" lIns="91425" spcFirstLastPara="1" rIns="91425" wrap="square" tIns="91425">
+          <a:bodyPr spcFirstLastPara="1" wrap="square" lIns="91425" tIns="91425" rIns="91425" bIns="91425" anchor="t" anchorCtr="0">
             <a:normAutofit/>
           </a:bodyPr>
           <a:lstStyle>
@@ -3488,15 +3611,19 @@
               <a:defRPr/>
             </a:lvl9pPr>
           </a:lstStyle>
-          <a:p/>
+          <a:p>
+            <a:endParaRPr/>
+          </a:p>
         </p:txBody>
       </p:sp>
       <p:sp>
         <p:nvSpPr>
           <p:cNvPr id="18" name="Google Shape;18;p4"/>
-          <p:cNvSpPr txBox="1"/>
+          <p:cNvSpPr txBox="1">
+            <a:spLocks noGrp="1"/>
+          </p:cNvSpPr>
           <p:nvPr>
-            <p:ph idx="1" type="body"/>
+            <p:ph type="body" idx="1"/>
           </p:nvPr>
         </p:nvSpPr>
         <p:spPr>
@@ -3509,11 +3636,11 @@
           </a:prstGeom>
         </p:spPr>
         <p:txBody>
-          <a:bodyPr anchorCtr="0" anchor="t" bIns="91425" lIns="91425" spcFirstLastPara="1" rIns="91425" wrap="square" tIns="91425">
+          <a:bodyPr spcFirstLastPara="1" wrap="square" lIns="91425" tIns="91425" rIns="91425" bIns="91425" anchor="t" anchorCtr="0">
             <a:normAutofit/>
           </a:bodyPr>
           <a:lstStyle>
-            <a:lvl1pPr indent="-342900" lvl="0" marL="457200">
+            <a:lvl1pPr marL="457200" lvl="0" indent="-342900">
               <a:spcBef>
                 <a:spcPts val="0"/>
               </a:spcBef>
@@ -3524,7 +3651,7 @@
               <a:buChar char="●"/>
               <a:defRPr/>
             </a:lvl1pPr>
-            <a:lvl2pPr indent="-317500" lvl="1" marL="914400">
+            <a:lvl2pPr marL="914400" lvl="1" indent="-317500">
               <a:spcBef>
                 <a:spcPts val="0"/>
               </a:spcBef>
@@ -3535,7 +3662,7 @@
               <a:buChar char="○"/>
               <a:defRPr/>
             </a:lvl2pPr>
-            <a:lvl3pPr indent="-317500" lvl="2" marL="1371600">
+            <a:lvl3pPr marL="1371600" lvl="2" indent="-317500">
               <a:spcBef>
                 <a:spcPts val="0"/>
               </a:spcBef>
@@ -3546,7 +3673,7 @@
               <a:buChar char="■"/>
               <a:defRPr/>
             </a:lvl3pPr>
-            <a:lvl4pPr indent="-317500" lvl="3" marL="1828800">
+            <a:lvl4pPr marL="1828800" lvl="3" indent="-317500">
               <a:spcBef>
                 <a:spcPts val="0"/>
               </a:spcBef>
@@ -3557,7 +3684,7 @@
               <a:buChar char="●"/>
               <a:defRPr/>
             </a:lvl4pPr>
-            <a:lvl5pPr indent="-317500" lvl="4" marL="2286000">
+            <a:lvl5pPr marL="2286000" lvl="4" indent="-317500">
               <a:spcBef>
                 <a:spcPts val="0"/>
               </a:spcBef>
@@ -3568,7 +3695,7 @@
               <a:buChar char="○"/>
               <a:defRPr/>
             </a:lvl5pPr>
-            <a:lvl6pPr indent="-317500" lvl="5" marL="2743200">
+            <a:lvl6pPr marL="2743200" lvl="5" indent="-317500">
               <a:spcBef>
                 <a:spcPts val="0"/>
               </a:spcBef>
@@ -3579,7 +3706,7 @@
               <a:buChar char="■"/>
               <a:defRPr/>
             </a:lvl6pPr>
-            <a:lvl7pPr indent="-317500" lvl="6" marL="3200400">
+            <a:lvl7pPr marL="3200400" lvl="6" indent="-317500">
               <a:spcBef>
                 <a:spcPts val="0"/>
               </a:spcBef>
@@ -3590,7 +3717,7 @@
               <a:buChar char="●"/>
               <a:defRPr/>
             </a:lvl7pPr>
-            <a:lvl8pPr indent="-317500" lvl="7" marL="3657600">
+            <a:lvl8pPr marL="3657600" lvl="7" indent="-317500">
               <a:spcBef>
                 <a:spcPts val="0"/>
               </a:spcBef>
@@ -3601,7 +3728,7 @@
               <a:buChar char="○"/>
               <a:defRPr/>
             </a:lvl8pPr>
-            <a:lvl9pPr indent="-317500" lvl="8" marL="4114800">
+            <a:lvl9pPr marL="4114800" lvl="8" indent="-317500">
               <a:spcBef>
                 <a:spcPts val="0"/>
               </a:spcBef>
@@ -3613,15 +3740,19 @@
               <a:defRPr/>
             </a:lvl9pPr>
           </a:lstStyle>
-          <a:p/>
+          <a:p>
+            <a:endParaRPr/>
+          </a:p>
         </p:txBody>
       </p:sp>
       <p:sp>
         <p:nvSpPr>
           <p:cNvPr id="19" name="Google Shape;19;p4"/>
-          <p:cNvSpPr txBox="1"/>
+          <p:cNvSpPr txBox="1">
+            <a:spLocks noGrp="1"/>
+          </p:cNvSpPr>
           <p:nvPr>
-            <p:ph idx="12" type="sldNum"/>
+            <p:ph type="sldNum" idx="12"/>
           </p:nvPr>
         </p:nvSpPr>
         <p:spPr>
@@ -3634,7 +3765,7 @@
           </a:prstGeom>
         </p:spPr>
         <p:txBody>
-          <a:bodyPr anchorCtr="0" anchor="ctr" bIns="91425" lIns="91425" spcFirstLastPara="1" rIns="91425" wrap="square" tIns="91425">
+          <a:bodyPr spcFirstLastPara="1" wrap="square" lIns="91425" tIns="91425" rIns="91425" bIns="91425" anchor="ctr" anchorCtr="0">
             <a:normAutofit/>
           </a:bodyPr>
           <a:lstStyle>
@@ -3676,7 +3807,7 @@
             </a:lvl9pPr>
           </a:lstStyle>
           <a:p>
-            <a:pPr indent="0" lvl="0" marL="0" rtl="0" algn="r">
+            <a:pPr marL="0" lvl="0" indent="0" algn="r" rtl="0">
               <a:spcBef>
                 <a:spcPts val="0"/>
               </a:spcBef>
@@ -3702,11 +3833,11 @@
 </file>
 
 <file path=ppt/slideLayouts/slideLayout4.xml><?xml version="1.0" encoding="utf-8"?>
-<p:sldLayout xmlns:a="http://schemas.openxmlformats.org/drawingml/2006/main" xmlns:r="http://schemas.openxmlformats.org/officeDocument/2006/relationships" xmlns:mc="http://schemas.openxmlformats.org/markup-compatibility/2006" xmlns:mv="urn:schemas-microsoft-com:mac:vml" xmlns:p="http://schemas.openxmlformats.org/presentationml/2006/main" xmlns:c="http://schemas.openxmlformats.org/drawingml/2006/chart" xmlns:dgm="http://schemas.openxmlformats.org/drawingml/2006/diagram" xmlns:o="urn:schemas-microsoft-com:office:office" xmlns:v="urn:schemas-microsoft-com:vml" xmlns:pvml="urn:schemas-microsoft-com:office:powerpoint" xmlns:com="http://schemas.openxmlformats.org/drawingml/2006/compatibility" xmlns:p14="http://schemas.microsoft.com/office/powerpoint/2010/main" xmlns:p15="http://schemas.microsoft.com/office/powerpoint/2012/main" xmlns:ahyp="http://schemas.microsoft.com/office/drawing/2018/hyperlinkcolor" matchingName="Title and two columns" type="twoColTx">
+<p:sldLayout xmlns:a="http://schemas.openxmlformats.org/drawingml/2006/main" xmlns:r="http://schemas.openxmlformats.org/officeDocument/2006/relationships" xmlns:p="http://schemas.openxmlformats.org/presentationml/2006/main" matchingName="Title and two columns" type="twoColTx">
   <p:cSld name="TITLE_AND_TWO_COLUMNS">
     <p:spTree>
       <p:nvGrpSpPr>
-        <p:cNvPr id="20" name="Shape 20"/>
+        <p:cNvPr id="1" name="Shape 20"/>
         <p:cNvGrpSpPr/>
         <p:nvPr/>
       </p:nvGrpSpPr>
@@ -3721,7 +3852,9 @@
       <p:sp>
         <p:nvSpPr>
           <p:cNvPr id="21" name="Google Shape;21;p5"/>
-          <p:cNvSpPr txBox="1"/>
+          <p:cNvSpPr txBox="1">
+            <a:spLocks noGrp="1"/>
+          </p:cNvSpPr>
           <p:nvPr>
             <p:ph type="title"/>
           </p:nvPr>
@@ -3736,7 +3869,7 @@
           </a:prstGeom>
         </p:spPr>
         <p:txBody>
-          <a:bodyPr anchorCtr="0" anchor="t" bIns="91425" lIns="91425" spcFirstLastPara="1" rIns="91425" wrap="square" tIns="91425">
+          <a:bodyPr spcFirstLastPara="1" wrap="square" lIns="91425" tIns="91425" rIns="91425" bIns="91425" anchor="t" anchorCtr="0">
             <a:normAutofit/>
           </a:bodyPr>
           <a:lstStyle>
@@ -3840,15 +3973,19 @@
               <a:defRPr/>
             </a:lvl9pPr>
           </a:lstStyle>
-          <a:p/>
+          <a:p>
+            <a:endParaRPr/>
+          </a:p>
         </p:txBody>
       </p:sp>
       <p:sp>
         <p:nvSpPr>
           <p:cNvPr id="22" name="Google Shape;22;p5"/>
-          <p:cNvSpPr txBox="1"/>
+          <p:cNvSpPr txBox="1">
+            <a:spLocks noGrp="1"/>
+          </p:cNvSpPr>
           <p:nvPr>
-            <p:ph idx="1" type="body"/>
+            <p:ph type="body" idx="1"/>
           </p:nvPr>
         </p:nvSpPr>
         <p:spPr>
@@ -3861,11 +3998,11 @@
           </a:prstGeom>
         </p:spPr>
         <p:txBody>
-          <a:bodyPr anchorCtr="0" anchor="t" bIns="91425" lIns="91425" spcFirstLastPara="1" rIns="91425" wrap="square" tIns="91425">
+          <a:bodyPr spcFirstLastPara="1" wrap="square" lIns="91425" tIns="91425" rIns="91425" bIns="91425" anchor="t" anchorCtr="0">
             <a:normAutofit/>
           </a:bodyPr>
           <a:lstStyle>
-            <a:lvl1pPr indent="-317500" lvl="0" marL="457200">
+            <a:lvl1pPr marL="457200" lvl="0" indent="-317500">
               <a:spcBef>
                 <a:spcPts val="0"/>
               </a:spcBef>
@@ -3876,7 +4013,7 @@
               <a:buChar char="●"/>
               <a:defRPr sz="1400"/>
             </a:lvl1pPr>
-            <a:lvl2pPr indent="-304800" lvl="1" marL="914400">
+            <a:lvl2pPr marL="914400" lvl="1" indent="-304800">
               <a:spcBef>
                 <a:spcPts val="0"/>
               </a:spcBef>
@@ -3887,7 +4024,7 @@
               <a:buChar char="○"/>
               <a:defRPr sz="1200"/>
             </a:lvl2pPr>
-            <a:lvl3pPr indent="-304800" lvl="2" marL="1371600">
+            <a:lvl3pPr marL="1371600" lvl="2" indent="-304800">
               <a:spcBef>
                 <a:spcPts val="0"/>
               </a:spcBef>
@@ -3898,7 +4035,7 @@
               <a:buChar char="■"/>
               <a:defRPr sz="1200"/>
             </a:lvl3pPr>
-            <a:lvl4pPr indent="-304800" lvl="3" marL="1828800">
+            <a:lvl4pPr marL="1828800" lvl="3" indent="-304800">
               <a:spcBef>
                 <a:spcPts val="0"/>
               </a:spcBef>
@@ -3909,7 +4046,7 @@
               <a:buChar char="●"/>
               <a:defRPr sz="1200"/>
             </a:lvl4pPr>
-            <a:lvl5pPr indent="-304800" lvl="4" marL="2286000">
+            <a:lvl5pPr marL="2286000" lvl="4" indent="-304800">
               <a:spcBef>
                 <a:spcPts val="0"/>
               </a:spcBef>
@@ -3920,7 +4057,7 @@
               <a:buChar char="○"/>
               <a:defRPr sz="1200"/>
             </a:lvl5pPr>
-            <a:lvl6pPr indent="-304800" lvl="5" marL="2743200">
+            <a:lvl6pPr marL="2743200" lvl="5" indent="-304800">
               <a:spcBef>
                 <a:spcPts val="0"/>
               </a:spcBef>
@@ -3931,7 +4068,7 @@
               <a:buChar char="■"/>
               <a:defRPr sz="1200"/>
             </a:lvl6pPr>
-            <a:lvl7pPr indent="-304800" lvl="6" marL="3200400">
+            <a:lvl7pPr marL="3200400" lvl="6" indent="-304800">
               <a:spcBef>
                 <a:spcPts val="0"/>
               </a:spcBef>
@@ -3942,7 +4079,7 @@
               <a:buChar char="●"/>
               <a:defRPr sz="1200"/>
             </a:lvl7pPr>
-            <a:lvl8pPr indent="-304800" lvl="7" marL="3657600">
+            <a:lvl8pPr marL="3657600" lvl="7" indent="-304800">
               <a:spcBef>
                 <a:spcPts val="0"/>
               </a:spcBef>
@@ -3953,7 +4090,7 @@
               <a:buChar char="○"/>
               <a:defRPr sz="1200"/>
             </a:lvl8pPr>
-            <a:lvl9pPr indent="-304800" lvl="8" marL="4114800">
+            <a:lvl9pPr marL="4114800" lvl="8" indent="-304800">
               <a:spcBef>
                 <a:spcPts val="0"/>
               </a:spcBef>
@@ -3965,15 +4102,19 @@
               <a:defRPr sz="1200"/>
             </a:lvl9pPr>
           </a:lstStyle>
-          <a:p/>
+          <a:p>
+            <a:endParaRPr/>
+          </a:p>
         </p:txBody>
       </p:sp>
       <p:sp>
         <p:nvSpPr>
           <p:cNvPr id="23" name="Google Shape;23;p5"/>
-          <p:cNvSpPr txBox="1"/>
+          <p:cNvSpPr txBox="1">
+            <a:spLocks noGrp="1"/>
+          </p:cNvSpPr>
           <p:nvPr>
-            <p:ph idx="2" type="body"/>
+            <p:ph type="body" idx="2"/>
           </p:nvPr>
         </p:nvSpPr>
         <p:spPr>
@@ -3986,11 +4127,11 @@
           </a:prstGeom>
         </p:spPr>
         <p:txBody>
-          <a:bodyPr anchorCtr="0" anchor="t" bIns="91425" lIns="91425" spcFirstLastPara="1" rIns="91425" wrap="square" tIns="91425">
+          <a:bodyPr spcFirstLastPara="1" wrap="square" lIns="91425" tIns="91425" rIns="91425" bIns="91425" anchor="t" anchorCtr="0">
             <a:normAutofit/>
           </a:bodyPr>
           <a:lstStyle>
-            <a:lvl1pPr indent="-317500" lvl="0" marL="457200">
+            <a:lvl1pPr marL="457200" lvl="0" indent="-317500">
               <a:spcBef>
                 <a:spcPts val="0"/>
               </a:spcBef>
@@ -4001,7 +4142,7 @@
               <a:buChar char="●"/>
               <a:defRPr sz="1400"/>
             </a:lvl1pPr>
-            <a:lvl2pPr indent="-304800" lvl="1" marL="914400">
+            <a:lvl2pPr marL="914400" lvl="1" indent="-304800">
               <a:spcBef>
                 <a:spcPts val="0"/>
               </a:spcBef>
@@ -4012,7 +4153,7 @@
               <a:buChar char="○"/>
               <a:defRPr sz="1200"/>
             </a:lvl2pPr>
-            <a:lvl3pPr indent="-304800" lvl="2" marL="1371600">
+            <a:lvl3pPr marL="1371600" lvl="2" indent="-304800">
               <a:spcBef>
                 <a:spcPts val="0"/>
               </a:spcBef>
@@ -4023,7 +4164,7 @@
               <a:buChar char="■"/>
               <a:defRPr sz="1200"/>
             </a:lvl3pPr>
-            <a:lvl4pPr indent="-304800" lvl="3" marL="1828800">
+            <a:lvl4pPr marL="1828800" lvl="3" indent="-304800">
               <a:spcBef>
                 <a:spcPts val="0"/>
               </a:spcBef>
@@ -4034,7 +4175,7 @@
               <a:buChar char="●"/>
               <a:defRPr sz="1200"/>
             </a:lvl4pPr>
-            <a:lvl5pPr indent="-304800" lvl="4" marL="2286000">
+            <a:lvl5pPr marL="2286000" lvl="4" indent="-304800">
               <a:spcBef>
                 <a:spcPts val="0"/>
               </a:spcBef>
@@ -4045,7 +4186,7 @@
               <a:buChar char="○"/>
               <a:defRPr sz="1200"/>
             </a:lvl5pPr>
-            <a:lvl6pPr indent="-304800" lvl="5" marL="2743200">
+            <a:lvl6pPr marL="2743200" lvl="5" indent="-304800">
               <a:spcBef>
                 <a:spcPts val="0"/>
               </a:spcBef>
@@ -4056,7 +4197,7 @@
               <a:buChar char="■"/>
               <a:defRPr sz="1200"/>
             </a:lvl6pPr>
-            <a:lvl7pPr indent="-304800" lvl="6" marL="3200400">
+            <a:lvl7pPr marL="3200400" lvl="6" indent="-304800">
               <a:spcBef>
                 <a:spcPts val="0"/>
               </a:spcBef>
@@ -4067,7 +4208,7 @@
               <a:buChar char="●"/>
               <a:defRPr sz="1200"/>
             </a:lvl7pPr>
-            <a:lvl8pPr indent="-304800" lvl="7" marL="3657600">
+            <a:lvl8pPr marL="3657600" lvl="7" indent="-304800">
               <a:spcBef>
                 <a:spcPts val="0"/>
               </a:spcBef>
@@ -4078,7 +4219,7 @@
               <a:buChar char="○"/>
               <a:defRPr sz="1200"/>
             </a:lvl8pPr>
-            <a:lvl9pPr indent="-304800" lvl="8" marL="4114800">
+            <a:lvl9pPr marL="4114800" lvl="8" indent="-304800">
               <a:spcBef>
                 <a:spcPts val="0"/>
               </a:spcBef>
@@ -4090,15 +4231,19 @@
               <a:defRPr sz="1200"/>
             </a:lvl9pPr>
           </a:lstStyle>
-          <a:p/>
+          <a:p>
+            <a:endParaRPr/>
+          </a:p>
         </p:txBody>
       </p:sp>
       <p:sp>
         <p:nvSpPr>
           <p:cNvPr id="24" name="Google Shape;24;p5"/>
-          <p:cNvSpPr txBox="1"/>
+          <p:cNvSpPr txBox="1">
+            <a:spLocks noGrp="1"/>
+          </p:cNvSpPr>
           <p:nvPr>
-            <p:ph idx="12" type="sldNum"/>
+            <p:ph type="sldNum" idx="12"/>
           </p:nvPr>
         </p:nvSpPr>
         <p:spPr>
@@ -4111,7 +4256,7 @@
           </a:prstGeom>
         </p:spPr>
         <p:txBody>
-          <a:bodyPr anchorCtr="0" anchor="ctr" bIns="91425" lIns="91425" spcFirstLastPara="1" rIns="91425" wrap="square" tIns="91425">
+          <a:bodyPr spcFirstLastPara="1" wrap="square" lIns="91425" tIns="91425" rIns="91425" bIns="91425" anchor="ctr" anchorCtr="0">
             <a:normAutofit/>
           </a:bodyPr>
           <a:lstStyle>
@@ -4153,7 +4298,7 @@
             </a:lvl9pPr>
           </a:lstStyle>
           <a:p>
-            <a:pPr indent="0" lvl="0" marL="0" rtl="0" algn="r">
+            <a:pPr marL="0" lvl="0" indent="0" algn="r" rtl="0">
               <a:spcBef>
                 <a:spcPts val="0"/>
               </a:spcBef>
@@ -4179,11 +4324,11 @@
 </file>
 
 <file path=ppt/slideLayouts/slideLayout5.xml><?xml version="1.0" encoding="utf-8"?>
-<p:sldLayout xmlns:a="http://schemas.openxmlformats.org/drawingml/2006/main" xmlns:r="http://schemas.openxmlformats.org/officeDocument/2006/relationships" xmlns:mc="http://schemas.openxmlformats.org/markup-compatibility/2006" xmlns:mv="urn:schemas-microsoft-com:mac:vml" xmlns:p="http://schemas.openxmlformats.org/presentationml/2006/main" xmlns:c="http://schemas.openxmlformats.org/drawingml/2006/chart" xmlns:dgm="http://schemas.openxmlformats.org/drawingml/2006/diagram" xmlns:o="urn:schemas-microsoft-com:office:office" xmlns:v="urn:schemas-microsoft-com:vml" xmlns:pvml="urn:schemas-microsoft-com:office:powerpoint" xmlns:com="http://schemas.openxmlformats.org/drawingml/2006/compatibility" xmlns:p14="http://schemas.microsoft.com/office/powerpoint/2010/main" xmlns:p15="http://schemas.microsoft.com/office/powerpoint/2012/main" xmlns:ahyp="http://schemas.microsoft.com/office/drawing/2018/hyperlinkcolor" matchingName="Title only" type="titleOnly">
+<p:sldLayout xmlns:a="http://schemas.openxmlformats.org/drawingml/2006/main" xmlns:r="http://schemas.openxmlformats.org/officeDocument/2006/relationships" xmlns:p="http://schemas.openxmlformats.org/presentationml/2006/main" matchingName="Title only" type="titleOnly">
   <p:cSld name="TITLE_ONLY">
     <p:spTree>
       <p:nvGrpSpPr>
-        <p:cNvPr id="25" name="Shape 25"/>
+        <p:cNvPr id="1" name="Shape 25"/>
         <p:cNvGrpSpPr/>
         <p:nvPr/>
       </p:nvGrpSpPr>
@@ -4198,7 +4343,9 @@
       <p:sp>
         <p:nvSpPr>
           <p:cNvPr id="26" name="Google Shape;26;p6"/>
-          <p:cNvSpPr txBox="1"/>
+          <p:cNvSpPr txBox="1">
+            <a:spLocks noGrp="1"/>
+          </p:cNvSpPr>
           <p:nvPr>
             <p:ph type="title"/>
           </p:nvPr>
@@ -4213,7 +4360,7 @@
           </a:prstGeom>
         </p:spPr>
         <p:txBody>
-          <a:bodyPr anchorCtr="0" anchor="t" bIns="91425" lIns="91425" spcFirstLastPara="1" rIns="91425" wrap="square" tIns="91425">
+          <a:bodyPr spcFirstLastPara="1" wrap="square" lIns="91425" tIns="91425" rIns="91425" bIns="91425" anchor="t" anchorCtr="0">
             <a:normAutofit/>
           </a:bodyPr>
           <a:lstStyle>
@@ -4317,15 +4464,19 @@
               <a:defRPr/>
             </a:lvl9pPr>
           </a:lstStyle>
-          <a:p/>
+          <a:p>
+            <a:endParaRPr/>
+          </a:p>
         </p:txBody>
       </p:sp>
       <p:sp>
         <p:nvSpPr>
           <p:cNvPr id="27" name="Google Shape;27;p6"/>
-          <p:cNvSpPr txBox="1"/>
+          <p:cNvSpPr txBox="1">
+            <a:spLocks noGrp="1"/>
+          </p:cNvSpPr>
           <p:nvPr>
-            <p:ph idx="12" type="sldNum"/>
+            <p:ph type="sldNum" idx="12"/>
           </p:nvPr>
         </p:nvSpPr>
         <p:spPr>
@@ -4338,7 +4489,7 @@
           </a:prstGeom>
         </p:spPr>
         <p:txBody>
-          <a:bodyPr anchorCtr="0" anchor="ctr" bIns="91425" lIns="91425" spcFirstLastPara="1" rIns="91425" wrap="square" tIns="91425">
+          <a:bodyPr spcFirstLastPara="1" wrap="square" lIns="91425" tIns="91425" rIns="91425" bIns="91425" anchor="ctr" anchorCtr="0">
             <a:normAutofit/>
           </a:bodyPr>
           <a:lstStyle>
@@ -4380,7 +4531,7 @@
             </a:lvl9pPr>
           </a:lstStyle>
           <a:p>
-            <a:pPr indent="0" lvl="0" marL="0" rtl="0" algn="r">
+            <a:pPr marL="0" lvl="0" indent="0" algn="r" rtl="0">
               <a:spcBef>
                 <a:spcPts val="0"/>
               </a:spcBef>
@@ -4406,11 +4557,11 @@
 </file>
 
 <file path=ppt/slideLayouts/slideLayout6.xml><?xml version="1.0" encoding="utf-8"?>
-<p:sldLayout xmlns:a="http://schemas.openxmlformats.org/drawingml/2006/main" xmlns:r="http://schemas.openxmlformats.org/officeDocument/2006/relationships" xmlns:mc="http://schemas.openxmlformats.org/markup-compatibility/2006" xmlns:mv="urn:schemas-microsoft-com:mac:vml" xmlns:p="http://schemas.openxmlformats.org/presentationml/2006/main" xmlns:c="http://schemas.openxmlformats.org/drawingml/2006/chart" xmlns:dgm="http://schemas.openxmlformats.org/drawingml/2006/diagram" xmlns:o="urn:schemas-microsoft-com:office:office" xmlns:v="urn:schemas-microsoft-com:vml" xmlns:pvml="urn:schemas-microsoft-com:office:powerpoint" xmlns:com="http://schemas.openxmlformats.org/drawingml/2006/compatibility" xmlns:p14="http://schemas.microsoft.com/office/powerpoint/2010/main" xmlns:p15="http://schemas.microsoft.com/office/powerpoint/2012/main" xmlns:ahyp="http://schemas.microsoft.com/office/drawing/2018/hyperlinkcolor" matchingName="One column text">
+<p:sldLayout xmlns:a="http://schemas.openxmlformats.org/drawingml/2006/main" xmlns:r="http://schemas.openxmlformats.org/officeDocument/2006/relationships" xmlns:p="http://schemas.openxmlformats.org/presentationml/2006/main" matchingName="One column text">
   <p:cSld name="ONE_COLUMN_TEXT">
     <p:spTree>
       <p:nvGrpSpPr>
-        <p:cNvPr id="28" name="Shape 28"/>
+        <p:cNvPr id="1" name="Shape 28"/>
         <p:cNvGrpSpPr/>
         <p:nvPr/>
       </p:nvGrpSpPr>
@@ -4425,7 +4576,9 @@
       <p:sp>
         <p:nvSpPr>
           <p:cNvPr id="29" name="Google Shape;29;p7"/>
-          <p:cNvSpPr txBox="1"/>
+          <p:cNvSpPr txBox="1">
+            <a:spLocks noGrp="1"/>
+          </p:cNvSpPr>
           <p:nvPr>
             <p:ph type="title"/>
           </p:nvPr>
@@ -4440,7 +4593,7 @@
           </a:prstGeom>
         </p:spPr>
         <p:txBody>
-          <a:bodyPr anchorCtr="0" anchor="b" bIns="91425" lIns="91425" spcFirstLastPara="1" rIns="91425" wrap="square" tIns="91425">
+          <a:bodyPr spcFirstLastPara="1" wrap="square" lIns="91425" tIns="91425" rIns="91425" bIns="91425" anchor="b" anchorCtr="0">
             <a:normAutofit/>
           </a:bodyPr>
           <a:lstStyle>
@@ -4544,15 +4697,19 @@
               <a:defRPr sz="2400"/>
             </a:lvl9pPr>
           </a:lstStyle>
-          <a:p/>
+          <a:p>
+            <a:endParaRPr/>
+          </a:p>
         </p:txBody>
       </p:sp>
       <p:sp>
         <p:nvSpPr>
           <p:cNvPr id="30" name="Google Shape;30;p7"/>
-          <p:cNvSpPr txBox="1"/>
+          <p:cNvSpPr txBox="1">
+            <a:spLocks noGrp="1"/>
+          </p:cNvSpPr>
           <p:nvPr>
-            <p:ph idx="1" type="body"/>
+            <p:ph type="body" idx="1"/>
           </p:nvPr>
         </p:nvSpPr>
         <p:spPr>
@@ -4565,11 +4722,11 @@
           </a:prstGeom>
         </p:spPr>
         <p:txBody>
-          <a:bodyPr anchorCtr="0" anchor="t" bIns="91425" lIns="91425" spcFirstLastPara="1" rIns="91425" wrap="square" tIns="91425">
+          <a:bodyPr spcFirstLastPara="1" wrap="square" lIns="91425" tIns="91425" rIns="91425" bIns="91425" anchor="t" anchorCtr="0">
             <a:normAutofit/>
           </a:bodyPr>
           <a:lstStyle>
-            <a:lvl1pPr indent="-304800" lvl="0" marL="457200">
+            <a:lvl1pPr marL="457200" lvl="0" indent="-304800">
               <a:spcBef>
                 <a:spcPts val="0"/>
               </a:spcBef>
@@ -4580,7 +4737,7 @@
               <a:buChar char="●"/>
               <a:defRPr sz="1200"/>
             </a:lvl1pPr>
-            <a:lvl2pPr indent="-304800" lvl="1" marL="914400">
+            <a:lvl2pPr marL="914400" lvl="1" indent="-304800">
               <a:spcBef>
                 <a:spcPts val="0"/>
               </a:spcBef>
@@ -4591,7 +4748,7 @@
               <a:buChar char="○"/>
               <a:defRPr sz="1200"/>
             </a:lvl2pPr>
-            <a:lvl3pPr indent="-304800" lvl="2" marL="1371600">
+            <a:lvl3pPr marL="1371600" lvl="2" indent="-304800">
               <a:spcBef>
                 <a:spcPts val="0"/>
               </a:spcBef>
@@ -4602,7 +4759,7 @@
               <a:buChar char="■"/>
               <a:defRPr sz="1200"/>
             </a:lvl3pPr>
-            <a:lvl4pPr indent="-304800" lvl="3" marL="1828800">
+            <a:lvl4pPr marL="1828800" lvl="3" indent="-304800">
               <a:spcBef>
                 <a:spcPts val="0"/>
               </a:spcBef>
@@ -4613,7 +4770,7 @@
               <a:buChar char="●"/>
               <a:defRPr sz="1200"/>
             </a:lvl4pPr>
-            <a:lvl5pPr indent="-304800" lvl="4" marL="2286000">
+            <a:lvl5pPr marL="2286000" lvl="4" indent="-304800">
               <a:spcBef>
                 <a:spcPts val="0"/>
               </a:spcBef>
@@ -4624,7 +4781,7 @@
               <a:buChar char="○"/>
               <a:defRPr sz="1200"/>
             </a:lvl5pPr>
-            <a:lvl6pPr indent="-304800" lvl="5" marL="2743200">
+            <a:lvl6pPr marL="2743200" lvl="5" indent="-304800">
               <a:spcBef>
                 <a:spcPts val="0"/>
               </a:spcBef>
@@ -4635,7 +4792,7 @@
               <a:buChar char="■"/>
               <a:defRPr sz="1200"/>
             </a:lvl6pPr>
-            <a:lvl7pPr indent="-304800" lvl="6" marL="3200400">
+            <a:lvl7pPr marL="3200400" lvl="6" indent="-304800">
               <a:spcBef>
                 <a:spcPts val="0"/>
               </a:spcBef>
@@ -4646,7 +4803,7 @@
               <a:buChar char="●"/>
               <a:defRPr sz="1200"/>
             </a:lvl7pPr>
-            <a:lvl8pPr indent="-304800" lvl="7" marL="3657600">
+            <a:lvl8pPr marL="3657600" lvl="7" indent="-304800">
               <a:spcBef>
                 <a:spcPts val="0"/>
               </a:spcBef>
@@ -4657,7 +4814,7 @@
               <a:buChar char="○"/>
               <a:defRPr sz="1200"/>
             </a:lvl8pPr>
-            <a:lvl9pPr indent="-304800" lvl="8" marL="4114800">
+            <a:lvl9pPr marL="4114800" lvl="8" indent="-304800">
               <a:spcBef>
                 <a:spcPts val="0"/>
               </a:spcBef>
@@ -4669,15 +4826,19 @@
               <a:defRPr sz="1200"/>
             </a:lvl9pPr>
           </a:lstStyle>
-          <a:p/>
+          <a:p>
+            <a:endParaRPr/>
+          </a:p>
         </p:txBody>
       </p:sp>
       <p:sp>
         <p:nvSpPr>
           <p:cNvPr id="31" name="Google Shape;31;p7"/>
-          <p:cNvSpPr txBox="1"/>
+          <p:cNvSpPr txBox="1">
+            <a:spLocks noGrp="1"/>
+          </p:cNvSpPr>
           <p:nvPr>
-            <p:ph idx="12" type="sldNum"/>
+            <p:ph type="sldNum" idx="12"/>
           </p:nvPr>
         </p:nvSpPr>
         <p:spPr>
@@ -4690,7 +4851,7 @@
           </a:prstGeom>
         </p:spPr>
         <p:txBody>
-          <a:bodyPr anchorCtr="0" anchor="ctr" bIns="91425" lIns="91425" spcFirstLastPara="1" rIns="91425" wrap="square" tIns="91425">
+          <a:bodyPr spcFirstLastPara="1" wrap="square" lIns="91425" tIns="91425" rIns="91425" bIns="91425" anchor="ctr" anchorCtr="0">
             <a:normAutofit/>
           </a:bodyPr>
           <a:lstStyle>
@@ -4732,7 +4893,7 @@
             </a:lvl9pPr>
           </a:lstStyle>
           <a:p>
-            <a:pPr indent="0" lvl="0" marL="0" rtl="0" algn="r">
+            <a:pPr marL="0" lvl="0" indent="0" algn="r" rtl="0">
               <a:spcBef>
                 <a:spcPts val="0"/>
               </a:spcBef>
@@ -4758,11 +4919,11 @@
 </file>
 
 <file path=ppt/slideLayouts/slideLayout7.xml><?xml version="1.0" encoding="utf-8"?>
-<p:sldLayout xmlns:a="http://schemas.openxmlformats.org/drawingml/2006/main" xmlns:r="http://schemas.openxmlformats.org/officeDocument/2006/relationships" xmlns:mc="http://schemas.openxmlformats.org/markup-compatibility/2006" xmlns:mv="urn:schemas-microsoft-com:mac:vml" xmlns:p="http://schemas.openxmlformats.org/presentationml/2006/main" xmlns:c="http://schemas.openxmlformats.org/drawingml/2006/chart" xmlns:dgm="http://schemas.openxmlformats.org/drawingml/2006/diagram" xmlns:o="urn:schemas-microsoft-com:office:office" xmlns:v="urn:schemas-microsoft-com:vml" xmlns:pvml="urn:schemas-microsoft-com:office:powerpoint" xmlns:com="http://schemas.openxmlformats.org/drawingml/2006/compatibility" xmlns:p14="http://schemas.microsoft.com/office/powerpoint/2010/main" xmlns:p15="http://schemas.microsoft.com/office/powerpoint/2012/main" xmlns:ahyp="http://schemas.microsoft.com/office/drawing/2018/hyperlinkcolor" matchingName="Main point">
+<p:sldLayout xmlns:a="http://schemas.openxmlformats.org/drawingml/2006/main" xmlns:r="http://schemas.openxmlformats.org/officeDocument/2006/relationships" xmlns:p="http://schemas.openxmlformats.org/presentationml/2006/main" matchingName="Main point">
   <p:cSld name="MAIN_POINT">
     <p:spTree>
       <p:nvGrpSpPr>
-        <p:cNvPr id="32" name="Shape 32"/>
+        <p:cNvPr id="1" name="Shape 32"/>
         <p:cNvGrpSpPr/>
         <p:nvPr/>
       </p:nvGrpSpPr>
@@ -4777,7 +4938,9 @@
       <p:sp>
         <p:nvSpPr>
           <p:cNvPr id="33" name="Google Shape;33;p8"/>
-          <p:cNvSpPr txBox="1"/>
+          <p:cNvSpPr txBox="1">
+            <a:spLocks noGrp="1"/>
+          </p:cNvSpPr>
           <p:nvPr>
             <p:ph type="title"/>
           </p:nvPr>
@@ -4792,7 +4955,7 @@
           </a:prstGeom>
         </p:spPr>
         <p:txBody>
-          <a:bodyPr anchorCtr="0" anchor="ctr" bIns="91425" lIns="91425" spcFirstLastPara="1" rIns="91425" wrap="square" tIns="91425">
+          <a:bodyPr spcFirstLastPara="1" wrap="square" lIns="91425" tIns="91425" rIns="91425" bIns="91425" anchor="ctr" anchorCtr="0">
             <a:normAutofit/>
           </a:bodyPr>
           <a:lstStyle>
@@ -4896,15 +5059,19 @@
               <a:defRPr sz="4800"/>
             </a:lvl9pPr>
           </a:lstStyle>
-          <a:p/>
+          <a:p>
+            <a:endParaRPr/>
+          </a:p>
         </p:txBody>
       </p:sp>
       <p:sp>
         <p:nvSpPr>
           <p:cNvPr id="34" name="Google Shape;34;p8"/>
-          <p:cNvSpPr txBox="1"/>
+          <p:cNvSpPr txBox="1">
+            <a:spLocks noGrp="1"/>
+          </p:cNvSpPr>
           <p:nvPr>
-            <p:ph idx="12" type="sldNum"/>
+            <p:ph type="sldNum" idx="12"/>
           </p:nvPr>
         </p:nvSpPr>
         <p:spPr>
@@ -4917,7 +5084,7 @@
           </a:prstGeom>
         </p:spPr>
         <p:txBody>
-          <a:bodyPr anchorCtr="0" anchor="ctr" bIns="91425" lIns="91425" spcFirstLastPara="1" rIns="91425" wrap="square" tIns="91425">
+          <a:bodyPr spcFirstLastPara="1" wrap="square" lIns="91425" tIns="91425" rIns="91425" bIns="91425" anchor="ctr" anchorCtr="0">
             <a:normAutofit/>
           </a:bodyPr>
           <a:lstStyle>
@@ -4959,7 +5126,7 @@
             </a:lvl9pPr>
           </a:lstStyle>
           <a:p>
-            <a:pPr indent="0" lvl="0" marL="0" rtl="0" algn="r">
+            <a:pPr marL="0" lvl="0" indent="0" algn="r" rtl="0">
               <a:spcBef>
                 <a:spcPts val="0"/>
               </a:spcBef>
@@ -4985,11 +5152,11 @@
 </file>
 
 <file path=ppt/slideLayouts/slideLayout8.xml><?xml version="1.0" encoding="utf-8"?>
-<p:sldLayout xmlns:a="http://schemas.openxmlformats.org/drawingml/2006/main" xmlns:r="http://schemas.openxmlformats.org/officeDocument/2006/relationships" xmlns:mc="http://schemas.openxmlformats.org/markup-compatibility/2006" xmlns:mv="urn:schemas-microsoft-com:mac:vml" xmlns:p="http://schemas.openxmlformats.org/presentationml/2006/main" xmlns:c="http://schemas.openxmlformats.org/drawingml/2006/chart" xmlns:dgm="http://schemas.openxmlformats.org/drawingml/2006/diagram" xmlns:o="urn:schemas-microsoft-com:office:office" xmlns:v="urn:schemas-microsoft-com:vml" xmlns:pvml="urn:schemas-microsoft-com:office:powerpoint" xmlns:com="http://schemas.openxmlformats.org/drawingml/2006/compatibility" xmlns:p14="http://schemas.microsoft.com/office/powerpoint/2010/main" xmlns:p15="http://schemas.microsoft.com/office/powerpoint/2012/main" xmlns:ahyp="http://schemas.microsoft.com/office/drawing/2018/hyperlinkcolor" matchingName="Section title and description">
+<p:sldLayout xmlns:a="http://schemas.openxmlformats.org/drawingml/2006/main" xmlns:r="http://schemas.openxmlformats.org/officeDocument/2006/relationships" xmlns:p="http://schemas.openxmlformats.org/presentationml/2006/main" matchingName="Section title and description">
   <p:cSld name="SECTION_TITLE_AND_DESCRIPTION">
     <p:spTree>
       <p:nvGrpSpPr>
-        <p:cNvPr id="35" name="Shape 35"/>
+        <p:cNvPr id="1" name="Shape 35"/>
         <p:cNvGrpSpPr/>
         <p:nvPr/>
       </p:nvGrpSpPr>
@@ -5023,23 +5190,20 @@
           </a:ln>
         </p:spPr>
         <p:txBody>
-          <a:bodyPr anchorCtr="0" anchor="ctr" bIns="91425" lIns="91425" spcFirstLastPara="1" rIns="91425" wrap="square" tIns="91425">
+          <a:bodyPr spcFirstLastPara="1" wrap="square" lIns="91425" tIns="91425" rIns="91425" bIns="91425" anchor="ctr" anchorCtr="0">
             <a:noAutofit/>
           </a:bodyPr>
           <a:lstStyle/>
           <a:p>
-            <a:pPr indent="0" lvl="0" marL="0" rtl="0" algn="l">
-              <a:spcBef>
-                <a:spcPts val="0"/>
-              </a:spcBef>
-              <a:spcAft>
-                <a:spcPts val="0"/>
-              </a:spcAft>
-              <a:buNone/>
-            </a:pPr>
-            <a:r>
-              <a:t/>
-            </a:r>
+            <a:pPr marL="0" lvl="0" indent="0" algn="l" rtl="0">
+              <a:spcBef>
+                <a:spcPts val="0"/>
+              </a:spcBef>
+              <a:spcAft>
+                <a:spcPts val="0"/>
+              </a:spcAft>
+              <a:buNone/>
+            </a:pPr>
             <a:endParaRPr/>
           </a:p>
         </p:txBody>
@@ -5047,7 +5211,9 @@
       <p:sp>
         <p:nvSpPr>
           <p:cNvPr id="37" name="Google Shape;37;p9"/>
-          <p:cNvSpPr txBox="1"/>
+          <p:cNvSpPr txBox="1">
+            <a:spLocks noGrp="1"/>
+          </p:cNvSpPr>
           <p:nvPr>
             <p:ph type="title"/>
           </p:nvPr>
@@ -5062,7 +5228,7 @@
           </a:prstGeom>
         </p:spPr>
         <p:txBody>
-          <a:bodyPr anchorCtr="0" anchor="b" bIns="91425" lIns="91425" spcFirstLastPara="1" rIns="91425" wrap="square" tIns="91425">
+          <a:bodyPr spcFirstLastPara="1" wrap="square" lIns="91425" tIns="91425" rIns="91425" bIns="91425" anchor="b" anchorCtr="0">
             <a:normAutofit/>
           </a:bodyPr>
           <a:lstStyle>
@@ -5166,15 +5332,19 @@
               <a:defRPr sz="4200"/>
             </a:lvl9pPr>
           </a:lstStyle>
-          <a:p/>
+          <a:p>
+            <a:endParaRPr/>
+          </a:p>
         </p:txBody>
       </p:sp>
       <p:sp>
         <p:nvSpPr>
           <p:cNvPr id="38" name="Google Shape;38;p9"/>
-          <p:cNvSpPr txBox="1"/>
+          <p:cNvSpPr txBox="1">
+            <a:spLocks noGrp="1"/>
+          </p:cNvSpPr>
           <p:nvPr>
-            <p:ph idx="1" type="subTitle"/>
+            <p:ph type="subTitle" idx="1"/>
           </p:nvPr>
         </p:nvSpPr>
         <p:spPr>
@@ -5187,7 +5357,7 @@
           </a:prstGeom>
         </p:spPr>
         <p:txBody>
-          <a:bodyPr anchorCtr="0" anchor="t" bIns="91425" lIns="91425" spcFirstLastPara="1" rIns="91425" wrap="square" tIns="91425">
+          <a:bodyPr spcFirstLastPara="1" wrap="square" lIns="91425" tIns="91425" rIns="91425" bIns="91425" anchor="t" anchorCtr="0">
             <a:normAutofit/>
           </a:bodyPr>
           <a:lstStyle>
@@ -5318,15 +5488,19 @@
               <a:defRPr sz="2100"/>
             </a:lvl9pPr>
           </a:lstStyle>
-          <a:p/>
+          <a:p>
+            <a:endParaRPr/>
+          </a:p>
         </p:txBody>
       </p:sp>
       <p:sp>
         <p:nvSpPr>
           <p:cNvPr id="39" name="Google Shape;39;p9"/>
-          <p:cNvSpPr txBox="1"/>
+          <p:cNvSpPr txBox="1">
+            <a:spLocks noGrp="1"/>
+          </p:cNvSpPr>
           <p:nvPr>
-            <p:ph idx="2" type="body"/>
+            <p:ph type="body" idx="2"/>
           </p:nvPr>
         </p:nvSpPr>
         <p:spPr>
@@ -5339,11 +5513,11 @@
           </a:prstGeom>
         </p:spPr>
         <p:txBody>
-          <a:bodyPr anchorCtr="0" anchor="ctr" bIns="91425" lIns="91425" spcFirstLastPara="1" rIns="91425" wrap="square" tIns="91425">
+          <a:bodyPr spcFirstLastPara="1" wrap="square" lIns="91425" tIns="91425" rIns="91425" bIns="91425" anchor="ctr" anchorCtr="0">
             <a:normAutofit/>
           </a:bodyPr>
           <a:lstStyle>
-            <a:lvl1pPr indent="-342900" lvl="0" marL="457200">
+            <a:lvl1pPr marL="457200" lvl="0" indent="-342900">
               <a:spcBef>
                 <a:spcPts val="0"/>
               </a:spcBef>
@@ -5354,7 +5528,7 @@
               <a:buChar char="●"/>
               <a:defRPr/>
             </a:lvl1pPr>
-            <a:lvl2pPr indent="-317500" lvl="1" marL="914400">
+            <a:lvl2pPr marL="914400" lvl="1" indent="-317500">
               <a:spcBef>
                 <a:spcPts val="0"/>
               </a:spcBef>
@@ -5365,7 +5539,7 @@
               <a:buChar char="○"/>
               <a:defRPr/>
             </a:lvl2pPr>
-            <a:lvl3pPr indent="-317500" lvl="2" marL="1371600">
+            <a:lvl3pPr marL="1371600" lvl="2" indent="-317500">
               <a:spcBef>
                 <a:spcPts val="0"/>
               </a:spcBef>
@@ -5376,7 +5550,7 @@
               <a:buChar char="■"/>
               <a:defRPr/>
             </a:lvl3pPr>
-            <a:lvl4pPr indent="-317500" lvl="3" marL="1828800">
+            <a:lvl4pPr marL="1828800" lvl="3" indent="-317500">
               <a:spcBef>
                 <a:spcPts val="0"/>
               </a:spcBef>
@@ -5387,7 +5561,7 @@
               <a:buChar char="●"/>
               <a:defRPr/>
             </a:lvl4pPr>
-            <a:lvl5pPr indent="-317500" lvl="4" marL="2286000">
+            <a:lvl5pPr marL="2286000" lvl="4" indent="-317500">
               <a:spcBef>
                 <a:spcPts val="0"/>
               </a:spcBef>
@@ -5398,7 +5572,7 @@
               <a:buChar char="○"/>
               <a:defRPr/>
             </a:lvl5pPr>
-            <a:lvl6pPr indent="-317500" lvl="5" marL="2743200">
+            <a:lvl6pPr marL="2743200" lvl="5" indent="-317500">
               <a:spcBef>
                 <a:spcPts val="0"/>
               </a:spcBef>
@@ -5409,7 +5583,7 @@
               <a:buChar char="■"/>
               <a:defRPr/>
             </a:lvl6pPr>
-            <a:lvl7pPr indent="-317500" lvl="6" marL="3200400">
+            <a:lvl7pPr marL="3200400" lvl="6" indent="-317500">
               <a:spcBef>
                 <a:spcPts val="0"/>
               </a:spcBef>
@@ -5420,7 +5594,7 @@
               <a:buChar char="●"/>
               <a:defRPr/>
             </a:lvl7pPr>
-            <a:lvl8pPr indent="-317500" lvl="7" marL="3657600">
+            <a:lvl8pPr marL="3657600" lvl="7" indent="-317500">
               <a:spcBef>
                 <a:spcPts val="0"/>
               </a:spcBef>
@@ -5431,7 +5605,7 @@
               <a:buChar char="○"/>
               <a:defRPr/>
             </a:lvl8pPr>
-            <a:lvl9pPr indent="-317500" lvl="8" marL="4114800">
+            <a:lvl9pPr marL="4114800" lvl="8" indent="-317500">
               <a:spcBef>
                 <a:spcPts val="0"/>
               </a:spcBef>
@@ -5443,15 +5617,19 @@
               <a:defRPr/>
             </a:lvl9pPr>
           </a:lstStyle>
-          <a:p/>
+          <a:p>
+            <a:endParaRPr/>
+          </a:p>
         </p:txBody>
       </p:sp>
       <p:sp>
         <p:nvSpPr>
           <p:cNvPr id="40" name="Google Shape;40;p9"/>
-          <p:cNvSpPr txBox="1"/>
+          <p:cNvSpPr txBox="1">
+            <a:spLocks noGrp="1"/>
+          </p:cNvSpPr>
           <p:nvPr>
-            <p:ph idx="12" type="sldNum"/>
+            <p:ph type="sldNum" idx="12"/>
           </p:nvPr>
         </p:nvSpPr>
         <p:spPr>
@@ -5464,7 +5642,7 @@
           </a:prstGeom>
         </p:spPr>
         <p:txBody>
-          <a:bodyPr anchorCtr="0" anchor="ctr" bIns="91425" lIns="91425" spcFirstLastPara="1" rIns="91425" wrap="square" tIns="91425">
+          <a:bodyPr spcFirstLastPara="1" wrap="square" lIns="91425" tIns="91425" rIns="91425" bIns="91425" anchor="ctr" anchorCtr="0">
             <a:normAutofit/>
           </a:bodyPr>
           <a:lstStyle>
@@ -5506,7 +5684,7 @@
             </a:lvl9pPr>
           </a:lstStyle>
           <a:p>
-            <a:pPr indent="0" lvl="0" marL="0" rtl="0" algn="r">
+            <a:pPr marL="0" lvl="0" indent="0" algn="r" rtl="0">
               <a:spcBef>
                 <a:spcPts val="0"/>
               </a:spcBef>
@@ -5532,11 +5710,11 @@
 </file>
 
 <file path=ppt/slideLayouts/slideLayout9.xml><?xml version="1.0" encoding="utf-8"?>
-<p:sldLayout xmlns:a="http://schemas.openxmlformats.org/drawingml/2006/main" xmlns:r="http://schemas.openxmlformats.org/officeDocument/2006/relationships" xmlns:mc="http://schemas.openxmlformats.org/markup-compatibility/2006" xmlns:mv="urn:schemas-microsoft-com:mac:vml" xmlns:p="http://schemas.openxmlformats.org/presentationml/2006/main" xmlns:c="http://schemas.openxmlformats.org/drawingml/2006/chart" xmlns:dgm="http://schemas.openxmlformats.org/drawingml/2006/diagram" xmlns:o="urn:schemas-microsoft-com:office:office" xmlns:v="urn:schemas-microsoft-com:vml" xmlns:pvml="urn:schemas-microsoft-com:office:powerpoint" xmlns:com="http://schemas.openxmlformats.org/drawingml/2006/compatibility" xmlns:p14="http://schemas.microsoft.com/office/powerpoint/2010/main" xmlns:p15="http://schemas.microsoft.com/office/powerpoint/2012/main" xmlns:ahyp="http://schemas.microsoft.com/office/drawing/2018/hyperlinkcolor" matchingName="Caption">
+<p:sldLayout xmlns:a="http://schemas.openxmlformats.org/drawingml/2006/main" xmlns:r="http://schemas.openxmlformats.org/officeDocument/2006/relationships" xmlns:p="http://schemas.openxmlformats.org/presentationml/2006/main" matchingName="Caption">
   <p:cSld name="CAPTION_ONLY">
     <p:spTree>
       <p:nvGrpSpPr>
-        <p:cNvPr id="41" name="Shape 41"/>
+        <p:cNvPr id="1" name="Shape 41"/>
         <p:cNvGrpSpPr/>
         <p:nvPr/>
       </p:nvGrpSpPr>
@@ -5551,9 +5729,11 @@
       <p:sp>
         <p:nvSpPr>
           <p:cNvPr id="42" name="Google Shape;42;p10"/>
-          <p:cNvSpPr txBox="1"/>
+          <p:cNvSpPr txBox="1">
+            <a:spLocks noGrp="1"/>
+          </p:cNvSpPr>
           <p:nvPr>
-            <p:ph idx="1" type="body"/>
+            <p:ph type="body" idx="1"/>
           </p:nvPr>
         </p:nvSpPr>
         <p:spPr>
@@ -5566,11 +5746,11 @@
           </a:prstGeom>
         </p:spPr>
         <p:txBody>
-          <a:bodyPr anchorCtr="0" anchor="ctr" bIns="91425" lIns="91425" spcFirstLastPara="1" rIns="91425" wrap="square" tIns="91425">
+          <a:bodyPr spcFirstLastPara="1" wrap="square" lIns="91425" tIns="91425" rIns="91425" bIns="91425" anchor="ctr" anchorCtr="0">
             <a:normAutofit/>
           </a:bodyPr>
           <a:lstStyle>
-            <a:lvl1pPr indent="-228600" lvl="0" marL="457200">
+            <a:lvl1pPr marL="457200" lvl="0" indent="-228600">
               <a:lnSpc>
                 <a:spcPct val="100000"/>
               </a:lnSpc>
@@ -5585,15 +5765,19 @@
               <a:defRPr/>
             </a:lvl1pPr>
           </a:lstStyle>
-          <a:p/>
+          <a:p>
+            <a:endParaRPr/>
+          </a:p>
         </p:txBody>
       </p:sp>
       <p:sp>
         <p:nvSpPr>
           <p:cNvPr id="43" name="Google Shape;43;p10"/>
-          <p:cNvSpPr txBox="1"/>
+          <p:cNvSpPr txBox="1">
+            <a:spLocks noGrp="1"/>
+          </p:cNvSpPr>
           <p:nvPr>
-            <p:ph idx="12" type="sldNum"/>
+            <p:ph type="sldNum" idx="12"/>
           </p:nvPr>
         </p:nvSpPr>
         <p:spPr>
@@ -5606,7 +5790,7 @@
           </a:prstGeom>
         </p:spPr>
         <p:txBody>
-          <a:bodyPr anchorCtr="0" anchor="ctr" bIns="91425" lIns="91425" spcFirstLastPara="1" rIns="91425" wrap="square" tIns="91425">
+          <a:bodyPr spcFirstLastPara="1" wrap="square" lIns="91425" tIns="91425" rIns="91425" bIns="91425" anchor="ctr" anchorCtr="0">
             <a:normAutofit/>
           </a:bodyPr>
           <a:lstStyle>
@@ -5648,7 +5832,7 @@
             </a:lvl9pPr>
           </a:lstStyle>
           <a:p>
-            <a:pPr indent="0" lvl="0" marL="0" rtl="0" algn="r">
+            <a:pPr marL="0" lvl="0" indent="0" algn="r" rtl="0">
               <a:spcBef>
                 <a:spcPts val="0"/>
               </a:spcBef>
@@ -5674,18 +5858,19 @@
 </file>
 
 <file path=ppt/slideMasters/slideMaster1.xml><?xml version="1.0" encoding="utf-8"?>
-<p:sldMaster xmlns:a="http://schemas.openxmlformats.org/drawingml/2006/main" xmlns:r="http://schemas.openxmlformats.org/officeDocument/2006/relationships" xmlns:mc="http://schemas.openxmlformats.org/markup-compatibility/2006" xmlns:mv="urn:schemas-microsoft-com:mac:vml" xmlns:p="http://schemas.openxmlformats.org/presentationml/2006/main" xmlns:c="http://schemas.openxmlformats.org/drawingml/2006/chart" xmlns:dgm="http://schemas.openxmlformats.org/drawingml/2006/diagram" xmlns:o="urn:schemas-microsoft-com:office:office" xmlns:v="urn:schemas-microsoft-com:vml" xmlns:pvml="urn:schemas-microsoft-com:office:powerpoint" xmlns:com="http://schemas.openxmlformats.org/drawingml/2006/compatibility" xmlns:p14="http://schemas.microsoft.com/office/powerpoint/2010/main" xmlns:p15="http://schemas.microsoft.com/office/powerpoint/2012/main" xmlns:ahyp="http://schemas.microsoft.com/office/drawing/2018/hyperlinkcolor">
+<p:sldMaster xmlns:a="http://schemas.openxmlformats.org/drawingml/2006/main" xmlns:r="http://schemas.openxmlformats.org/officeDocument/2006/relationships" xmlns:p="http://schemas.openxmlformats.org/presentationml/2006/main">
   <p:cSld name="simple-light-2">
     <p:bg>
       <p:bgPr>
         <a:solidFill>
           <a:schemeClr val="lt1"/>
         </a:solidFill>
+        <a:effectLst/>
       </p:bgPr>
     </p:bg>
     <p:spTree>
       <p:nvGrpSpPr>
-        <p:cNvPr id="5" name="Shape 5"/>
+        <p:cNvPr id="1" name="Shape 5"/>
         <p:cNvGrpSpPr/>
         <p:nvPr/>
       </p:nvGrpSpPr>
@@ -5700,7 +5885,9 @@
       <p:sp>
         <p:nvSpPr>
           <p:cNvPr id="6" name="Google Shape;6;p1"/>
-          <p:cNvSpPr txBox="1"/>
+          <p:cNvSpPr txBox="1">
+            <a:spLocks noGrp="1"/>
+          </p:cNvSpPr>
           <p:nvPr>
             <p:ph type="title"/>
           </p:nvPr>
@@ -5719,7 +5906,7 @@
           </a:ln>
         </p:spPr>
         <p:txBody>
-          <a:bodyPr anchorCtr="0" anchor="t" bIns="91425" lIns="91425" spcFirstLastPara="1" rIns="91425" wrap="square" tIns="91425">
+          <a:bodyPr spcFirstLastPara="1" wrap="square" lIns="91425" tIns="91425" rIns="91425" bIns="91425" anchor="t" anchorCtr="0">
             <a:normAutofit/>
           </a:bodyPr>
           <a:lstStyle>
@@ -5886,15 +6073,19 @@
               </a:defRPr>
             </a:lvl9pPr>
           </a:lstStyle>
-          <a:p/>
+          <a:p>
+            <a:endParaRPr/>
+          </a:p>
         </p:txBody>
       </p:sp>
       <p:sp>
         <p:nvSpPr>
           <p:cNvPr id="7" name="Google Shape;7;p1"/>
-          <p:cNvSpPr txBox="1"/>
+          <p:cNvSpPr txBox="1">
+            <a:spLocks noGrp="1"/>
+          </p:cNvSpPr>
           <p:nvPr>
-            <p:ph idx="1" type="body"/>
+            <p:ph type="body" idx="1"/>
           </p:nvPr>
         </p:nvSpPr>
         <p:spPr>
@@ -5911,11 +6102,11 @@
           </a:ln>
         </p:spPr>
         <p:txBody>
-          <a:bodyPr anchorCtr="0" anchor="t" bIns="91425" lIns="91425" spcFirstLastPara="1" rIns="91425" wrap="square" tIns="91425">
+          <a:bodyPr spcFirstLastPara="1" wrap="square" lIns="91425" tIns="91425" rIns="91425" bIns="91425" anchor="t" anchorCtr="0">
             <a:normAutofit/>
           </a:bodyPr>
           <a:lstStyle>
-            <a:lvl1pPr indent="-342900" lvl="0" marL="457200">
+            <a:lvl1pPr marL="457200" lvl="0" indent="-342900">
               <a:lnSpc>
                 <a:spcPct val="115000"/>
               </a:lnSpc>
@@ -5936,7 +6127,7 @@
                 </a:solidFill>
               </a:defRPr>
             </a:lvl1pPr>
-            <a:lvl2pPr indent="-317500" lvl="1" marL="914400">
+            <a:lvl2pPr marL="914400" lvl="1" indent="-317500">
               <a:lnSpc>
                 <a:spcPct val="115000"/>
               </a:lnSpc>
@@ -5957,7 +6148,7 @@
                 </a:solidFill>
               </a:defRPr>
             </a:lvl2pPr>
-            <a:lvl3pPr indent="-317500" lvl="2" marL="1371600">
+            <a:lvl3pPr marL="1371600" lvl="2" indent="-317500">
               <a:lnSpc>
                 <a:spcPct val="115000"/>
               </a:lnSpc>
@@ -5978,7 +6169,7 @@
                 </a:solidFill>
               </a:defRPr>
             </a:lvl3pPr>
-            <a:lvl4pPr indent="-317500" lvl="3" marL="1828800">
+            <a:lvl4pPr marL="1828800" lvl="3" indent="-317500">
               <a:lnSpc>
                 <a:spcPct val="115000"/>
               </a:lnSpc>
@@ -5999,7 +6190,7 @@
                 </a:solidFill>
               </a:defRPr>
             </a:lvl4pPr>
-            <a:lvl5pPr indent="-317500" lvl="4" marL="2286000">
+            <a:lvl5pPr marL="2286000" lvl="4" indent="-317500">
               <a:lnSpc>
                 <a:spcPct val="115000"/>
               </a:lnSpc>
@@ -6020,7 +6211,7 @@
                 </a:solidFill>
               </a:defRPr>
             </a:lvl5pPr>
-            <a:lvl6pPr indent="-317500" lvl="5" marL="2743200">
+            <a:lvl6pPr marL="2743200" lvl="5" indent="-317500">
               <a:lnSpc>
                 <a:spcPct val="115000"/>
               </a:lnSpc>
@@ -6041,7 +6232,7 @@
                 </a:solidFill>
               </a:defRPr>
             </a:lvl6pPr>
-            <a:lvl7pPr indent="-317500" lvl="6" marL="3200400">
+            <a:lvl7pPr marL="3200400" lvl="6" indent="-317500">
               <a:lnSpc>
                 <a:spcPct val="115000"/>
               </a:lnSpc>
@@ -6062,7 +6253,7 @@
                 </a:solidFill>
               </a:defRPr>
             </a:lvl7pPr>
-            <a:lvl8pPr indent="-317500" lvl="7" marL="3657600">
+            <a:lvl8pPr marL="3657600" lvl="7" indent="-317500">
               <a:lnSpc>
                 <a:spcPct val="115000"/>
               </a:lnSpc>
@@ -6083,7 +6274,7 @@
                 </a:solidFill>
               </a:defRPr>
             </a:lvl8pPr>
-            <a:lvl9pPr indent="-317500" lvl="8" marL="4114800">
+            <a:lvl9pPr marL="4114800" lvl="8" indent="-317500">
               <a:lnSpc>
                 <a:spcPct val="115000"/>
               </a:lnSpc>
@@ -6105,15 +6296,19 @@
               </a:defRPr>
             </a:lvl9pPr>
           </a:lstStyle>
-          <a:p/>
+          <a:p>
+            <a:endParaRPr/>
+          </a:p>
         </p:txBody>
       </p:sp>
       <p:sp>
         <p:nvSpPr>
           <p:cNvPr id="8" name="Google Shape;8;p1"/>
-          <p:cNvSpPr txBox="1"/>
+          <p:cNvSpPr txBox="1">
+            <a:spLocks noGrp="1"/>
+          </p:cNvSpPr>
           <p:nvPr>
-            <p:ph idx="12" type="sldNum"/>
+            <p:ph type="sldNum" idx="12"/>
           </p:nvPr>
         </p:nvSpPr>
         <p:spPr>
@@ -6130,7 +6325,7 @@
           </a:ln>
         </p:spPr>
         <p:txBody>
-          <a:bodyPr anchorCtr="0" anchor="ctr" bIns="91425" lIns="91425" spcFirstLastPara="1" rIns="91425" wrap="square" tIns="91425">
+          <a:bodyPr spcFirstLastPara="1" wrap="square" lIns="91425" tIns="91425" rIns="91425" bIns="91425" anchor="ctr" anchorCtr="0">
             <a:normAutofit/>
           </a:bodyPr>
           <a:lstStyle>
@@ -6208,7 +6403,7 @@
             </a:lvl9pPr>
           </a:lstStyle>
           <a:p>
-            <a:pPr indent="0" lvl="0" marL="0" rtl="0" algn="r">
+            <a:pPr marL="0" lvl="0" indent="0" algn="r" rtl="0">
               <a:spcBef>
                 <a:spcPts val="0"/>
               </a:spcBef>
@@ -6227,7 +6422,7 @@
       </p:sp>
     </p:spTree>
   </p:cSld>
-  <p:clrMap accent1="accent1" accent2="accent2" accent3="accent3" accent4="accent4" accent5="accent5" accent6="accent6" bg1="lt1" bg2="dk2" tx1="dk1" tx2="lt2" folHlink="folHlink" hlink="hlink"/>
+  <p:clrMap bg1="lt1" tx1="dk1" bg2="dk2" tx2="lt2" accent1="accent1" accent2="accent2" accent3="accent3" accent4="accent4" accent5="accent5" accent6="accent6" hlink="hlink" folHlink="folHlink"/>
   <p:sldLayoutIdLst>
     <p:sldLayoutId id="2147483648" r:id="rId1"/>
     <p:sldLayoutId id="2147483649" r:id="rId2"/>
@@ -6241,10 +6436,10 @@
     <p:sldLayoutId id="2147483657" r:id="rId10"/>
     <p:sldLayoutId id="2147483658" r:id="rId11"/>
   </p:sldLayoutIdLst>
-  <p:hf dt="0" ftr="0" hdr="0" sldNum="0"/>
+  <p:hf sldNum="0" hdr="0" ftr="0" dt="0"/>
   <p:txStyles>
     <p:titleStyle>
-      <a:defPPr lvl="0" marR="0" rtl="0" algn="l">
+      <a:defPPr marR="0" lvl="0" algn="l" rtl="0">
         <a:lnSpc>
           <a:spcPct val="100000"/>
         </a:lnSpc>
@@ -6255,7 +6450,7 @@
           <a:spcPts val="0"/>
         </a:spcAft>
       </a:defPPr>
-      <a:lvl1pPr lvl="0" marR="0" rtl="0" algn="l">
+      <a:lvl1pPr marR="0" lvl="0" algn="l" rtl="0">
         <a:lnSpc>
           <a:spcPct val="100000"/>
         </a:lnSpc>
@@ -6269,7 +6464,7 @@
           <a:srgbClr val="000000"/>
         </a:buClr>
         <a:buFont typeface="Arial"/>
-        <a:defRPr b="0" i="0" sz="1400" u="none" cap="none" strike="noStrike">
+        <a:defRPr sz="1400" b="0" i="0" u="none" strike="noStrike" cap="none">
           <a:solidFill>
             <a:srgbClr val="000000"/>
           </a:solidFill>
@@ -6279,7 +6474,7 @@
           <a:sym typeface="Arial"/>
         </a:defRPr>
       </a:lvl1pPr>
-      <a:lvl2pPr lvl="1" marR="0" rtl="0" algn="l">
+      <a:lvl2pPr marR="0" lvl="1" algn="l" rtl="0">
         <a:lnSpc>
           <a:spcPct val="100000"/>
         </a:lnSpc>
@@ -6293,7 +6488,7 @@
           <a:srgbClr val="000000"/>
         </a:buClr>
         <a:buFont typeface="Arial"/>
-        <a:defRPr b="0" i="0" sz="1400" u="none" cap="none" strike="noStrike">
+        <a:defRPr sz="1400" b="0" i="0" u="none" strike="noStrike" cap="none">
           <a:solidFill>
             <a:srgbClr val="000000"/>
           </a:solidFill>
@@ -6303,7 +6498,7 @@
           <a:sym typeface="Arial"/>
         </a:defRPr>
       </a:lvl2pPr>
-      <a:lvl3pPr lvl="2" marR="0" rtl="0" algn="l">
+      <a:lvl3pPr marR="0" lvl="2" algn="l" rtl="0">
         <a:lnSpc>
           <a:spcPct val="100000"/>
         </a:lnSpc>
@@ -6317,7 +6512,7 @@
           <a:srgbClr val="000000"/>
         </a:buClr>
         <a:buFont typeface="Arial"/>
-        <a:defRPr b="0" i="0" sz="1400" u="none" cap="none" strike="noStrike">
+        <a:defRPr sz="1400" b="0" i="0" u="none" strike="noStrike" cap="none">
           <a:solidFill>
             <a:srgbClr val="000000"/>
           </a:solidFill>
@@ -6327,7 +6522,7 @@
           <a:sym typeface="Arial"/>
         </a:defRPr>
       </a:lvl3pPr>
-      <a:lvl4pPr lvl="3" marR="0" rtl="0" algn="l">
+      <a:lvl4pPr marR="0" lvl="3" algn="l" rtl="0">
         <a:lnSpc>
           <a:spcPct val="100000"/>
         </a:lnSpc>
@@ -6341,7 +6536,7 @@
           <a:srgbClr val="000000"/>
         </a:buClr>
         <a:buFont typeface="Arial"/>
-        <a:defRPr b="0" i="0" sz="1400" u="none" cap="none" strike="noStrike">
+        <a:defRPr sz="1400" b="0" i="0" u="none" strike="noStrike" cap="none">
           <a:solidFill>
             <a:srgbClr val="000000"/>
           </a:solidFill>
@@ -6351,7 +6546,7 @@
           <a:sym typeface="Arial"/>
         </a:defRPr>
       </a:lvl4pPr>
-      <a:lvl5pPr lvl="4" marR="0" rtl="0" algn="l">
+      <a:lvl5pPr marR="0" lvl="4" algn="l" rtl="0">
         <a:lnSpc>
           <a:spcPct val="100000"/>
         </a:lnSpc>
@@ -6365,7 +6560,7 @@
           <a:srgbClr val="000000"/>
         </a:buClr>
         <a:buFont typeface="Arial"/>
-        <a:defRPr b="0" i="0" sz="1400" u="none" cap="none" strike="noStrike">
+        <a:defRPr sz="1400" b="0" i="0" u="none" strike="noStrike" cap="none">
           <a:solidFill>
             <a:srgbClr val="000000"/>
           </a:solidFill>
@@ -6375,7 +6570,7 @@
           <a:sym typeface="Arial"/>
         </a:defRPr>
       </a:lvl5pPr>
-      <a:lvl6pPr lvl="5" marR="0" rtl="0" algn="l">
+      <a:lvl6pPr marR="0" lvl="5" algn="l" rtl="0">
         <a:lnSpc>
           <a:spcPct val="100000"/>
         </a:lnSpc>
@@ -6389,7 +6584,7 @@
           <a:srgbClr val="000000"/>
         </a:buClr>
         <a:buFont typeface="Arial"/>
-        <a:defRPr b="0" i="0" sz="1400" u="none" cap="none" strike="noStrike">
+        <a:defRPr sz="1400" b="0" i="0" u="none" strike="noStrike" cap="none">
           <a:solidFill>
             <a:srgbClr val="000000"/>
           </a:solidFill>
@@ -6399,7 +6594,7 @@
           <a:sym typeface="Arial"/>
         </a:defRPr>
       </a:lvl6pPr>
-      <a:lvl7pPr lvl="6" marR="0" rtl="0" algn="l">
+      <a:lvl7pPr marR="0" lvl="6" algn="l" rtl="0">
         <a:lnSpc>
           <a:spcPct val="100000"/>
         </a:lnSpc>
@@ -6413,7 +6608,7 @@
           <a:srgbClr val="000000"/>
         </a:buClr>
         <a:buFont typeface="Arial"/>
-        <a:defRPr b="0" i="0" sz="1400" u="none" cap="none" strike="noStrike">
+        <a:defRPr sz="1400" b="0" i="0" u="none" strike="noStrike" cap="none">
           <a:solidFill>
             <a:srgbClr val="000000"/>
           </a:solidFill>
@@ -6423,7 +6618,7 @@
           <a:sym typeface="Arial"/>
         </a:defRPr>
       </a:lvl7pPr>
-      <a:lvl8pPr lvl="7" marR="0" rtl="0" algn="l">
+      <a:lvl8pPr marR="0" lvl="7" algn="l" rtl="0">
         <a:lnSpc>
           <a:spcPct val="100000"/>
         </a:lnSpc>
@@ -6437,7 +6632,7 @@
           <a:srgbClr val="000000"/>
         </a:buClr>
         <a:buFont typeface="Arial"/>
-        <a:defRPr b="0" i="0" sz="1400" u="none" cap="none" strike="noStrike">
+        <a:defRPr sz="1400" b="0" i="0" u="none" strike="noStrike" cap="none">
           <a:solidFill>
             <a:srgbClr val="000000"/>
           </a:solidFill>
@@ -6447,7 +6642,7 @@
           <a:sym typeface="Arial"/>
         </a:defRPr>
       </a:lvl8pPr>
-      <a:lvl9pPr lvl="8" marR="0" rtl="0" algn="l">
+      <a:lvl9pPr marR="0" lvl="8" algn="l" rtl="0">
         <a:lnSpc>
           <a:spcPct val="100000"/>
         </a:lnSpc>
@@ -6461,7 +6656,7 @@
           <a:srgbClr val="000000"/>
         </a:buClr>
         <a:buFont typeface="Arial"/>
-        <a:defRPr b="0" i="0" sz="1400" u="none" cap="none" strike="noStrike">
+        <a:defRPr sz="1400" b="0" i="0" u="none" strike="noStrike" cap="none">
           <a:solidFill>
             <a:srgbClr val="000000"/>
           </a:solidFill>
@@ -6473,7 +6668,7 @@
       </a:lvl9pPr>
     </p:titleStyle>
     <p:bodyStyle>
-      <a:defPPr lvl="0" marR="0" rtl="0" algn="l">
+      <a:defPPr marR="0" lvl="0" algn="l" rtl="0">
         <a:lnSpc>
           <a:spcPct val="100000"/>
         </a:lnSpc>
@@ -6484,7 +6679,7 @@
           <a:spcPts val="0"/>
         </a:spcAft>
       </a:defPPr>
-      <a:lvl1pPr lvl="0" marR="0" rtl="0" algn="l">
+      <a:lvl1pPr marR="0" lvl="0" algn="l" rtl="0">
         <a:lnSpc>
           <a:spcPct val="100000"/>
         </a:lnSpc>
@@ -6498,7 +6693,7 @@
           <a:srgbClr val="000000"/>
         </a:buClr>
         <a:buFont typeface="Arial"/>
-        <a:defRPr b="0" i="0" sz="1400" u="none" cap="none" strike="noStrike">
+        <a:defRPr sz="1400" b="0" i="0" u="none" strike="noStrike" cap="none">
           <a:solidFill>
             <a:srgbClr val="000000"/>
           </a:solidFill>
@@ -6508,7 +6703,7 @@
           <a:sym typeface="Arial"/>
         </a:defRPr>
       </a:lvl1pPr>
-      <a:lvl2pPr lvl="1" marR="0" rtl="0" algn="l">
+      <a:lvl2pPr marR="0" lvl="1" algn="l" rtl="0">
         <a:lnSpc>
           <a:spcPct val="100000"/>
         </a:lnSpc>
@@ -6522,7 +6717,7 @@
           <a:srgbClr val="000000"/>
         </a:buClr>
         <a:buFont typeface="Arial"/>
-        <a:defRPr b="0" i="0" sz="1400" u="none" cap="none" strike="noStrike">
+        <a:defRPr sz="1400" b="0" i="0" u="none" strike="noStrike" cap="none">
           <a:solidFill>
             <a:srgbClr val="000000"/>
           </a:solidFill>
@@ -6532,7 +6727,7 @@
           <a:sym typeface="Arial"/>
         </a:defRPr>
       </a:lvl2pPr>
-      <a:lvl3pPr lvl="2" marR="0" rtl="0" algn="l">
+      <a:lvl3pPr marR="0" lvl="2" algn="l" rtl="0">
         <a:lnSpc>
           <a:spcPct val="100000"/>
         </a:lnSpc>
@@ -6546,7 +6741,7 @@
           <a:srgbClr val="000000"/>
         </a:buClr>
         <a:buFont typeface="Arial"/>
-        <a:defRPr b="0" i="0" sz="1400" u="none" cap="none" strike="noStrike">
+        <a:defRPr sz="1400" b="0" i="0" u="none" strike="noStrike" cap="none">
           <a:solidFill>
             <a:srgbClr val="000000"/>
           </a:solidFill>
@@ -6556,7 +6751,7 @@
           <a:sym typeface="Arial"/>
         </a:defRPr>
       </a:lvl3pPr>
-      <a:lvl4pPr lvl="3" marR="0" rtl="0" algn="l">
+      <a:lvl4pPr marR="0" lvl="3" algn="l" rtl="0">
         <a:lnSpc>
           <a:spcPct val="100000"/>
         </a:lnSpc>
@@ -6570,7 +6765,7 @@
           <a:srgbClr val="000000"/>
         </a:buClr>
         <a:buFont typeface="Arial"/>
-        <a:defRPr b="0" i="0" sz="1400" u="none" cap="none" strike="noStrike">
+        <a:defRPr sz="1400" b="0" i="0" u="none" strike="noStrike" cap="none">
           <a:solidFill>
             <a:srgbClr val="000000"/>
           </a:solidFill>
@@ -6580,7 +6775,7 @@
           <a:sym typeface="Arial"/>
         </a:defRPr>
       </a:lvl4pPr>
-      <a:lvl5pPr lvl="4" marR="0" rtl="0" algn="l">
+      <a:lvl5pPr marR="0" lvl="4" algn="l" rtl="0">
         <a:lnSpc>
           <a:spcPct val="100000"/>
         </a:lnSpc>
@@ -6594,7 +6789,7 @@
           <a:srgbClr val="000000"/>
         </a:buClr>
         <a:buFont typeface="Arial"/>
-        <a:defRPr b="0" i="0" sz="1400" u="none" cap="none" strike="noStrike">
+        <a:defRPr sz="1400" b="0" i="0" u="none" strike="noStrike" cap="none">
           <a:solidFill>
             <a:srgbClr val="000000"/>
           </a:solidFill>
@@ -6604,7 +6799,7 @@
           <a:sym typeface="Arial"/>
         </a:defRPr>
       </a:lvl5pPr>
-      <a:lvl6pPr lvl="5" marR="0" rtl="0" algn="l">
+      <a:lvl6pPr marR="0" lvl="5" algn="l" rtl="0">
         <a:lnSpc>
           <a:spcPct val="100000"/>
         </a:lnSpc>
@@ -6618,7 +6813,7 @@
           <a:srgbClr val="000000"/>
         </a:buClr>
         <a:buFont typeface="Arial"/>
-        <a:defRPr b="0" i="0" sz="1400" u="none" cap="none" strike="noStrike">
+        <a:defRPr sz="1400" b="0" i="0" u="none" strike="noStrike" cap="none">
           <a:solidFill>
             <a:srgbClr val="000000"/>
           </a:solidFill>
@@ -6628,7 +6823,7 @@
           <a:sym typeface="Arial"/>
         </a:defRPr>
       </a:lvl6pPr>
-      <a:lvl7pPr lvl="6" marR="0" rtl="0" algn="l">
+      <a:lvl7pPr marR="0" lvl="6" algn="l" rtl="0">
         <a:lnSpc>
           <a:spcPct val="100000"/>
         </a:lnSpc>
@@ -6642,7 +6837,7 @@
           <a:srgbClr val="000000"/>
         </a:buClr>
         <a:buFont typeface="Arial"/>
-        <a:defRPr b="0" i="0" sz="1400" u="none" cap="none" strike="noStrike">
+        <a:defRPr sz="1400" b="0" i="0" u="none" strike="noStrike" cap="none">
           <a:solidFill>
             <a:srgbClr val="000000"/>
           </a:solidFill>
@@ -6652,7 +6847,7 @@
           <a:sym typeface="Arial"/>
         </a:defRPr>
       </a:lvl7pPr>
-      <a:lvl8pPr lvl="7" marR="0" rtl="0" algn="l">
+      <a:lvl8pPr marR="0" lvl="7" algn="l" rtl="0">
         <a:lnSpc>
           <a:spcPct val="100000"/>
         </a:lnSpc>
@@ -6666,7 +6861,7 @@
           <a:srgbClr val="000000"/>
         </a:buClr>
         <a:buFont typeface="Arial"/>
-        <a:defRPr b="0" i="0" sz="1400" u="none" cap="none" strike="noStrike">
+        <a:defRPr sz="1400" b="0" i="0" u="none" strike="noStrike" cap="none">
           <a:solidFill>
             <a:srgbClr val="000000"/>
           </a:solidFill>
@@ -6676,7 +6871,7 @@
           <a:sym typeface="Arial"/>
         </a:defRPr>
       </a:lvl8pPr>
-      <a:lvl9pPr lvl="8" marR="0" rtl="0" algn="l">
+      <a:lvl9pPr marR="0" lvl="8" algn="l" rtl="0">
         <a:lnSpc>
           <a:spcPct val="100000"/>
         </a:lnSpc>
@@ -6690,7 +6885,7 @@
           <a:srgbClr val="000000"/>
         </a:buClr>
         <a:buFont typeface="Arial"/>
-        <a:defRPr b="0" i="0" sz="1400" u="none" cap="none" strike="noStrike">
+        <a:defRPr sz="1400" b="0" i="0" u="none" strike="noStrike" cap="none">
           <a:solidFill>
             <a:srgbClr val="000000"/>
           </a:solidFill>
@@ -6702,7 +6897,7 @@
       </a:lvl9pPr>
     </p:bodyStyle>
     <p:otherStyle>
-      <a:defPPr lvl="0" marR="0" rtl="0" algn="l">
+      <a:defPPr marR="0" lvl="0" algn="l" rtl="0">
         <a:lnSpc>
           <a:spcPct val="100000"/>
         </a:lnSpc>
@@ -6713,7 +6908,7 @@
           <a:spcPts val="0"/>
         </a:spcAft>
       </a:defPPr>
-      <a:lvl1pPr lvl="0" marR="0" rtl="0" algn="l">
+      <a:lvl1pPr marR="0" lvl="0" algn="l" rtl="0">
         <a:lnSpc>
           <a:spcPct val="100000"/>
         </a:lnSpc>
@@ -6727,7 +6922,7 @@
           <a:srgbClr val="000000"/>
         </a:buClr>
         <a:buFont typeface="Arial"/>
-        <a:defRPr b="0" i="0" sz="1400" u="none" cap="none" strike="noStrike">
+        <a:defRPr sz="1400" b="0" i="0" u="none" strike="noStrike" cap="none">
           <a:solidFill>
             <a:srgbClr val="000000"/>
           </a:solidFill>
@@ -6737,7 +6932,7 @@
           <a:sym typeface="Arial"/>
         </a:defRPr>
       </a:lvl1pPr>
-      <a:lvl2pPr lvl="1" marR="0" rtl="0" algn="l">
+      <a:lvl2pPr marR="0" lvl="1" algn="l" rtl="0">
         <a:lnSpc>
           <a:spcPct val="100000"/>
         </a:lnSpc>
@@ -6751,7 +6946,7 @@
           <a:srgbClr val="000000"/>
         </a:buClr>
         <a:buFont typeface="Arial"/>
-        <a:defRPr b="0" i="0" sz="1400" u="none" cap="none" strike="noStrike">
+        <a:defRPr sz="1400" b="0" i="0" u="none" strike="noStrike" cap="none">
           <a:solidFill>
             <a:srgbClr val="000000"/>
           </a:solidFill>
@@ -6761,7 +6956,7 @@
           <a:sym typeface="Arial"/>
         </a:defRPr>
       </a:lvl2pPr>
-      <a:lvl3pPr lvl="2" marR="0" rtl="0" algn="l">
+      <a:lvl3pPr marR="0" lvl="2" algn="l" rtl="0">
         <a:lnSpc>
           <a:spcPct val="100000"/>
         </a:lnSpc>
@@ -6775,7 +6970,7 @@
           <a:srgbClr val="000000"/>
         </a:buClr>
         <a:buFont typeface="Arial"/>
-        <a:defRPr b="0" i="0" sz="1400" u="none" cap="none" strike="noStrike">
+        <a:defRPr sz="1400" b="0" i="0" u="none" strike="noStrike" cap="none">
           <a:solidFill>
             <a:srgbClr val="000000"/>
           </a:solidFill>
@@ -6785,7 +6980,7 @@
           <a:sym typeface="Arial"/>
         </a:defRPr>
       </a:lvl3pPr>
-      <a:lvl4pPr lvl="3" marR="0" rtl="0" algn="l">
+      <a:lvl4pPr marR="0" lvl="3" algn="l" rtl="0">
         <a:lnSpc>
           <a:spcPct val="100000"/>
         </a:lnSpc>
@@ -6799,7 +6994,7 @@
           <a:srgbClr val="000000"/>
         </a:buClr>
         <a:buFont typeface="Arial"/>
-        <a:defRPr b="0" i="0" sz="1400" u="none" cap="none" strike="noStrike">
+        <a:defRPr sz="1400" b="0" i="0" u="none" strike="noStrike" cap="none">
           <a:solidFill>
             <a:srgbClr val="000000"/>
           </a:solidFill>
@@ -6809,7 +7004,7 @@
           <a:sym typeface="Arial"/>
         </a:defRPr>
       </a:lvl4pPr>
-      <a:lvl5pPr lvl="4" marR="0" rtl="0" algn="l">
+      <a:lvl5pPr marR="0" lvl="4" algn="l" rtl="0">
         <a:lnSpc>
           <a:spcPct val="100000"/>
         </a:lnSpc>
@@ -6823,7 +7018,7 @@
           <a:srgbClr val="000000"/>
         </a:buClr>
         <a:buFont typeface="Arial"/>
-        <a:defRPr b="0" i="0" sz="1400" u="none" cap="none" strike="noStrike">
+        <a:defRPr sz="1400" b="0" i="0" u="none" strike="noStrike" cap="none">
           <a:solidFill>
             <a:srgbClr val="000000"/>
           </a:solidFill>
@@ -6833,7 +7028,7 @@
           <a:sym typeface="Arial"/>
         </a:defRPr>
       </a:lvl5pPr>
-      <a:lvl6pPr lvl="5" marR="0" rtl="0" algn="l">
+      <a:lvl6pPr marR="0" lvl="5" algn="l" rtl="0">
         <a:lnSpc>
           <a:spcPct val="100000"/>
         </a:lnSpc>
@@ -6847,7 +7042,7 @@
           <a:srgbClr val="000000"/>
         </a:buClr>
         <a:buFont typeface="Arial"/>
-        <a:defRPr b="0" i="0" sz="1400" u="none" cap="none" strike="noStrike">
+        <a:defRPr sz="1400" b="0" i="0" u="none" strike="noStrike" cap="none">
           <a:solidFill>
             <a:srgbClr val="000000"/>
           </a:solidFill>
@@ -6857,7 +7052,7 @@
           <a:sym typeface="Arial"/>
         </a:defRPr>
       </a:lvl6pPr>
-      <a:lvl7pPr lvl="6" marR="0" rtl="0" algn="l">
+      <a:lvl7pPr marR="0" lvl="6" algn="l" rtl="0">
         <a:lnSpc>
           <a:spcPct val="100000"/>
         </a:lnSpc>
@@ -6871,7 +7066,7 @@
           <a:srgbClr val="000000"/>
         </a:buClr>
         <a:buFont typeface="Arial"/>
-        <a:defRPr b="0" i="0" sz="1400" u="none" cap="none" strike="noStrike">
+        <a:defRPr sz="1400" b="0" i="0" u="none" strike="noStrike" cap="none">
           <a:solidFill>
             <a:srgbClr val="000000"/>
           </a:solidFill>
@@ -6881,7 +7076,7 @@
           <a:sym typeface="Arial"/>
         </a:defRPr>
       </a:lvl7pPr>
-      <a:lvl8pPr lvl="7" marR="0" rtl="0" algn="l">
+      <a:lvl8pPr marR="0" lvl="7" algn="l" rtl="0">
         <a:lnSpc>
           <a:spcPct val="100000"/>
         </a:lnSpc>
@@ -6895,7 +7090,7 @@
           <a:srgbClr val="000000"/>
         </a:buClr>
         <a:buFont typeface="Arial"/>
-        <a:defRPr b="0" i="0" sz="1400" u="none" cap="none" strike="noStrike">
+        <a:defRPr sz="1400" b="0" i="0" u="none" strike="noStrike" cap="none">
           <a:solidFill>
             <a:srgbClr val="000000"/>
           </a:solidFill>
@@ -6905,7 +7100,7 @@
           <a:sym typeface="Arial"/>
         </a:defRPr>
       </a:lvl8pPr>
-      <a:lvl9pPr lvl="8" marR="0" rtl="0" algn="l">
+      <a:lvl9pPr marR="0" lvl="8" algn="l" rtl="0">
         <a:lnSpc>
           <a:spcPct val="100000"/>
         </a:lnSpc>
@@ -6919,7 +7114,7 @@
           <a:srgbClr val="000000"/>
         </a:buClr>
         <a:buFont typeface="Arial"/>
-        <a:defRPr b="0" i="0" sz="1400" u="none" cap="none" strike="noStrike">
+        <a:defRPr sz="1400" b="0" i="0" u="none" strike="noStrike" cap="none">
           <a:solidFill>
             <a:srgbClr val="000000"/>
           </a:solidFill>
@@ -6935,11 +7130,11 @@
 </file>
 
 <file path=ppt/slides/slide1.xml><?xml version="1.0" encoding="utf-8"?>
-<p:sld xmlns:a="http://schemas.openxmlformats.org/drawingml/2006/main" xmlns:r="http://schemas.openxmlformats.org/officeDocument/2006/relationships" xmlns:mc="http://schemas.openxmlformats.org/markup-compatibility/2006" xmlns:mv="urn:schemas-microsoft-com:mac:vml" xmlns:p="http://schemas.openxmlformats.org/presentationml/2006/main" xmlns:c="http://schemas.openxmlformats.org/drawingml/2006/chart" xmlns:dgm="http://schemas.openxmlformats.org/drawingml/2006/diagram" xmlns:o="urn:schemas-microsoft-com:office:office" xmlns:v="urn:schemas-microsoft-com:vml" xmlns:pvml="urn:schemas-microsoft-com:office:powerpoint" xmlns:com="http://schemas.openxmlformats.org/drawingml/2006/compatibility" xmlns:p14="http://schemas.microsoft.com/office/powerpoint/2010/main" xmlns:p15="http://schemas.microsoft.com/office/powerpoint/2012/main" xmlns:ahyp="http://schemas.microsoft.com/office/drawing/2018/hyperlinkcolor">
+<p:sld xmlns:a="http://schemas.openxmlformats.org/drawingml/2006/main" xmlns:r="http://schemas.openxmlformats.org/officeDocument/2006/relationships" xmlns:p="http://schemas.openxmlformats.org/presentationml/2006/main">
   <p:cSld>
     <p:spTree>
       <p:nvGrpSpPr>
-        <p:cNvPr id="53" name="Shape 53"/>
+        <p:cNvPr id="1" name="Shape 53"/>
         <p:cNvGrpSpPr/>
         <p:nvPr/>
       </p:nvGrpSpPr>
@@ -6954,7 +7149,9 @@
       <p:sp>
         <p:nvSpPr>
           <p:cNvPr id="54" name="Google Shape;54;p13"/>
-          <p:cNvSpPr txBox="1"/>
+          <p:cNvSpPr txBox="1">
+            <a:spLocks noGrp="1"/>
+          </p:cNvSpPr>
           <p:nvPr>
             <p:ph type="title"/>
           </p:nvPr>
@@ -6969,12 +7166,12 @@
           </a:prstGeom>
         </p:spPr>
         <p:txBody>
-          <a:bodyPr anchorCtr="0" anchor="ctr" bIns="91425" lIns="91425" spcFirstLastPara="1" rIns="91425" wrap="square" tIns="91425">
+          <a:bodyPr spcFirstLastPara="1" wrap="square" lIns="91425" tIns="91425" rIns="91425" bIns="91425" anchor="ctr" anchorCtr="0">
             <a:normAutofit fontScale="90000"/>
           </a:bodyPr>
           <a:lstStyle/>
           <a:p>
-            <a:pPr indent="0" lvl="0" marL="0" rtl="0" algn="ctr">
+            <a:pPr marL="0" lvl="0" indent="0" algn="ctr" rtl="0">
               <a:spcBef>
                 <a:spcPts val="0"/>
               </a:spcBef>
@@ -7000,11 +7197,11 @@
 </file>
 
 <file path=ppt/slides/slide10.xml><?xml version="1.0" encoding="utf-8"?>
-<p:sld xmlns:a="http://schemas.openxmlformats.org/drawingml/2006/main" xmlns:r="http://schemas.openxmlformats.org/officeDocument/2006/relationships" xmlns:mc="http://schemas.openxmlformats.org/markup-compatibility/2006" xmlns:mv="urn:schemas-microsoft-com:mac:vml" xmlns:p="http://schemas.openxmlformats.org/presentationml/2006/main" xmlns:c="http://schemas.openxmlformats.org/drawingml/2006/chart" xmlns:dgm="http://schemas.openxmlformats.org/drawingml/2006/diagram" xmlns:o="urn:schemas-microsoft-com:office:office" xmlns:v="urn:schemas-microsoft-com:vml" xmlns:pvml="urn:schemas-microsoft-com:office:powerpoint" xmlns:com="http://schemas.openxmlformats.org/drawingml/2006/compatibility" xmlns:p14="http://schemas.microsoft.com/office/powerpoint/2010/main" xmlns:p15="http://schemas.microsoft.com/office/powerpoint/2012/main" xmlns:ahyp="http://schemas.microsoft.com/office/drawing/2018/hyperlinkcolor">
+<p:sld xmlns:a="http://schemas.openxmlformats.org/drawingml/2006/main" xmlns:r="http://schemas.openxmlformats.org/officeDocument/2006/relationships" xmlns:p="http://schemas.openxmlformats.org/presentationml/2006/main">
   <p:cSld>
     <p:spTree>
       <p:nvGrpSpPr>
-        <p:cNvPr id="113" name="Shape 113"/>
+        <p:cNvPr id="1" name="Shape 113"/>
         <p:cNvGrpSpPr/>
         <p:nvPr/>
       </p:nvGrpSpPr>
@@ -7019,7 +7216,9 @@
       <p:sp>
         <p:nvSpPr>
           <p:cNvPr id="114" name="Google Shape;114;p22"/>
-          <p:cNvSpPr txBox="1"/>
+          <p:cNvSpPr txBox="1">
+            <a:spLocks noGrp="1"/>
+          </p:cNvSpPr>
           <p:nvPr>
             <p:ph type="title"/>
           </p:nvPr>
@@ -7034,12 +7233,12 @@
           </a:prstGeom>
         </p:spPr>
         <p:txBody>
-          <a:bodyPr anchorCtr="0" anchor="t" bIns="91425" lIns="91425" spcFirstLastPara="1" rIns="91425" wrap="square" tIns="91425">
+          <a:bodyPr spcFirstLastPara="1" wrap="square" lIns="91425" tIns="91425" rIns="91425" bIns="91425" anchor="t" anchorCtr="0">
             <a:normAutofit fontScale="90000"/>
           </a:bodyPr>
           <a:lstStyle/>
           <a:p>
-            <a:pPr indent="0" lvl="0" marL="0" rtl="0" algn="l">
+            <a:pPr marL="0" lvl="0" indent="0" algn="l" rtl="0">
               <a:spcBef>
                 <a:spcPts val="0"/>
               </a:spcBef>
@@ -7064,9 +7263,11 @@
       <p:sp>
         <p:nvSpPr>
           <p:cNvPr id="115" name="Google Shape;115;p22"/>
-          <p:cNvSpPr txBox="1"/>
+          <p:cNvSpPr txBox="1">
+            <a:spLocks noGrp="1"/>
+          </p:cNvSpPr>
           <p:nvPr>
-            <p:ph idx="1" type="body"/>
+            <p:ph type="body" idx="1"/>
           </p:nvPr>
         </p:nvSpPr>
         <p:spPr>
@@ -7079,12 +7280,12 @@
           </a:prstGeom>
         </p:spPr>
         <p:txBody>
-          <a:bodyPr anchorCtr="0" anchor="t" bIns="91425" lIns="91425" spcFirstLastPara="1" rIns="91425" wrap="square" tIns="91425">
+          <a:bodyPr spcFirstLastPara="1" wrap="square" lIns="91425" tIns="91425" rIns="91425" bIns="91425" anchor="t" anchorCtr="0">
             <a:normAutofit/>
           </a:bodyPr>
           <a:lstStyle/>
           <a:p>
-            <a:pPr indent="0" lvl="0" marL="0" rtl="0" algn="l">
+            <a:pPr marL="0" lvl="0" indent="0" algn="l" rtl="0">
               <a:spcBef>
                 <a:spcPts val="0"/>
               </a:spcBef>
@@ -7100,7 +7301,7 @@
             <a:endParaRPr/>
           </a:p>
           <a:p>
-            <a:pPr indent="-342900" lvl="0" marL="457200" rtl="0" algn="l">
+            <a:pPr marL="457200" lvl="0" indent="-342900" algn="l" rtl="0">
               <a:spcBef>
                 <a:spcPts val="1200"/>
               </a:spcBef>
@@ -7117,7 +7318,7 @@
             <a:endParaRPr/>
           </a:p>
           <a:p>
-            <a:pPr indent="-317500" lvl="1" marL="914400" rtl="0" algn="l">
+            <a:pPr marL="914400" lvl="1" indent="-317500" algn="l" rtl="0">
               <a:spcBef>
                 <a:spcPts val="0"/>
               </a:spcBef>
@@ -7134,7 +7335,7 @@
             <a:endParaRPr/>
           </a:p>
           <a:p>
-            <a:pPr indent="-317500" lvl="1" marL="914400" rtl="0" algn="l">
+            <a:pPr marL="914400" lvl="1" indent="-317500" algn="l" rtl="0">
               <a:spcBef>
                 <a:spcPts val="0"/>
               </a:spcBef>
@@ -7163,7 +7364,7 @@
             </a:endParaRPr>
           </a:p>
           <a:p>
-            <a:pPr indent="-317500" lvl="1" marL="914400" rtl="0" algn="l">
+            <a:pPr marL="914400" lvl="1" indent="-317500" algn="l" rtl="0">
               <a:spcBef>
                 <a:spcPts val="0"/>
               </a:spcBef>
@@ -7191,7 +7392,7 @@
             </a:endParaRPr>
           </a:p>
           <a:p>
-            <a:pPr indent="-317500" lvl="1" marL="914400" rtl="0" algn="l">
+            <a:pPr marL="914400" lvl="1" indent="-317500" algn="l" rtl="0">
               <a:spcBef>
                 <a:spcPts val="0"/>
               </a:spcBef>
@@ -7219,7 +7420,7 @@
             </a:endParaRPr>
           </a:p>
           <a:p>
-            <a:pPr indent="-317500" lvl="2" marL="1371600" rtl="0" algn="l">
+            <a:pPr marL="1371600" lvl="2" indent="-317500" algn="l" rtl="0">
               <a:spcBef>
                 <a:spcPts val="0"/>
               </a:spcBef>
@@ -7247,7 +7448,7 @@
             </a:endParaRPr>
           </a:p>
           <a:p>
-            <a:pPr indent="-317500" lvl="1" marL="914400" rtl="0" algn="l">
+            <a:pPr marL="914400" lvl="1" indent="-317500" algn="l" rtl="0">
               <a:spcBef>
                 <a:spcPts val="0"/>
               </a:spcBef>
@@ -7275,7 +7476,7 @@
             </a:endParaRPr>
           </a:p>
           <a:p>
-            <a:pPr indent="-317500" lvl="1" marL="914400" rtl="0" algn="l">
+            <a:pPr marL="914400" lvl="1" indent="-317500" algn="l" rtl="0">
               <a:spcBef>
                 <a:spcPts val="0"/>
               </a:spcBef>
@@ -7297,7 +7498,7 @@
               <a:t>A</a:t>
             </a:r>
             <a:r>
-              <a:rPr baseline="-25000" lang="ko">
+              <a:rPr lang="ko" baseline="-25000">
                 <a:solidFill>
                   <a:schemeClr val="dk1"/>
                 </a:solidFill>
@@ -7319,7 +7520,7 @@
             </a:endParaRPr>
           </a:p>
           <a:p>
-            <a:pPr indent="-317500" lvl="1" marL="914400" rtl="0" algn="l">
+            <a:pPr marL="914400" lvl="1" indent="-317500" algn="l" rtl="0">
               <a:spcBef>
                 <a:spcPts val="0"/>
               </a:spcBef>
@@ -7341,7 +7542,7 @@
               <a:t>w</a:t>
             </a:r>
             <a:r>
-              <a:rPr baseline="30000" lang="ko">
+              <a:rPr lang="ko" baseline="30000">
                 <a:solidFill>
                   <a:schemeClr val="dk1"/>
                 </a:solidFill>
@@ -7349,7 +7550,7 @@
               <a:t>c</a:t>
             </a:r>
             <a:r>
-              <a:rPr baseline="-25000" lang="ko">
+              <a:rPr lang="ko" baseline="-25000">
                 <a:solidFill>
                   <a:schemeClr val="dk1"/>
                 </a:solidFill>
@@ -7381,11 +7582,11 @@
 </file>
 
 <file path=ppt/slides/slide11.xml><?xml version="1.0" encoding="utf-8"?>
-<p:sld xmlns:a="http://schemas.openxmlformats.org/drawingml/2006/main" xmlns:r="http://schemas.openxmlformats.org/officeDocument/2006/relationships" xmlns:mc="http://schemas.openxmlformats.org/markup-compatibility/2006" xmlns:mv="urn:schemas-microsoft-com:mac:vml" xmlns:p="http://schemas.openxmlformats.org/presentationml/2006/main" xmlns:c="http://schemas.openxmlformats.org/drawingml/2006/chart" xmlns:dgm="http://schemas.openxmlformats.org/drawingml/2006/diagram" xmlns:o="urn:schemas-microsoft-com:office:office" xmlns:v="urn:schemas-microsoft-com:vml" xmlns:pvml="urn:schemas-microsoft-com:office:powerpoint" xmlns:com="http://schemas.openxmlformats.org/drawingml/2006/compatibility" xmlns:p14="http://schemas.microsoft.com/office/powerpoint/2010/main" xmlns:p15="http://schemas.microsoft.com/office/powerpoint/2012/main" xmlns:ahyp="http://schemas.microsoft.com/office/drawing/2018/hyperlinkcolor">
+<p:sld xmlns:a="http://schemas.openxmlformats.org/drawingml/2006/main" xmlns:r="http://schemas.openxmlformats.org/officeDocument/2006/relationships" xmlns:p="http://schemas.openxmlformats.org/presentationml/2006/main">
   <p:cSld>
     <p:spTree>
       <p:nvGrpSpPr>
-        <p:cNvPr id="119" name="Shape 119"/>
+        <p:cNvPr id="1" name="Shape 119"/>
         <p:cNvGrpSpPr/>
         <p:nvPr/>
       </p:nvGrpSpPr>
@@ -7400,7 +7601,9 @@
       <p:sp>
         <p:nvSpPr>
           <p:cNvPr id="120" name="Google Shape;120;p23"/>
-          <p:cNvSpPr txBox="1"/>
+          <p:cNvSpPr txBox="1">
+            <a:spLocks noGrp="1"/>
+          </p:cNvSpPr>
           <p:nvPr>
             <p:ph type="title"/>
           </p:nvPr>
@@ -7415,12 +7618,12 @@
           </a:prstGeom>
         </p:spPr>
         <p:txBody>
-          <a:bodyPr anchorCtr="0" anchor="t" bIns="91425" lIns="91425" spcFirstLastPara="1" rIns="91425" wrap="square" tIns="91425">
+          <a:bodyPr spcFirstLastPara="1" wrap="square" lIns="91425" tIns="91425" rIns="91425" bIns="91425" anchor="t" anchorCtr="0">
             <a:normAutofit fontScale="90000"/>
           </a:bodyPr>
           <a:lstStyle/>
           <a:p>
-            <a:pPr indent="0" lvl="0" marL="0" rtl="0" algn="l">
+            <a:pPr marL="0" lvl="0" indent="0" algn="l" rtl="0">
               <a:spcBef>
                 <a:spcPts val="0"/>
               </a:spcBef>
@@ -7440,9 +7643,11 @@
       <p:sp>
         <p:nvSpPr>
           <p:cNvPr id="121" name="Google Shape;121;p23"/>
-          <p:cNvSpPr txBox="1"/>
+          <p:cNvSpPr txBox="1">
+            <a:spLocks noGrp="1"/>
+          </p:cNvSpPr>
           <p:nvPr>
-            <p:ph idx="1" type="body"/>
+            <p:ph type="body" idx="1"/>
           </p:nvPr>
         </p:nvSpPr>
         <p:spPr>
@@ -7455,12 +7660,12 @@
           </a:prstGeom>
         </p:spPr>
         <p:txBody>
-          <a:bodyPr anchorCtr="0" anchor="t" bIns="91425" lIns="91425" spcFirstLastPara="1" rIns="91425" wrap="square" tIns="91425">
-            <a:normAutofit fontScale="62500"/>
+          <a:bodyPr spcFirstLastPara="1" wrap="square" lIns="91425" tIns="91425" rIns="91425" bIns="91425" anchor="t" anchorCtr="0">
+            <a:normAutofit fontScale="62500" lnSpcReduction="20000"/>
           </a:bodyPr>
           <a:lstStyle/>
           <a:p>
-            <a:pPr indent="-300037" lvl="0" marL="457200" rtl="0" algn="l">
+            <a:pPr marL="457200" lvl="0" indent="-300037" algn="l" rtl="0">
               <a:spcBef>
                 <a:spcPts val="0"/>
               </a:spcBef>
@@ -7471,13 +7676,13 @@
               <a:buChar char="●"/>
             </a:pPr>
             <a:r>
-              <a:rPr lang="ko"/>
+              <a:rPr lang="ko" dirty="0"/>
               <a:t>Section 3 의 분석 결과는 딥러닝 모델에 존재하는 몇 가지 잠재적 위험에 대한 증거를 제공</a:t>
             </a:r>
-            <a:endParaRPr/>
-          </a:p>
-          <a:p>
-            <a:pPr indent="-284162" lvl="1" marL="914400" rtl="0" algn="l">
+            <a:endParaRPr dirty="0"/>
+          </a:p>
+          <a:p>
+            <a:pPr marL="914400" lvl="1" indent="-284162" algn="l" rtl="0">
               <a:spcBef>
                 <a:spcPts val="0"/>
               </a:spcBef>
@@ -7488,13 +7693,13 @@
               <a:buChar char="○"/>
             </a:pPr>
             <a:r>
-              <a:rPr lang="ko"/>
+              <a:rPr lang="ko" dirty="0"/>
               <a:t>또한 IoT 분야에 이러한 알고리즘이 장치에 배치될시 위험성 제시</a:t>
             </a:r>
-            <a:endParaRPr/>
-          </a:p>
-          <a:p>
-            <a:pPr indent="-300037" lvl="0" marL="457200" rtl="0" algn="l">
+            <a:endParaRPr dirty="0"/>
+          </a:p>
+          <a:p>
+            <a:pPr marL="457200" lvl="0" indent="-300037" algn="l" rtl="0">
               <a:spcBef>
                 <a:spcPts val="0"/>
               </a:spcBef>
@@ -7505,13 +7710,13 @@
               <a:buChar char="●"/>
             </a:pPr>
             <a:r>
-              <a:rPr lang="ko"/>
+              <a:rPr lang="ko" dirty="0"/>
               <a:t>모델 견고성을 높이기위해 인코딩-디코딩 모델을 기반으로 새로운 교육 전략 설계</a:t>
             </a:r>
-            <a:endParaRPr/>
-          </a:p>
-          <a:p>
-            <a:pPr indent="-284162" lvl="1" marL="914400" rtl="0" algn="l">
+            <a:endParaRPr dirty="0"/>
+          </a:p>
+          <a:p>
+            <a:pPr marL="914400" lvl="1" indent="-284162" algn="l" rtl="0">
               <a:spcBef>
                 <a:spcPts val="0"/>
               </a:spcBef>
@@ -7522,13 +7727,13 @@
               <a:buChar char="○"/>
             </a:pPr>
             <a:r>
-              <a:rPr lang="ko"/>
+              <a:rPr lang="ko" dirty="0"/>
               <a:t>크게 두가지 부분으로 구성, 인코딩 된 코드 모델, 전통적 심층 신경망</a:t>
             </a:r>
-            <a:endParaRPr/>
-          </a:p>
-          <a:p>
-            <a:pPr indent="-284162" lvl="1" marL="914400" rtl="0" algn="l">
+            <a:endParaRPr dirty="0"/>
+          </a:p>
+          <a:p>
+            <a:pPr marL="914400" lvl="1" indent="-284162" algn="l" rtl="0">
               <a:spcBef>
                 <a:spcPts val="0"/>
               </a:spcBef>
@@ -7539,13 +7744,13 @@
               <a:buChar char="○"/>
             </a:pPr>
             <a:r>
-              <a:rPr lang="ko"/>
+              <a:rPr lang="ko" dirty="0"/>
               <a:t>입력은 원래 시계열의 비선형 변환</a:t>
             </a:r>
-            <a:endParaRPr/>
-          </a:p>
-          <a:p>
-            <a:pPr indent="-284162" lvl="1" marL="914400" rtl="0" algn="l">
+            <a:endParaRPr dirty="0"/>
+          </a:p>
+          <a:p>
+            <a:pPr marL="914400" lvl="1" indent="-284162" algn="l" rtl="0">
               <a:spcBef>
                 <a:spcPts val="0"/>
               </a:spcBef>
@@ -7556,13 +7761,21 @@
               <a:buChar char="○"/>
             </a:pPr>
             <a:r>
-              <a:rPr lang="ko"/>
-              <a:t>이때 온도계 인코딩 방법을 비선형 변환으로 적용</a:t>
-            </a:r>
-            <a:endParaRPr/>
-          </a:p>
-          <a:p>
-            <a:pPr indent="-284162" lvl="1" marL="914400" rtl="0" algn="l">
+              <a:rPr lang="ko" dirty="0"/>
+              <a:t>이때 온도계 인코딩</a:t>
+            </a:r>
+            <a:r>
+              <a:rPr lang="en-US" altLang="ko" dirty="0"/>
+              <a:t>(thermometer encoding)</a:t>
+            </a:r>
+            <a:r>
+              <a:rPr lang="ko" dirty="0"/>
+              <a:t> 방법을 비선형 변환으로 적용</a:t>
+            </a:r>
+            <a:endParaRPr dirty="0"/>
+          </a:p>
+          <a:p>
+            <a:pPr marL="914400" lvl="1" indent="-284162" algn="l" rtl="0">
               <a:spcBef>
                 <a:spcPts val="0"/>
               </a:spcBef>
@@ -7573,13 +7786,13 @@
               <a:buChar char="○"/>
             </a:pPr>
             <a:r>
-              <a:rPr lang="ko"/>
+              <a:rPr lang="ko" dirty="0"/>
               <a:t>디코딩 된 출력은 온도계 인코딩 형식에서 복구된 원래 시계열</a:t>
             </a:r>
-            <a:endParaRPr/>
-          </a:p>
-          <a:p>
-            <a:pPr indent="-284162" lvl="1" marL="914400" rtl="0" algn="l">
+            <a:endParaRPr dirty="0"/>
+          </a:p>
+          <a:p>
+            <a:pPr marL="914400" lvl="1" indent="-284162" algn="l" rtl="0">
               <a:spcBef>
                 <a:spcPts val="0"/>
               </a:spcBef>
@@ -7590,13 +7803,13 @@
               <a:buChar char="○"/>
             </a:pPr>
             <a:r>
-              <a:rPr lang="ko"/>
+              <a:rPr lang="ko" dirty="0"/>
               <a:t>비선형 변환을 활용하여 선형 그래디언트 기반 으로 하는 일부 노이즈와 적대적 간섭을 제거하기 위해</a:t>
             </a:r>
-            <a:endParaRPr/>
-          </a:p>
-          <a:p>
-            <a:pPr indent="-284162" lvl="1" marL="914400" rtl="0" algn="l">
+            <a:endParaRPr dirty="0"/>
+          </a:p>
+          <a:p>
+            <a:pPr marL="914400" lvl="1" indent="-284162" algn="l" rtl="0">
               <a:spcBef>
                 <a:spcPts val="0"/>
               </a:spcBef>
@@ -7607,13 +7820,13 @@
               <a:buChar char="○"/>
             </a:pPr>
             <a:r>
-              <a:rPr lang="ko"/>
+              <a:rPr lang="ko" dirty="0"/>
               <a:t>Fig 9 참조 </a:t>
             </a:r>
-            <a:endParaRPr/>
-          </a:p>
-          <a:p>
-            <a:pPr indent="-284162" lvl="1" marL="914400" rtl="0" algn="l">
+            <a:endParaRPr dirty="0"/>
+          </a:p>
+          <a:p>
+            <a:pPr marL="914400" lvl="1" indent="-284162" algn="l" rtl="0">
               <a:spcBef>
                 <a:spcPts val="0"/>
               </a:spcBef>
@@ -7624,13 +7837,13 @@
               <a:buChar char="○"/>
             </a:pPr>
             <a:r>
-              <a:rPr lang="ko"/>
+              <a:rPr lang="ko" dirty="0"/>
               <a:t>인코더는 입력을 고정 길이 벡터에 매핑, 디코더는 변환을 출력</a:t>
             </a:r>
-            <a:endParaRPr/>
-          </a:p>
-          <a:p>
-            <a:pPr indent="-284162" lvl="1" marL="914400" rtl="0" algn="l">
+            <a:endParaRPr dirty="0"/>
+          </a:p>
+          <a:p>
+            <a:pPr marL="914400" lvl="1" indent="-284162" algn="l" rtl="0">
               <a:spcBef>
                 <a:spcPts val="0"/>
               </a:spcBef>
@@ -7641,13 +7854,13 @@
               <a:buChar char="○"/>
             </a:pPr>
             <a:r>
-              <a:rPr lang="ko"/>
+              <a:rPr lang="ko" dirty="0"/>
               <a:t>모델에서 인코더는 시계열의 의미 정보를 나타내는 코딩 시퀀스를 학습하고 디코더는 시퀀스를 원래 시계열에 매핑</a:t>
             </a:r>
-            <a:endParaRPr/>
-          </a:p>
-          <a:p>
-            <a:pPr indent="-284162" lvl="2" marL="1371600" rtl="0" algn="l">
+            <a:endParaRPr dirty="0"/>
+          </a:p>
+          <a:p>
+            <a:pPr marL="1371600" lvl="2" indent="-284162" algn="l" rtl="0">
               <a:spcBef>
                 <a:spcPts val="0"/>
               </a:spcBef>
@@ -7658,13 +7871,13 @@
               <a:buChar char="■"/>
             </a:pPr>
             <a:r>
-              <a:rPr lang="ko"/>
+              <a:rPr lang="ko" dirty="0"/>
               <a:t>첫째, 시계열은 평균 10개의 균일한 간격으로 이산화. 또한 온도계 인코딩 방법은 이산화 된 곡선에 적용</a:t>
             </a:r>
-            <a:endParaRPr/>
-          </a:p>
-          <a:p>
-            <a:pPr indent="-284162" lvl="2" marL="1371600" rtl="0" algn="l">
+            <a:endParaRPr dirty="0"/>
+          </a:p>
+          <a:p>
+            <a:pPr marL="1371600" lvl="2" indent="-284162" algn="l" rtl="0">
               <a:spcBef>
                 <a:spcPts val="0"/>
               </a:spcBef>
@@ -7675,13 +7888,13 @@
               <a:buChar char="■"/>
             </a:pPr>
             <a:r>
-              <a:rPr lang="ko"/>
+              <a:rPr lang="ko" dirty="0"/>
               <a:t>온도계 인코딩 은 시계열 기반으로 인코딩-디코딩 모델은 시계열을 재구성하고록 훈련</a:t>
             </a:r>
-            <a:endParaRPr/>
-          </a:p>
-          <a:p>
-            <a:pPr indent="-284162" lvl="2" marL="1371600" rtl="0" algn="l">
+            <a:endParaRPr dirty="0"/>
+          </a:p>
+          <a:p>
+            <a:pPr marL="1371600" lvl="2" indent="-284162" algn="l" rtl="0">
               <a:spcBef>
                 <a:spcPts val="0"/>
               </a:spcBef>
@@ -7692,13 +7905,13 @@
               <a:buChar char="■"/>
             </a:pPr>
             <a:r>
-              <a:rPr lang="ko"/>
+              <a:rPr lang="ko" dirty="0"/>
               <a:t>사용된 손실 함수는 MSE 를 사용</a:t>
             </a:r>
-            <a:endParaRPr/>
-          </a:p>
-          <a:p>
-            <a:pPr indent="-284162" lvl="1" marL="914400" rtl="0" algn="l">
+            <a:endParaRPr dirty="0"/>
+          </a:p>
+          <a:p>
+            <a:pPr marL="914400" lvl="1" indent="-284162" algn="l" rtl="0">
               <a:spcBef>
                 <a:spcPts val="0"/>
               </a:spcBef>
@@ -7709,13 +7922,13 @@
               <a:buChar char="○"/>
             </a:pPr>
             <a:r>
-              <a:rPr lang="ko"/>
+              <a:rPr lang="ko" dirty="0"/>
               <a:t>인코딩 디코딩 모델을 훈련하는 과정에서 재구성 능력을 높이는 시계열에 임의의 노이즈를 추가 </a:t>
             </a:r>
-            <a:endParaRPr/>
-          </a:p>
-          <a:p>
-            <a:pPr indent="-284162" lvl="1" marL="914400" rtl="0" algn="l">
+            <a:endParaRPr dirty="0"/>
+          </a:p>
+          <a:p>
+            <a:pPr marL="914400" lvl="1" indent="-284162" algn="l" rtl="0">
               <a:spcBef>
                 <a:spcPts val="0"/>
               </a:spcBef>
@@ -7726,13 +7939,13 @@
               <a:buChar char="○"/>
             </a:pPr>
             <a:r>
-              <a:rPr lang="ko"/>
+              <a:rPr lang="ko" dirty="0"/>
               <a:t>디코더는 이러한 입력을 원래 시계열에 매핑 하려함</a:t>
             </a:r>
-            <a:endParaRPr/>
-          </a:p>
-          <a:p>
-            <a:pPr indent="-284162" lvl="1" marL="914400" rtl="0" algn="l">
+            <a:endParaRPr dirty="0"/>
+          </a:p>
+          <a:p>
+            <a:pPr marL="914400" lvl="1" indent="-284162" algn="l" rtl="0">
               <a:spcBef>
                 <a:spcPts val="0"/>
               </a:spcBef>
@@ -7743,10 +7956,10 @@
               <a:buChar char="○"/>
             </a:pPr>
             <a:r>
-              <a:rPr lang="ko"/>
+              <a:rPr lang="ko" dirty="0"/>
               <a:t>여기에 인코딩 디코딩 모델의 견고성을 높이기 위해 원래 입력 시계열에 임의의 노이즈를 추가</a:t>
             </a:r>
-            <a:endParaRPr/>
+            <a:endParaRPr dirty="0"/>
           </a:p>
         </p:txBody>
       </p:sp>
@@ -7815,11 +8028,11 @@
 </file>
 
 <file path=ppt/slides/slide12.xml><?xml version="1.0" encoding="utf-8"?>
-<p:sld xmlns:a="http://schemas.openxmlformats.org/drawingml/2006/main" xmlns:r="http://schemas.openxmlformats.org/officeDocument/2006/relationships" xmlns:mc="http://schemas.openxmlformats.org/markup-compatibility/2006" xmlns:mv="urn:schemas-microsoft-com:mac:vml" xmlns:p="http://schemas.openxmlformats.org/presentationml/2006/main" xmlns:c="http://schemas.openxmlformats.org/drawingml/2006/chart" xmlns:dgm="http://schemas.openxmlformats.org/drawingml/2006/diagram" xmlns:o="urn:schemas-microsoft-com:office:office" xmlns:v="urn:schemas-microsoft-com:vml" xmlns:pvml="urn:schemas-microsoft-com:office:powerpoint" xmlns:com="http://schemas.openxmlformats.org/drawingml/2006/compatibility" xmlns:p14="http://schemas.microsoft.com/office/powerpoint/2010/main" xmlns:p15="http://schemas.microsoft.com/office/powerpoint/2012/main" xmlns:ahyp="http://schemas.microsoft.com/office/drawing/2018/hyperlinkcolor">
+<p:sld xmlns:a="http://schemas.openxmlformats.org/drawingml/2006/main" xmlns:r="http://schemas.openxmlformats.org/officeDocument/2006/relationships" xmlns:p="http://schemas.openxmlformats.org/presentationml/2006/main">
   <p:cSld>
     <p:spTree>
       <p:nvGrpSpPr>
-        <p:cNvPr id="127" name="Shape 127"/>
+        <p:cNvPr id="1" name="Shape 127"/>
         <p:cNvGrpSpPr/>
         <p:nvPr/>
       </p:nvGrpSpPr>
@@ -7834,7 +8047,9 @@
       <p:sp>
         <p:nvSpPr>
           <p:cNvPr id="128" name="Google Shape;128;p24"/>
-          <p:cNvSpPr txBox="1"/>
+          <p:cNvSpPr txBox="1">
+            <a:spLocks noGrp="1"/>
+          </p:cNvSpPr>
           <p:nvPr>
             <p:ph type="title"/>
           </p:nvPr>
@@ -7849,12 +8064,12 @@
           </a:prstGeom>
         </p:spPr>
         <p:txBody>
-          <a:bodyPr anchorCtr="0" anchor="t" bIns="91425" lIns="91425" spcFirstLastPara="1" rIns="91425" wrap="square" tIns="91425">
+          <a:bodyPr spcFirstLastPara="1" wrap="square" lIns="91425" tIns="91425" rIns="91425" bIns="91425" anchor="t" anchorCtr="0">
             <a:normAutofit fontScale="90000"/>
           </a:bodyPr>
           <a:lstStyle/>
           <a:p>
-            <a:pPr indent="0" lvl="0" marL="0" rtl="0" algn="l">
+            <a:pPr marL="0" lvl="0" indent="0" algn="l" rtl="0">
               <a:spcBef>
                 <a:spcPts val="0"/>
               </a:spcBef>
@@ -7879,9 +8094,11 @@
       <p:sp>
         <p:nvSpPr>
           <p:cNvPr id="129" name="Google Shape;129;p24"/>
-          <p:cNvSpPr txBox="1"/>
+          <p:cNvSpPr txBox="1">
+            <a:spLocks noGrp="1"/>
+          </p:cNvSpPr>
           <p:nvPr>
-            <p:ph idx="1" type="body"/>
+            <p:ph type="body" idx="1"/>
           </p:nvPr>
         </p:nvSpPr>
         <p:spPr>
@@ -7894,12 +8111,12 @@
           </a:prstGeom>
         </p:spPr>
         <p:txBody>
-          <a:bodyPr anchorCtr="0" anchor="t" bIns="91425" lIns="91425" spcFirstLastPara="1" rIns="91425" wrap="square" tIns="91425">
+          <a:bodyPr spcFirstLastPara="1" wrap="square" lIns="91425" tIns="91425" rIns="91425" bIns="91425" anchor="t" anchorCtr="0">
             <a:normAutofit fontScale="77500" lnSpcReduction="10000"/>
           </a:bodyPr>
           <a:lstStyle/>
           <a:p>
-            <a:pPr indent="-317182" lvl="0" marL="457200" rtl="0" algn="l">
+            <a:pPr marL="457200" lvl="0" indent="-317182" algn="l" rtl="0">
               <a:spcBef>
                 <a:spcPts val="0"/>
               </a:spcBef>
@@ -7916,7 +8133,7 @@
             <a:endParaRPr/>
           </a:p>
           <a:p>
-            <a:pPr indent="-317182" lvl="0" marL="457200" rtl="0" algn="l">
+            <a:pPr marL="457200" lvl="0" indent="-317182" algn="l" rtl="0">
               <a:spcBef>
                 <a:spcPts val="0"/>
               </a:spcBef>
@@ -7931,7 +8148,7 @@
               <a:t>index j ∈ {1,2,...,k}, τ(j)∈R</a:t>
             </a:r>
             <a:r>
-              <a:rPr baseline="30000" lang="ko"/>
+              <a:rPr lang="ko" baseline="30000"/>
               <a:t>k </a:t>
             </a:r>
             <a:r>
@@ -7941,7 +8158,7 @@
             <a:endParaRPr/>
           </a:p>
           <a:p>
-            <a:pPr indent="-317182" lvl="0" marL="457200" rtl="0" algn="l">
+            <a:pPr marL="457200" lvl="0" indent="-317182" algn="l" rtl="0">
               <a:spcBef>
                 <a:spcPts val="0"/>
               </a:spcBef>
@@ -7958,7 +8175,7 @@
             <a:endParaRPr/>
           </a:p>
           <a:p>
-            <a:pPr indent="-297497" lvl="1" marL="914400" rtl="0" algn="l">
+            <a:pPr marL="914400" lvl="1" indent="-297497" algn="l" rtl="0">
               <a:spcBef>
                 <a:spcPts val="0"/>
               </a:spcBef>
@@ -7973,7 +8190,7 @@
               <a:t>여기서 sum 은 누적합계 함수이며 f</a:t>
             </a:r>
             <a:r>
-              <a:rPr baseline="-25000" lang="ko"/>
+              <a:rPr lang="ko" baseline="-25000"/>
               <a:t>onehot </a:t>
             </a:r>
             <a:r>
@@ -7981,7 +8198,7 @@
               <a:t>(x</a:t>
             </a:r>
             <a:r>
-              <a:rPr baseline="-25000" lang="ko"/>
+              <a:rPr lang="ko" baseline="-25000"/>
               <a:t>i</a:t>
             </a:r>
             <a:r>
@@ -7991,7 +8208,7 @@
             <a:endParaRPr/>
           </a:p>
           <a:p>
-            <a:pPr indent="-297497" lvl="1" marL="914400" rtl="0" algn="l">
+            <a:pPr marL="914400" lvl="1" indent="-297497" algn="l" rtl="0">
               <a:spcBef>
                 <a:spcPts val="0"/>
               </a:spcBef>
@@ -8008,7 +8225,7 @@
             <a:endParaRPr/>
           </a:p>
           <a:p>
-            <a:pPr indent="-297497" lvl="2" marL="1371600" rtl="0" algn="l">
+            <a:pPr marL="1371600" lvl="2" indent="-297497" algn="l" rtl="0">
               <a:spcBef>
                 <a:spcPts val="0"/>
               </a:spcBef>
@@ -8023,7 +8240,7 @@
               <a:t>즉, 임의의 시간i,j 에 대하여 만일 b(x</a:t>
             </a:r>
             <a:r>
-              <a:rPr baseline="-25000" lang="ko"/>
+              <a:rPr lang="ko" baseline="-25000"/>
               <a:t>i</a:t>
             </a:r>
             <a:r>
@@ -8031,7 +8248,7 @@
               <a:t>) ≠b(x</a:t>
             </a:r>
             <a:r>
-              <a:rPr baseline="-25000" lang="ko"/>
+              <a:rPr lang="ko" baseline="-25000"/>
               <a:t>j</a:t>
             </a:r>
             <a:r>
@@ -8043,7 +8260,7 @@
               <a:t>τ(b(x</a:t>
             </a:r>
             <a:r>
-              <a:rPr baseline="-25000" lang="ko" sz="1800"/>
+              <a:rPr lang="ko" sz="1800" baseline="-25000"/>
               <a:t>i</a:t>
             </a:r>
             <a:r>
@@ -8051,7 +8268,7 @@
               <a:t>))</a:t>
             </a:r>
             <a:r>
-              <a:rPr baseline="-25000" lang="ko" sz="1800"/>
+              <a:rPr lang="ko" sz="1800" baseline="-25000"/>
               <a:t>2</a:t>
             </a:r>
             <a:r>
@@ -8059,7 +8276,7 @@
               <a:t>&lt;τ(b(x</a:t>
             </a:r>
             <a:r>
-              <a:rPr baseline="-25000" lang="ko" sz="1800"/>
+              <a:rPr lang="ko" sz="1800" baseline="-25000"/>
               <a:t>j</a:t>
             </a:r>
             <a:r>
@@ -8067,7 +8284,7 @@
               <a:t>))</a:t>
             </a:r>
             <a:r>
-              <a:rPr baseline="-25000" lang="ko" sz="1800"/>
+              <a:rPr lang="ko" sz="1800" baseline="-25000"/>
               <a:t>2 </a:t>
             </a:r>
             <a:r>
@@ -8077,7 +8294,7 @@
             <a:endParaRPr sz="1800"/>
           </a:p>
           <a:p>
-            <a:pPr indent="-297497" lvl="2" marL="1371600" rtl="0" algn="l">
+            <a:pPr marL="1371600" lvl="2" indent="-297497" algn="l" rtl="0">
               <a:spcBef>
                 <a:spcPts val="0"/>
               </a:spcBef>
@@ -8094,7 +8311,7 @@
             <a:endParaRPr/>
           </a:p>
           <a:p>
-            <a:pPr indent="-297497" lvl="2" marL="1371600" rtl="0" algn="l">
+            <a:pPr marL="1371600" lvl="2" indent="-297497" algn="l" rtl="0">
               <a:spcBef>
                 <a:spcPts val="0"/>
               </a:spcBef>
@@ -8111,7 +8328,7 @@
             <a:endParaRPr/>
           </a:p>
           <a:p>
-            <a:pPr indent="-297497" lvl="2" marL="1371600" rtl="0" algn="l">
+            <a:pPr marL="1371600" lvl="2" indent="-297497" algn="l" rtl="0">
               <a:spcBef>
                 <a:spcPts val="0"/>
               </a:spcBef>
@@ -8128,7 +8345,7 @@
             <a:endParaRPr/>
           </a:p>
           <a:p>
-            <a:pPr indent="-297497" lvl="1" marL="914400" rtl="0" algn="l">
+            <a:pPr marL="914400" lvl="1" indent="-297497" algn="l" rtl="0">
               <a:spcBef>
                 <a:spcPts val="0"/>
               </a:spcBef>
@@ -8145,7 +8362,7 @@
             <a:endParaRPr/>
           </a:p>
           <a:p>
-            <a:pPr indent="-297497" lvl="1" marL="914400" rtl="0" algn="l">
+            <a:pPr marL="914400" lvl="1" indent="-297497" algn="l" rtl="0">
               <a:spcBef>
                 <a:spcPts val="0"/>
               </a:spcBef>
@@ -8162,7 +8379,7 @@
             <a:endParaRPr/>
           </a:p>
           <a:p>
-            <a:pPr indent="-297497" lvl="1" marL="914400" rtl="0" algn="l">
+            <a:pPr marL="914400" lvl="1" indent="-297497" algn="l" rtl="0">
               <a:spcBef>
                 <a:spcPts val="0"/>
               </a:spcBef>
@@ -8179,7 +8396,7 @@
             <a:endParaRPr/>
           </a:p>
           <a:p>
-            <a:pPr indent="-297497" lvl="1" marL="914400" rtl="0" algn="l">
+            <a:pPr marL="914400" lvl="1" indent="-297497" algn="l" rtl="0">
               <a:spcBef>
                 <a:spcPts val="0"/>
               </a:spcBef>
@@ -8196,7 +8413,7 @@
             <a:endParaRPr/>
           </a:p>
           <a:p>
-            <a:pPr indent="-297497" lvl="1" marL="914400" rtl="0" algn="l">
+            <a:pPr marL="914400" lvl="1" indent="-297497" algn="l" rtl="0">
               <a:spcBef>
                 <a:spcPts val="0"/>
               </a:spcBef>
@@ -8213,7 +8430,7 @@
             <a:endParaRPr/>
           </a:p>
           <a:p>
-            <a:pPr indent="-297497" lvl="1" marL="914400" rtl="0" algn="l">
+            <a:pPr marL="914400" lvl="1" indent="-297497" algn="l" rtl="0">
               <a:spcBef>
                 <a:spcPts val="0"/>
               </a:spcBef>
@@ -8230,7 +8447,7 @@
             <a:endParaRPr/>
           </a:p>
           <a:p>
-            <a:pPr indent="-297497" lvl="1" marL="914400" rtl="0" algn="l">
+            <a:pPr marL="914400" lvl="1" indent="-297497" algn="l" rtl="0">
               <a:spcBef>
                 <a:spcPts val="0"/>
               </a:spcBef>
@@ -8247,7 +8464,7 @@
             <a:endParaRPr/>
           </a:p>
           <a:p>
-            <a:pPr indent="-297497" lvl="1" marL="914400" rtl="0" algn="l">
+            <a:pPr marL="914400" lvl="1" indent="-297497" algn="l" rtl="0">
               <a:spcBef>
                 <a:spcPts val="0"/>
               </a:spcBef>
@@ -8330,11 +8547,11 @@
 </file>
 
 <file path=ppt/slides/slide13.xml><?xml version="1.0" encoding="utf-8"?>
-<p:sld xmlns:a="http://schemas.openxmlformats.org/drawingml/2006/main" xmlns:r="http://schemas.openxmlformats.org/officeDocument/2006/relationships" xmlns:mc="http://schemas.openxmlformats.org/markup-compatibility/2006" xmlns:mv="urn:schemas-microsoft-com:mac:vml" xmlns:p="http://schemas.openxmlformats.org/presentationml/2006/main" xmlns:c="http://schemas.openxmlformats.org/drawingml/2006/chart" xmlns:dgm="http://schemas.openxmlformats.org/drawingml/2006/diagram" xmlns:o="urn:schemas-microsoft-com:office:office" xmlns:v="urn:schemas-microsoft-com:vml" xmlns:pvml="urn:schemas-microsoft-com:office:powerpoint" xmlns:com="http://schemas.openxmlformats.org/drawingml/2006/compatibility" xmlns:p14="http://schemas.microsoft.com/office/powerpoint/2010/main" xmlns:p15="http://schemas.microsoft.com/office/powerpoint/2012/main" xmlns:ahyp="http://schemas.microsoft.com/office/drawing/2018/hyperlinkcolor">
+<p:sld xmlns:a="http://schemas.openxmlformats.org/drawingml/2006/main" xmlns:r="http://schemas.openxmlformats.org/officeDocument/2006/relationships" xmlns:p="http://schemas.openxmlformats.org/presentationml/2006/main">
   <p:cSld>
     <p:spTree>
       <p:nvGrpSpPr>
-        <p:cNvPr id="135" name="Shape 135"/>
+        <p:cNvPr id="1" name="Shape 135"/>
         <p:cNvGrpSpPr/>
         <p:nvPr/>
       </p:nvGrpSpPr>
@@ -8349,7 +8566,9 @@
       <p:sp>
         <p:nvSpPr>
           <p:cNvPr id="136" name="Google Shape;136;p25"/>
-          <p:cNvSpPr txBox="1"/>
+          <p:cNvSpPr txBox="1">
+            <a:spLocks noGrp="1"/>
+          </p:cNvSpPr>
           <p:nvPr>
             <p:ph type="title"/>
           </p:nvPr>
@@ -8364,12 +8583,12 @@
           </a:prstGeom>
         </p:spPr>
         <p:txBody>
-          <a:bodyPr anchorCtr="0" anchor="t" bIns="91425" lIns="91425" spcFirstLastPara="1" rIns="91425" wrap="square" tIns="91425">
+          <a:bodyPr spcFirstLastPara="1" wrap="square" lIns="91425" tIns="91425" rIns="91425" bIns="91425" anchor="t" anchorCtr="0">
             <a:normAutofit fontScale="90000"/>
           </a:bodyPr>
           <a:lstStyle/>
           <a:p>
-            <a:pPr indent="0" lvl="0" marL="0" rtl="0" algn="l">
+            <a:pPr marL="0" lvl="0" indent="0" algn="l" rtl="0">
               <a:spcBef>
                 <a:spcPts val="0"/>
               </a:spcBef>
@@ -8394,9 +8613,11 @@
       <p:sp>
         <p:nvSpPr>
           <p:cNvPr id="137" name="Google Shape;137;p25"/>
-          <p:cNvSpPr txBox="1"/>
+          <p:cNvSpPr txBox="1">
+            <a:spLocks noGrp="1"/>
+          </p:cNvSpPr>
           <p:nvPr>
-            <p:ph idx="1" type="body"/>
+            <p:ph type="body" idx="1"/>
           </p:nvPr>
         </p:nvSpPr>
         <p:spPr>
@@ -8409,12 +8630,12 @@
           </a:prstGeom>
         </p:spPr>
         <p:txBody>
-          <a:bodyPr anchorCtr="0" anchor="t" bIns="91425" lIns="91425" spcFirstLastPara="1" rIns="91425" wrap="square" tIns="91425">
+          <a:bodyPr spcFirstLastPara="1" wrap="square" lIns="91425" tIns="91425" rIns="91425" bIns="91425" anchor="t" anchorCtr="0">
             <a:normAutofit/>
           </a:bodyPr>
           <a:lstStyle/>
           <a:p>
-            <a:pPr indent="0" lvl="0" marL="0" rtl="0" algn="l">
+            <a:pPr marL="0" lvl="0" indent="0" algn="l" rtl="0">
               <a:spcBef>
                 <a:spcPts val="0"/>
               </a:spcBef>
@@ -8423,9 +8644,6 @@
               </a:spcAft>
               <a:buNone/>
             </a:pPr>
-            <a:r>
-              <a:t/>
-            </a:r>
             <a:endParaRPr/>
           </a:p>
         </p:txBody>
@@ -8523,11 +8741,11 @@
 </file>
 
 <file path=ppt/slides/slide14.xml><?xml version="1.0" encoding="utf-8"?>
-<p:sld xmlns:a="http://schemas.openxmlformats.org/drawingml/2006/main" xmlns:r="http://schemas.openxmlformats.org/officeDocument/2006/relationships" xmlns:mc="http://schemas.openxmlformats.org/markup-compatibility/2006" xmlns:mv="urn:schemas-microsoft-com:mac:vml" xmlns:p="http://schemas.openxmlformats.org/presentationml/2006/main" xmlns:c="http://schemas.openxmlformats.org/drawingml/2006/chart" xmlns:dgm="http://schemas.openxmlformats.org/drawingml/2006/diagram" xmlns:o="urn:schemas-microsoft-com:office:office" xmlns:v="urn:schemas-microsoft-com:vml" xmlns:pvml="urn:schemas-microsoft-com:office:powerpoint" xmlns:com="http://schemas.openxmlformats.org/drawingml/2006/compatibility" xmlns:p14="http://schemas.microsoft.com/office/powerpoint/2010/main" xmlns:p15="http://schemas.microsoft.com/office/powerpoint/2012/main" xmlns:ahyp="http://schemas.microsoft.com/office/drawing/2018/hyperlinkcolor">
+<p:sld xmlns:a="http://schemas.openxmlformats.org/drawingml/2006/main" xmlns:r="http://schemas.openxmlformats.org/officeDocument/2006/relationships" xmlns:p="http://schemas.openxmlformats.org/presentationml/2006/main">
   <p:cSld>
     <p:spTree>
       <p:nvGrpSpPr>
-        <p:cNvPr id="144" name="Shape 144"/>
+        <p:cNvPr id="1" name="Shape 144"/>
         <p:cNvGrpSpPr/>
         <p:nvPr/>
       </p:nvGrpSpPr>
@@ -8542,7 +8760,9 @@
       <p:sp>
         <p:nvSpPr>
           <p:cNvPr id="145" name="Google Shape;145;p26"/>
-          <p:cNvSpPr txBox="1"/>
+          <p:cNvSpPr txBox="1">
+            <a:spLocks noGrp="1"/>
+          </p:cNvSpPr>
           <p:nvPr>
             <p:ph type="title"/>
           </p:nvPr>
@@ -8557,12 +8777,12 @@
           </a:prstGeom>
         </p:spPr>
         <p:txBody>
-          <a:bodyPr anchorCtr="0" anchor="t" bIns="91425" lIns="91425" spcFirstLastPara="1" rIns="91425" wrap="square" tIns="91425">
+          <a:bodyPr spcFirstLastPara="1" wrap="square" lIns="91425" tIns="91425" rIns="91425" bIns="91425" anchor="t" anchorCtr="0">
             <a:normAutofit fontScale="90000"/>
           </a:bodyPr>
           <a:lstStyle/>
           <a:p>
-            <a:pPr indent="0" lvl="0" marL="0" rtl="0" algn="l">
+            <a:pPr marL="0" lvl="0" indent="0" algn="l" rtl="0">
               <a:spcBef>
                 <a:spcPts val="0"/>
               </a:spcBef>
@@ -8582,9 +8802,11 @@
       <p:sp>
         <p:nvSpPr>
           <p:cNvPr id="146" name="Google Shape;146;p26"/>
-          <p:cNvSpPr txBox="1"/>
+          <p:cNvSpPr txBox="1">
+            <a:spLocks noGrp="1"/>
+          </p:cNvSpPr>
           <p:nvPr>
-            <p:ph idx="1" type="body"/>
+            <p:ph type="body" idx="1"/>
           </p:nvPr>
         </p:nvSpPr>
         <p:spPr>
@@ -8597,12 +8819,12 @@
           </a:prstGeom>
         </p:spPr>
         <p:txBody>
-          <a:bodyPr anchorCtr="0" anchor="t" bIns="91425" lIns="91425" spcFirstLastPara="1" rIns="91425" wrap="square" tIns="91425">
+          <a:bodyPr spcFirstLastPara="1" wrap="square" lIns="91425" tIns="91425" rIns="91425" bIns="91425" anchor="t" anchorCtr="0">
             <a:normAutofit fontScale="70000" lnSpcReduction="20000"/>
           </a:bodyPr>
           <a:lstStyle/>
           <a:p>
-            <a:pPr indent="-308610" lvl="0" marL="457200" rtl="0" algn="l">
+            <a:pPr marL="457200" lvl="0" indent="-308610" algn="l" rtl="0">
               <a:spcBef>
                 <a:spcPts val="0"/>
               </a:spcBef>
@@ -8619,7 +8841,7 @@
             <a:endParaRPr/>
           </a:p>
           <a:p>
-            <a:pPr indent="0" lvl="0" marL="0" rtl="0" algn="l">
+            <a:pPr marL="0" lvl="0" indent="0" algn="l" rtl="0">
               <a:spcBef>
                 <a:spcPts val="1200"/>
               </a:spcBef>
@@ -8635,7 +8857,7 @@
             <a:endParaRPr/>
           </a:p>
           <a:p>
-            <a:pPr indent="-308610" lvl="0" marL="457200" rtl="0" algn="l">
+            <a:pPr marL="457200" lvl="0" indent="-308610" algn="l" rtl="0">
               <a:spcBef>
                 <a:spcPts val="1200"/>
               </a:spcBef>
@@ -8652,7 +8874,7 @@
             <a:endParaRPr/>
           </a:p>
           <a:p>
-            <a:pPr indent="-290830" lvl="1" marL="914400" rtl="0" algn="l">
+            <a:pPr marL="914400" lvl="1" indent="-290830" algn="l" rtl="0">
               <a:spcBef>
                 <a:spcPts val="0"/>
               </a:spcBef>
@@ -8669,7 +8891,7 @@
             <a:endParaRPr/>
           </a:p>
           <a:p>
-            <a:pPr indent="-290830" lvl="1" marL="914400" rtl="0" algn="l">
+            <a:pPr marL="914400" lvl="1" indent="-290830" algn="l" rtl="0">
               <a:spcBef>
                 <a:spcPts val="0"/>
               </a:spcBef>
@@ -8686,7 +8908,7 @@
             <a:endParaRPr/>
           </a:p>
           <a:p>
-            <a:pPr indent="-290830" lvl="2" marL="1371600" rtl="0" algn="l">
+            <a:pPr marL="1371600" lvl="2" indent="-290830" algn="l" rtl="0">
               <a:spcBef>
                 <a:spcPts val="0"/>
               </a:spcBef>
@@ -8703,7 +8925,7 @@
             <a:endParaRPr/>
           </a:p>
           <a:p>
-            <a:pPr indent="-290830" lvl="2" marL="1371600" rtl="0" algn="l">
+            <a:pPr marL="1371600" lvl="2" indent="-290830" algn="l" rtl="0">
               <a:spcBef>
                 <a:spcPts val="0"/>
               </a:spcBef>
@@ -8720,7 +8942,7 @@
             <a:endParaRPr/>
           </a:p>
           <a:p>
-            <a:pPr indent="-308610" lvl="0" marL="457200" rtl="0" algn="l">
+            <a:pPr marL="457200" lvl="0" indent="-308610" algn="l" rtl="0">
               <a:spcBef>
                 <a:spcPts val="0"/>
               </a:spcBef>
@@ -8737,7 +8959,7 @@
             <a:endParaRPr/>
           </a:p>
           <a:p>
-            <a:pPr indent="-308610" lvl="0" marL="457200" rtl="0" algn="l">
+            <a:pPr marL="457200" lvl="0" indent="-308610" algn="l" rtl="0">
               <a:spcBef>
                 <a:spcPts val="0"/>
               </a:spcBef>
@@ -8754,7 +8976,7 @@
             <a:endParaRPr/>
           </a:p>
           <a:p>
-            <a:pPr indent="-290830" lvl="1" marL="914400" rtl="0" algn="l">
+            <a:pPr marL="914400" lvl="1" indent="-290830" algn="l" rtl="0">
               <a:spcBef>
                 <a:spcPts val="0"/>
               </a:spcBef>
@@ -8771,7 +8993,7 @@
             <a:endParaRPr/>
           </a:p>
           <a:p>
-            <a:pPr indent="-290830" lvl="1" marL="914400" rtl="0" algn="l">
+            <a:pPr marL="914400" lvl="1" indent="-290830" algn="l" rtl="0">
               <a:spcBef>
                 <a:spcPts val="0"/>
               </a:spcBef>
@@ -8788,7 +9010,7 @@
             <a:endParaRPr/>
           </a:p>
           <a:p>
-            <a:pPr indent="-290830" lvl="1" marL="914400" rtl="0" algn="l">
+            <a:pPr marL="914400" lvl="1" indent="-290830" algn="l" rtl="0">
               <a:spcBef>
                 <a:spcPts val="0"/>
               </a:spcBef>
@@ -8805,7 +9027,7 @@
             <a:endParaRPr/>
           </a:p>
           <a:p>
-            <a:pPr indent="-290830" lvl="1" marL="914400" rtl="0" algn="l">
+            <a:pPr marL="914400" lvl="1" indent="-290830" algn="l" rtl="0">
               <a:spcBef>
                 <a:spcPts val="0"/>
               </a:spcBef>
@@ -8888,11 +9110,11 @@
 </file>
 
 <file path=ppt/slides/slide15.xml><?xml version="1.0" encoding="utf-8"?>
-<p:sld xmlns:a="http://schemas.openxmlformats.org/drawingml/2006/main" xmlns:r="http://schemas.openxmlformats.org/officeDocument/2006/relationships" xmlns:mc="http://schemas.openxmlformats.org/markup-compatibility/2006" xmlns:mv="urn:schemas-microsoft-com:mac:vml" xmlns:p="http://schemas.openxmlformats.org/presentationml/2006/main" xmlns:c="http://schemas.openxmlformats.org/drawingml/2006/chart" xmlns:dgm="http://schemas.openxmlformats.org/drawingml/2006/diagram" xmlns:o="urn:schemas-microsoft-com:office:office" xmlns:v="urn:schemas-microsoft-com:vml" xmlns:pvml="urn:schemas-microsoft-com:office:powerpoint" xmlns:com="http://schemas.openxmlformats.org/drawingml/2006/compatibility" xmlns:p14="http://schemas.microsoft.com/office/powerpoint/2010/main" xmlns:p15="http://schemas.microsoft.com/office/powerpoint/2012/main" xmlns:ahyp="http://schemas.microsoft.com/office/drawing/2018/hyperlinkcolor">
+<p:sld xmlns:a="http://schemas.openxmlformats.org/drawingml/2006/main" xmlns:r="http://schemas.openxmlformats.org/officeDocument/2006/relationships" xmlns:p="http://schemas.openxmlformats.org/presentationml/2006/main">
   <p:cSld>
     <p:spTree>
       <p:nvGrpSpPr>
-        <p:cNvPr id="152" name="Shape 152"/>
+        <p:cNvPr id="1" name="Shape 152"/>
         <p:cNvGrpSpPr/>
         <p:nvPr/>
       </p:nvGrpSpPr>
@@ -8907,7 +9129,9 @@
       <p:sp>
         <p:nvSpPr>
           <p:cNvPr id="153" name="Google Shape;153;p27"/>
-          <p:cNvSpPr txBox="1"/>
+          <p:cNvSpPr txBox="1">
+            <a:spLocks noGrp="1"/>
+          </p:cNvSpPr>
           <p:nvPr>
             <p:ph type="title"/>
           </p:nvPr>
@@ -8922,12 +9146,12 @@
           </a:prstGeom>
         </p:spPr>
         <p:txBody>
-          <a:bodyPr anchorCtr="0" anchor="t" bIns="91425" lIns="91425" spcFirstLastPara="1" rIns="91425" wrap="square" tIns="91425">
+          <a:bodyPr spcFirstLastPara="1" wrap="square" lIns="91425" tIns="91425" rIns="91425" bIns="91425" anchor="t" anchorCtr="0">
             <a:normAutofit fontScale="90000"/>
           </a:bodyPr>
           <a:lstStyle/>
           <a:p>
-            <a:pPr indent="0" lvl="0" marL="0" rtl="0" algn="l">
+            <a:pPr marL="0" lvl="0" indent="0" algn="l" rtl="0">
               <a:spcBef>
                 <a:spcPts val="0"/>
               </a:spcBef>
@@ -8952,9 +9176,11 @@
       <p:sp>
         <p:nvSpPr>
           <p:cNvPr id="154" name="Google Shape;154;p27"/>
-          <p:cNvSpPr txBox="1"/>
+          <p:cNvSpPr txBox="1">
+            <a:spLocks noGrp="1"/>
+          </p:cNvSpPr>
           <p:nvPr>
-            <p:ph idx="1" type="body"/>
+            <p:ph type="body" idx="1"/>
           </p:nvPr>
         </p:nvSpPr>
         <p:spPr>
@@ -8967,12 +9193,12 @@
           </a:prstGeom>
         </p:spPr>
         <p:txBody>
-          <a:bodyPr anchorCtr="0" anchor="t" bIns="91425" lIns="91425" spcFirstLastPara="1" rIns="91425" wrap="square" tIns="91425">
+          <a:bodyPr spcFirstLastPara="1" wrap="square" lIns="91425" tIns="91425" rIns="91425" bIns="91425" anchor="t" anchorCtr="0">
             <a:normAutofit fontScale="77500" lnSpcReduction="20000"/>
           </a:bodyPr>
           <a:lstStyle/>
           <a:p>
-            <a:pPr indent="0" lvl="0" marL="0" rtl="0" algn="l">
+            <a:pPr marL="0" lvl="0" indent="0" algn="l" rtl="0">
               <a:spcBef>
                 <a:spcPts val="0"/>
               </a:spcBef>
@@ -8988,7 +9214,7 @@
             <a:endParaRPr/>
           </a:p>
           <a:p>
-            <a:pPr indent="-317182" lvl="0" marL="457200" rtl="0" algn="l">
+            <a:pPr marL="457200" lvl="0" indent="-317182" algn="l" rtl="0">
               <a:spcBef>
                 <a:spcPts val="1200"/>
               </a:spcBef>
@@ -9005,7 +9231,7 @@
             <a:endParaRPr/>
           </a:p>
           <a:p>
-            <a:pPr indent="-317182" lvl="0" marL="457200" rtl="0" algn="l">
+            <a:pPr marL="457200" lvl="0" indent="-317182" algn="l" rtl="0">
               <a:spcBef>
                 <a:spcPts val="0"/>
               </a:spcBef>
@@ -9022,7 +9248,7 @@
             <a:endParaRPr/>
           </a:p>
           <a:p>
-            <a:pPr indent="-317182" lvl="0" marL="457200" rtl="0" algn="l">
+            <a:pPr marL="457200" lvl="0" indent="-317182" algn="l" rtl="0">
               <a:spcBef>
                 <a:spcPts val="0"/>
               </a:spcBef>
@@ -9039,7 +9265,7 @@
             <a:endParaRPr/>
           </a:p>
           <a:p>
-            <a:pPr indent="-317182" lvl="0" marL="457200" rtl="0" algn="l">
+            <a:pPr marL="457200" lvl="0" indent="-317182" algn="l" rtl="0">
               <a:spcBef>
                 <a:spcPts val="0"/>
               </a:spcBef>
@@ -9056,7 +9282,7 @@
             <a:endParaRPr/>
           </a:p>
           <a:p>
-            <a:pPr indent="-317182" lvl="0" marL="457200" rtl="0" algn="l">
+            <a:pPr marL="457200" lvl="0" indent="-317182" algn="l" rtl="0">
               <a:spcBef>
                 <a:spcPts val="0"/>
               </a:spcBef>
@@ -9073,7 +9299,7 @@
             <a:endParaRPr/>
           </a:p>
           <a:p>
-            <a:pPr indent="-317182" lvl="0" marL="457200" rtl="0" algn="l">
+            <a:pPr marL="457200" lvl="0" indent="-317182" algn="l" rtl="0">
               <a:spcBef>
                 <a:spcPts val="0"/>
               </a:spcBef>
@@ -9090,7 +9316,7 @@
             <a:endParaRPr/>
           </a:p>
           <a:p>
-            <a:pPr indent="-297497" lvl="1" marL="914400" rtl="0" algn="l">
+            <a:pPr marL="914400" lvl="1" indent="-297497" algn="l" rtl="0">
               <a:spcBef>
                 <a:spcPts val="0"/>
               </a:spcBef>
@@ -9107,7 +9333,7 @@
             <a:endParaRPr/>
           </a:p>
           <a:p>
-            <a:pPr indent="-317182" lvl="0" marL="457200" rtl="0" algn="l">
+            <a:pPr marL="457200" lvl="0" indent="-317182" algn="l" rtl="0">
               <a:spcBef>
                 <a:spcPts val="0"/>
               </a:spcBef>
@@ -9190,11 +9416,11 @@
 </file>
 
 <file path=ppt/slides/slide16.xml><?xml version="1.0" encoding="utf-8"?>
-<p:sld xmlns:a="http://schemas.openxmlformats.org/drawingml/2006/main" xmlns:r="http://schemas.openxmlformats.org/officeDocument/2006/relationships" xmlns:mc="http://schemas.openxmlformats.org/markup-compatibility/2006" xmlns:mv="urn:schemas-microsoft-com:mac:vml" xmlns:p="http://schemas.openxmlformats.org/presentationml/2006/main" xmlns:c="http://schemas.openxmlformats.org/drawingml/2006/chart" xmlns:dgm="http://schemas.openxmlformats.org/drawingml/2006/diagram" xmlns:o="urn:schemas-microsoft-com:office:office" xmlns:v="urn:schemas-microsoft-com:vml" xmlns:pvml="urn:schemas-microsoft-com:office:powerpoint" xmlns:com="http://schemas.openxmlformats.org/drawingml/2006/compatibility" xmlns:p14="http://schemas.microsoft.com/office/powerpoint/2010/main" xmlns:p15="http://schemas.microsoft.com/office/powerpoint/2012/main" xmlns:ahyp="http://schemas.microsoft.com/office/drawing/2018/hyperlinkcolor">
+<p:sld xmlns:a="http://schemas.openxmlformats.org/drawingml/2006/main" xmlns:r="http://schemas.openxmlformats.org/officeDocument/2006/relationships" xmlns:p="http://schemas.openxmlformats.org/presentationml/2006/main">
   <p:cSld>
     <p:spTree>
       <p:nvGrpSpPr>
-        <p:cNvPr id="160" name="Shape 160"/>
+        <p:cNvPr id="1" name="Shape 160"/>
         <p:cNvGrpSpPr/>
         <p:nvPr/>
       </p:nvGrpSpPr>
@@ -9209,7 +9435,9 @@
       <p:sp>
         <p:nvSpPr>
           <p:cNvPr id="161" name="Google Shape;161;p28"/>
-          <p:cNvSpPr txBox="1"/>
+          <p:cNvSpPr txBox="1">
+            <a:spLocks noGrp="1"/>
+          </p:cNvSpPr>
           <p:nvPr>
             <p:ph type="title"/>
           </p:nvPr>
@@ -9224,12 +9452,12 @@
           </a:prstGeom>
         </p:spPr>
         <p:txBody>
-          <a:bodyPr anchorCtr="0" anchor="t" bIns="91425" lIns="91425" spcFirstLastPara="1" rIns="91425" wrap="square" tIns="91425">
+          <a:bodyPr spcFirstLastPara="1" wrap="square" lIns="91425" tIns="91425" rIns="91425" bIns="91425" anchor="t" anchorCtr="0">
             <a:normAutofit fontScale="90000"/>
           </a:bodyPr>
           <a:lstStyle/>
           <a:p>
-            <a:pPr indent="0" lvl="0" marL="0" rtl="0" algn="l">
+            <a:pPr marL="0" lvl="0" indent="0" algn="l" rtl="0">
               <a:spcBef>
                 <a:spcPts val="0"/>
               </a:spcBef>
@@ -9254,9 +9482,11 @@
       <p:sp>
         <p:nvSpPr>
           <p:cNvPr id="162" name="Google Shape;162;p28"/>
-          <p:cNvSpPr txBox="1"/>
+          <p:cNvSpPr txBox="1">
+            <a:spLocks noGrp="1"/>
+          </p:cNvSpPr>
           <p:nvPr>
-            <p:ph idx="1" type="body"/>
+            <p:ph type="body" idx="1"/>
           </p:nvPr>
         </p:nvSpPr>
         <p:spPr>
@@ -9269,12 +9499,12 @@
           </a:prstGeom>
         </p:spPr>
         <p:txBody>
-          <a:bodyPr anchorCtr="0" anchor="t" bIns="91425" lIns="91425" spcFirstLastPara="1" rIns="91425" wrap="square" tIns="91425">
+          <a:bodyPr spcFirstLastPara="1" wrap="square" lIns="91425" tIns="91425" rIns="91425" bIns="91425" anchor="t" anchorCtr="0">
             <a:normAutofit fontScale="77500" lnSpcReduction="10000"/>
           </a:bodyPr>
           <a:lstStyle/>
           <a:p>
-            <a:pPr indent="0" lvl="0" marL="0" rtl="0" algn="l">
+            <a:pPr marL="0" lvl="0" indent="0" algn="l" rtl="0">
               <a:spcBef>
                 <a:spcPts val="0"/>
               </a:spcBef>
@@ -9290,7 +9520,7 @@
             <a:endParaRPr/>
           </a:p>
           <a:p>
-            <a:pPr indent="-317182" lvl="0" marL="457200" rtl="0" algn="l">
+            <a:pPr marL="457200" lvl="0" indent="-317182" algn="l" rtl="0">
               <a:spcBef>
                 <a:spcPts val="1200"/>
               </a:spcBef>
@@ -9307,7 +9537,7 @@
             <a:endParaRPr/>
           </a:p>
           <a:p>
-            <a:pPr indent="-317182" lvl="0" marL="457200" rtl="0" algn="l">
+            <a:pPr marL="457200" lvl="0" indent="-317182" algn="l" rtl="0">
               <a:spcBef>
                 <a:spcPts val="0"/>
               </a:spcBef>
@@ -9324,7 +9554,7 @@
             <a:endParaRPr/>
           </a:p>
           <a:p>
-            <a:pPr indent="-317182" lvl="0" marL="457200" rtl="0" algn="l">
+            <a:pPr marL="457200" lvl="0" indent="-317182" algn="l" rtl="0">
               <a:spcBef>
                 <a:spcPts val="0"/>
               </a:spcBef>
@@ -9341,7 +9571,7 @@
             <a:endParaRPr/>
           </a:p>
           <a:p>
-            <a:pPr indent="-317182" lvl="0" marL="457200" rtl="0" algn="l">
+            <a:pPr marL="457200" lvl="0" indent="-317182" algn="l" rtl="0">
               <a:spcBef>
                 <a:spcPts val="0"/>
               </a:spcBef>
@@ -9358,7 +9588,7 @@
             <a:endParaRPr/>
           </a:p>
           <a:p>
-            <a:pPr indent="-317182" lvl="0" marL="457200" rtl="0" algn="l">
+            <a:pPr marL="457200" lvl="0" indent="-317182" algn="l" rtl="0">
               <a:spcBef>
                 <a:spcPts val="0"/>
               </a:spcBef>
@@ -9375,7 +9605,7 @@
             <a:endParaRPr/>
           </a:p>
           <a:p>
-            <a:pPr indent="-297497" lvl="1" marL="914400" rtl="0" algn="l">
+            <a:pPr marL="914400" lvl="1" indent="-297497" algn="l" rtl="0">
               <a:spcBef>
                 <a:spcPts val="0"/>
               </a:spcBef>
@@ -9392,7 +9622,7 @@
             <a:endParaRPr/>
           </a:p>
           <a:p>
-            <a:pPr indent="-317182" lvl="0" marL="457200" rtl="0" algn="l">
+            <a:pPr marL="457200" lvl="0" indent="-317182" algn="l" rtl="0">
               <a:spcBef>
                 <a:spcPts val="0"/>
               </a:spcBef>
@@ -9409,7 +9639,7 @@
             <a:endParaRPr/>
           </a:p>
           <a:p>
-            <a:pPr indent="-297497" lvl="1" marL="914400" rtl="0" algn="l">
+            <a:pPr marL="914400" lvl="1" indent="-297497" algn="l" rtl="0">
               <a:spcBef>
                 <a:spcPts val="0"/>
               </a:spcBef>
@@ -9426,7 +9656,7 @@
             <a:endParaRPr/>
           </a:p>
           <a:p>
-            <a:pPr indent="-297497" lvl="1" marL="914400" rtl="0" algn="l">
+            <a:pPr marL="914400" lvl="1" indent="-297497" algn="l" rtl="0">
               <a:spcBef>
                 <a:spcPts val="0"/>
               </a:spcBef>
@@ -9481,11 +9711,11 @@
 </file>
 
 <file path=ppt/slides/slide2.xml><?xml version="1.0" encoding="utf-8"?>
-<p:sld xmlns:a="http://schemas.openxmlformats.org/drawingml/2006/main" xmlns:r="http://schemas.openxmlformats.org/officeDocument/2006/relationships" xmlns:mc="http://schemas.openxmlformats.org/markup-compatibility/2006" xmlns:mv="urn:schemas-microsoft-com:mac:vml" xmlns:p="http://schemas.openxmlformats.org/presentationml/2006/main" xmlns:c="http://schemas.openxmlformats.org/drawingml/2006/chart" xmlns:dgm="http://schemas.openxmlformats.org/drawingml/2006/diagram" xmlns:o="urn:schemas-microsoft-com:office:office" xmlns:v="urn:schemas-microsoft-com:vml" xmlns:pvml="urn:schemas-microsoft-com:office:powerpoint" xmlns:com="http://schemas.openxmlformats.org/drawingml/2006/compatibility" xmlns:p14="http://schemas.microsoft.com/office/powerpoint/2010/main" xmlns:p15="http://schemas.microsoft.com/office/powerpoint/2012/main" xmlns:ahyp="http://schemas.microsoft.com/office/drawing/2018/hyperlinkcolor">
+<p:sld xmlns:a="http://schemas.openxmlformats.org/drawingml/2006/main" xmlns:r="http://schemas.openxmlformats.org/officeDocument/2006/relationships" xmlns:p="http://schemas.openxmlformats.org/presentationml/2006/main">
   <p:cSld>
     <p:spTree>
       <p:nvGrpSpPr>
-        <p:cNvPr id="58" name="Shape 58"/>
+        <p:cNvPr id="1" name="Shape 58"/>
         <p:cNvGrpSpPr/>
         <p:nvPr/>
       </p:nvGrpSpPr>
@@ -9500,7 +9730,9 @@
       <p:sp>
         <p:nvSpPr>
           <p:cNvPr id="59" name="Google Shape;59;p14"/>
-          <p:cNvSpPr txBox="1"/>
+          <p:cNvSpPr txBox="1">
+            <a:spLocks noGrp="1"/>
+          </p:cNvSpPr>
           <p:nvPr>
             <p:ph type="title"/>
           </p:nvPr>
@@ -9515,12 +9747,12 @@
           </a:prstGeom>
         </p:spPr>
         <p:txBody>
-          <a:bodyPr anchorCtr="0" anchor="t" bIns="91425" lIns="91425" spcFirstLastPara="1" rIns="91425" wrap="square" tIns="91425">
+          <a:bodyPr spcFirstLastPara="1" wrap="square" lIns="91425" tIns="91425" rIns="91425" bIns="91425" anchor="t" anchorCtr="0">
             <a:normAutofit fontScale="90000"/>
           </a:bodyPr>
           <a:lstStyle/>
           <a:p>
-            <a:pPr indent="0" lvl="0" marL="0" rtl="0" algn="l">
+            <a:pPr marL="0" lvl="0" indent="0" algn="l" rtl="0">
               <a:spcBef>
                 <a:spcPts val="0"/>
               </a:spcBef>
@@ -9540,9 +9772,11 @@
       <p:sp>
         <p:nvSpPr>
           <p:cNvPr id="60" name="Google Shape;60;p14"/>
-          <p:cNvSpPr txBox="1"/>
+          <p:cNvSpPr txBox="1">
+            <a:spLocks noGrp="1"/>
+          </p:cNvSpPr>
           <p:nvPr>
-            <p:ph idx="1" type="body"/>
+            <p:ph type="body" idx="1"/>
           </p:nvPr>
         </p:nvSpPr>
         <p:spPr>
@@ -9555,12 +9789,12 @@
           </a:prstGeom>
         </p:spPr>
         <p:txBody>
-          <a:bodyPr anchorCtr="0" anchor="t" bIns="91425" lIns="91425" spcFirstLastPara="1" rIns="91425" wrap="square" tIns="91425">
+          <a:bodyPr spcFirstLastPara="1" wrap="square" lIns="91425" tIns="91425" rIns="91425" bIns="91425" anchor="t" anchorCtr="0">
             <a:normAutofit/>
           </a:bodyPr>
           <a:lstStyle/>
           <a:p>
-            <a:pPr indent="0" lvl="0" marL="0" rtl="0" algn="l">
+            <a:pPr marL="0" lvl="0" indent="0" algn="l" rtl="0">
               <a:spcBef>
                 <a:spcPts val="0"/>
               </a:spcBef>
@@ -9589,7 +9823,7 @@
             <a:endParaRPr/>
           </a:p>
           <a:p>
-            <a:pPr indent="-342900" lvl="0" marL="457200" rtl="0" algn="l">
+            <a:pPr marL="457200" lvl="0" indent="-342900" algn="l" rtl="0">
               <a:spcBef>
                 <a:spcPts val="1200"/>
               </a:spcBef>
@@ -9606,7 +9840,7 @@
             <a:endParaRPr/>
           </a:p>
           <a:p>
-            <a:pPr indent="-317500" lvl="1" marL="914400" rtl="0" algn="l">
+            <a:pPr marL="914400" lvl="1" indent="-317500" algn="l" rtl="0">
               <a:spcBef>
                 <a:spcPts val="0"/>
               </a:spcBef>
@@ -9623,7 +9857,7 @@
             <a:endParaRPr/>
           </a:p>
           <a:p>
-            <a:pPr indent="-317500" lvl="1" marL="914400" rtl="0" algn="l">
+            <a:pPr marL="914400" lvl="1" indent="-317500" algn="l" rtl="0">
               <a:spcBef>
                 <a:spcPts val="0"/>
               </a:spcBef>
@@ -9640,7 +9874,7 @@
             <a:endParaRPr/>
           </a:p>
           <a:p>
-            <a:pPr indent="-342900" lvl="0" marL="457200" rtl="0" algn="l">
+            <a:pPr marL="457200" lvl="0" indent="-342900" algn="l" rtl="0">
               <a:spcBef>
                 <a:spcPts val="0"/>
               </a:spcBef>
@@ -9657,7 +9891,7 @@
             <a:endParaRPr/>
           </a:p>
           <a:p>
-            <a:pPr indent="-317500" lvl="1" marL="914400" rtl="0" algn="l">
+            <a:pPr marL="914400" lvl="1" indent="-317500" algn="l" rtl="0">
               <a:spcBef>
                 <a:spcPts val="0"/>
               </a:spcBef>
@@ -9674,7 +9908,7 @@
             <a:endParaRPr/>
           </a:p>
           <a:p>
-            <a:pPr indent="-342900" lvl="0" marL="457200" rtl="0" algn="l">
+            <a:pPr marL="457200" lvl="0" indent="-342900" algn="l" rtl="0">
               <a:spcBef>
                 <a:spcPts val="0"/>
               </a:spcBef>
@@ -9691,7 +9925,7 @@
             <a:endParaRPr/>
           </a:p>
           <a:p>
-            <a:pPr indent="-342900" lvl="0" marL="457200" rtl="0" algn="l">
+            <a:pPr marL="457200" lvl="0" indent="-342900" algn="l" rtl="0">
               <a:spcBef>
                 <a:spcPts val="0"/>
               </a:spcBef>
@@ -9718,11 +9952,11 @@
 </file>
 
 <file path=ppt/slides/slide3.xml><?xml version="1.0" encoding="utf-8"?>
-<p:sld xmlns:a="http://schemas.openxmlformats.org/drawingml/2006/main" xmlns:r="http://schemas.openxmlformats.org/officeDocument/2006/relationships" xmlns:mc="http://schemas.openxmlformats.org/markup-compatibility/2006" xmlns:mv="urn:schemas-microsoft-com:mac:vml" xmlns:p="http://schemas.openxmlformats.org/presentationml/2006/main" xmlns:c="http://schemas.openxmlformats.org/drawingml/2006/chart" xmlns:dgm="http://schemas.openxmlformats.org/drawingml/2006/diagram" xmlns:o="urn:schemas-microsoft-com:office:office" xmlns:v="urn:schemas-microsoft-com:vml" xmlns:pvml="urn:schemas-microsoft-com:office:powerpoint" xmlns:com="http://schemas.openxmlformats.org/drawingml/2006/compatibility" xmlns:p14="http://schemas.microsoft.com/office/powerpoint/2010/main" xmlns:p15="http://schemas.microsoft.com/office/powerpoint/2012/main" xmlns:ahyp="http://schemas.microsoft.com/office/drawing/2018/hyperlinkcolor">
+<p:sld xmlns:a="http://schemas.openxmlformats.org/drawingml/2006/main" xmlns:r="http://schemas.openxmlformats.org/officeDocument/2006/relationships" xmlns:p="http://schemas.openxmlformats.org/presentationml/2006/main">
   <p:cSld>
     <p:spTree>
       <p:nvGrpSpPr>
-        <p:cNvPr id="64" name="Shape 64"/>
+        <p:cNvPr id="1" name="Shape 64"/>
         <p:cNvGrpSpPr/>
         <p:nvPr/>
       </p:nvGrpSpPr>
@@ -9737,7 +9971,9 @@
       <p:sp>
         <p:nvSpPr>
           <p:cNvPr id="65" name="Google Shape;65;p15"/>
-          <p:cNvSpPr txBox="1"/>
+          <p:cNvSpPr txBox="1">
+            <a:spLocks noGrp="1"/>
+          </p:cNvSpPr>
           <p:nvPr>
             <p:ph type="title"/>
           </p:nvPr>
@@ -9752,12 +9988,12 @@
           </a:prstGeom>
         </p:spPr>
         <p:txBody>
-          <a:bodyPr anchorCtr="0" anchor="t" bIns="91425" lIns="91425" spcFirstLastPara="1" rIns="91425" wrap="square" tIns="91425">
+          <a:bodyPr spcFirstLastPara="1" wrap="square" lIns="91425" tIns="91425" rIns="91425" bIns="91425" anchor="t" anchorCtr="0">
             <a:normAutofit fontScale="90000"/>
           </a:bodyPr>
           <a:lstStyle/>
           <a:p>
-            <a:pPr indent="0" lvl="0" marL="0" rtl="0" algn="l">
+            <a:pPr marL="0" lvl="0" indent="0" algn="l" rtl="0">
               <a:spcBef>
                 <a:spcPts val="0"/>
               </a:spcBef>
@@ -9777,9 +10013,11 @@
       <p:sp>
         <p:nvSpPr>
           <p:cNvPr id="66" name="Google Shape;66;p15"/>
-          <p:cNvSpPr txBox="1"/>
+          <p:cNvSpPr txBox="1">
+            <a:spLocks noGrp="1"/>
+          </p:cNvSpPr>
           <p:nvPr>
-            <p:ph idx="1" type="body"/>
+            <p:ph type="body" idx="1"/>
           </p:nvPr>
         </p:nvSpPr>
         <p:spPr>
@@ -9792,12 +10030,12 @@
           </a:prstGeom>
         </p:spPr>
         <p:txBody>
-          <a:bodyPr anchorCtr="0" anchor="t" bIns="91425" lIns="91425" spcFirstLastPara="1" rIns="91425" wrap="square" tIns="91425">
+          <a:bodyPr spcFirstLastPara="1" wrap="square" lIns="91425" tIns="91425" rIns="91425" bIns="91425" anchor="t" anchorCtr="0">
             <a:normAutofit fontScale="70000" lnSpcReduction="10000"/>
           </a:bodyPr>
           <a:lstStyle/>
           <a:p>
-            <a:pPr indent="-308610" lvl="0" marL="457200" rtl="0" algn="l">
+            <a:pPr marL="457200" lvl="0" indent="-308610" algn="l" rtl="0">
               <a:spcBef>
                 <a:spcPts val="0"/>
               </a:spcBef>
@@ -9814,7 +10052,7 @@
             <a:endParaRPr/>
           </a:p>
           <a:p>
-            <a:pPr indent="-308610" lvl="0" marL="457200" rtl="0" algn="l">
+            <a:pPr marL="457200" lvl="0" indent="-308610" algn="l" rtl="0">
               <a:spcBef>
                 <a:spcPts val="0"/>
               </a:spcBef>
@@ -9831,7 +10069,7 @@
             <a:endParaRPr/>
           </a:p>
           <a:p>
-            <a:pPr indent="-290830" lvl="1" marL="914400" rtl="0" algn="l">
+            <a:pPr marL="914400" lvl="1" indent="-290830" algn="l" rtl="0">
               <a:spcBef>
                 <a:spcPts val="0"/>
               </a:spcBef>
@@ -9848,7 +10086,7 @@
             <a:endParaRPr/>
           </a:p>
           <a:p>
-            <a:pPr indent="-308610" lvl="0" marL="457200" rtl="0" algn="l">
+            <a:pPr marL="457200" lvl="0" indent="-308610" algn="l" rtl="0">
               <a:spcBef>
                 <a:spcPts val="0"/>
               </a:spcBef>
@@ -9865,7 +10103,7 @@
             <a:endParaRPr/>
           </a:p>
           <a:p>
-            <a:pPr indent="-290830" lvl="1" marL="914400" rtl="0" algn="l">
+            <a:pPr marL="914400" lvl="1" indent="-290830" algn="l" rtl="0">
               <a:spcBef>
                 <a:spcPts val="0"/>
               </a:spcBef>
@@ -9882,7 +10120,7 @@
             <a:endParaRPr/>
           </a:p>
           <a:p>
-            <a:pPr indent="-308610" lvl="0" marL="457200" rtl="0" algn="l">
+            <a:pPr marL="457200" lvl="0" indent="-308610" algn="l" rtl="0">
               <a:spcBef>
                 <a:spcPts val="0"/>
               </a:spcBef>
@@ -9899,7 +10137,7 @@
             <a:endParaRPr/>
           </a:p>
           <a:p>
-            <a:pPr indent="-308610" lvl="0" marL="457200" rtl="0" algn="l">
+            <a:pPr marL="457200" lvl="0" indent="-308610" algn="l" rtl="0">
               <a:spcBef>
                 <a:spcPts val="0"/>
               </a:spcBef>
@@ -9916,7 +10154,7 @@
             <a:endParaRPr/>
           </a:p>
           <a:p>
-            <a:pPr indent="-308610" lvl="0" marL="457200" rtl="0" algn="l">
+            <a:pPr marL="457200" lvl="0" indent="-308610" algn="l" rtl="0">
               <a:spcBef>
                 <a:spcPts val="0"/>
               </a:spcBef>
@@ -9933,7 +10171,7 @@
             <a:endParaRPr/>
           </a:p>
           <a:p>
-            <a:pPr indent="-308610" lvl="0" marL="457200" rtl="0" algn="l">
+            <a:pPr marL="457200" lvl="0" indent="-308610" algn="l" rtl="0">
               <a:spcBef>
                 <a:spcPts val="0"/>
               </a:spcBef>
@@ -9950,7 +10188,7 @@
             <a:endParaRPr/>
           </a:p>
           <a:p>
-            <a:pPr indent="-308610" lvl="0" marL="457200" rtl="0" algn="l">
+            <a:pPr marL="457200" lvl="0" indent="-308610" algn="l" rtl="0">
               <a:spcBef>
                 <a:spcPts val="0"/>
               </a:spcBef>
@@ -9967,7 +10205,7 @@
             <a:endParaRPr/>
           </a:p>
           <a:p>
-            <a:pPr indent="-308610" lvl="0" marL="457200" rtl="0" algn="l">
+            <a:pPr marL="457200" lvl="0" indent="-308610" algn="l" rtl="0">
               <a:spcBef>
                 <a:spcPts val="0"/>
               </a:spcBef>
@@ -10022,11 +10260,11 @@
 </file>
 
 <file path=ppt/slides/slide4.xml><?xml version="1.0" encoding="utf-8"?>
-<p:sld xmlns:a="http://schemas.openxmlformats.org/drawingml/2006/main" xmlns:r="http://schemas.openxmlformats.org/officeDocument/2006/relationships" xmlns:mc="http://schemas.openxmlformats.org/markup-compatibility/2006" xmlns:mv="urn:schemas-microsoft-com:mac:vml" xmlns:p="http://schemas.openxmlformats.org/presentationml/2006/main" xmlns:c="http://schemas.openxmlformats.org/drawingml/2006/chart" xmlns:dgm="http://schemas.openxmlformats.org/drawingml/2006/diagram" xmlns:o="urn:schemas-microsoft-com:office:office" xmlns:v="urn:schemas-microsoft-com:vml" xmlns:pvml="urn:schemas-microsoft-com:office:powerpoint" xmlns:com="http://schemas.openxmlformats.org/drawingml/2006/compatibility" xmlns:p14="http://schemas.microsoft.com/office/powerpoint/2010/main" xmlns:p15="http://schemas.microsoft.com/office/powerpoint/2012/main" xmlns:ahyp="http://schemas.microsoft.com/office/drawing/2018/hyperlinkcolor">
+<p:sld xmlns:a="http://schemas.openxmlformats.org/drawingml/2006/main" xmlns:r="http://schemas.openxmlformats.org/officeDocument/2006/relationships" xmlns:p="http://schemas.openxmlformats.org/presentationml/2006/main">
   <p:cSld>
     <p:spTree>
       <p:nvGrpSpPr>
-        <p:cNvPr id="71" name="Shape 71"/>
+        <p:cNvPr id="1" name="Shape 71"/>
         <p:cNvGrpSpPr/>
         <p:nvPr/>
       </p:nvGrpSpPr>
@@ -10041,7 +10279,9 @@
       <p:sp>
         <p:nvSpPr>
           <p:cNvPr id="72" name="Google Shape;72;p16"/>
-          <p:cNvSpPr txBox="1"/>
+          <p:cNvSpPr txBox="1">
+            <a:spLocks noGrp="1"/>
+          </p:cNvSpPr>
           <p:nvPr>
             <p:ph type="title"/>
           </p:nvPr>
@@ -10056,12 +10296,12 @@
           </a:prstGeom>
         </p:spPr>
         <p:txBody>
-          <a:bodyPr anchorCtr="0" anchor="t" bIns="91425" lIns="91425" spcFirstLastPara="1" rIns="91425" wrap="square" tIns="91425">
+          <a:bodyPr spcFirstLastPara="1" wrap="square" lIns="91425" tIns="91425" rIns="91425" bIns="91425" anchor="t" anchorCtr="0">
             <a:normAutofit fontScale="90000"/>
           </a:bodyPr>
           <a:lstStyle/>
           <a:p>
-            <a:pPr indent="0" lvl="0" marL="0" rtl="0" algn="l">
+            <a:pPr marL="0" lvl="0" indent="0" algn="l" rtl="0">
               <a:spcBef>
                 <a:spcPts val="0"/>
               </a:spcBef>
@@ -10081,9 +10321,11 @@
       <p:sp>
         <p:nvSpPr>
           <p:cNvPr id="73" name="Google Shape;73;p16"/>
-          <p:cNvSpPr txBox="1"/>
+          <p:cNvSpPr txBox="1">
+            <a:spLocks noGrp="1"/>
+          </p:cNvSpPr>
           <p:nvPr>
-            <p:ph idx="1" type="body"/>
+            <p:ph type="body" idx="1"/>
           </p:nvPr>
         </p:nvSpPr>
         <p:spPr>
@@ -10096,12 +10338,12 @@
           </a:prstGeom>
         </p:spPr>
         <p:txBody>
-          <a:bodyPr anchorCtr="0" anchor="t" bIns="91425" lIns="91425" spcFirstLastPara="1" rIns="91425" wrap="square" tIns="91425">
+          <a:bodyPr spcFirstLastPara="1" wrap="square" lIns="91425" tIns="91425" rIns="91425" bIns="91425" anchor="t" anchorCtr="0">
             <a:normAutofit fontScale="62500" lnSpcReduction="10000"/>
           </a:bodyPr>
           <a:lstStyle/>
           <a:p>
-            <a:pPr indent="-300037" lvl="0" marL="457200" rtl="0" algn="l">
+            <a:pPr marL="457200" lvl="0" indent="-300037" algn="l" rtl="0">
               <a:spcBef>
                 <a:spcPts val="0"/>
               </a:spcBef>
@@ -10118,7 +10360,7 @@
             <a:endParaRPr/>
           </a:p>
           <a:p>
-            <a:pPr indent="-284162" lvl="1" marL="914400" rtl="0" algn="l">
+            <a:pPr marL="914400" lvl="1" indent="-284162" algn="l" rtl="0">
               <a:spcBef>
                 <a:spcPts val="0"/>
               </a:spcBef>
@@ -10135,7 +10377,7 @@
             <a:endParaRPr/>
           </a:p>
           <a:p>
-            <a:pPr indent="-300037" lvl="0" marL="457200" rtl="0" algn="l">
+            <a:pPr marL="457200" lvl="0" indent="-300037" algn="l" rtl="0">
               <a:spcBef>
                 <a:spcPts val="0"/>
               </a:spcBef>
@@ -10152,7 +10394,7 @@
             <a:endParaRPr/>
           </a:p>
           <a:p>
-            <a:pPr indent="-300037" lvl="0" marL="457200" rtl="0" algn="l">
+            <a:pPr marL="457200" lvl="0" indent="-300037" algn="l" rtl="0">
               <a:spcBef>
                 <a:spcPts val="0"/>
               </a:spcBef>
@@ -10169,7 +10411,7 @@
             <a:endParaRPr/>
           </a:p>
           <a:p>
-            <a:pPr indent="-284162" lvl="1" marL="914400" rtl="0" algn="l">
+            <a:pPr marL="914400" lvl="1" indent="-284162" algn="l" rtl="0">
               <a:spcBef>
                 <a:spcPts val="0"/>
               </a:spcBef>
@@ -10186,7 +10428,7 @@
             <a:endParaRPr/>
           </a:p>
           <a:p>
-            <a:pPr indent="-284162" lvl="1" marL="914400" rtl="0" algn="l">
+            <a:pPr marL="914400" lvl="1" indent="-284162" algn="l" rtl="0">
               <a:spcBef>
                 <a:spcPts val="0"/>
               </a:spcBef>
@@ -10203,7 +10445,7 @@
             <a:endParaRPr/>
           </a:p>
           <a:p>
-            <a:pPr indent="-284162" lvl="1" marL="914400" rtl="0" algn="l">
+            <a:pPr marL="914400" lvl="1" indent="-284162" algn="l" rtl="0">
               <a:spcBef>
                 <a:spcPts val="0"/>
               </a:spcBef>
@@ -10220,7 +10462,7 @@
             <a:endParaRPr/>
           </a:p>
           <a:p>
-            <a:pPr indent="-300037" lvl="0" marL="457200" rtl="0" algn="l">
+            <a:pPr marL="457200" lvl="0" indent="-300037" algn="l" rtl="0">
               <a:spcBef>
                 <a:spcPts val="0"/>
               </a:spcBef>
@@ -10237,7 +10479,7 @@
             <a:endParaRPr/>
           </a:p>
           <a:p>
-            <a:pPr indent="-300037" lvl="0" marL="457200" rtl="0" algn="l">
+            <a:pPr marL="457200" lvl="0" indent="-300037" algn="l" rtl="0">
               <a:spcBef>
                 <a:spcPts val="0"/>
               </a:spcBef>
@@ -10254,7 +10496,7 @@
             <a:endParaRPr/>
           </a:p>
           <a:p>
-            <a:pPr indent="-284162" lvl="1" marL="914400" rtl="0" algn="l">
+            <a:pPr marL="914400" lvl="1" indent="-284162" algn="l" rtl="0">
               <a:spcBef>
                 <a:spcPts val="0"/>
               </a:spcBef>
@@ -10271,7 +10513,7 @@
             <a:endParaRPr/>
           </a:p>
           <a:p>
-            <a:pPr indent="-300037" lvl="0" marL="457200" rtl="0" algn="l">
+            <a:pPr marL="457200" lvl="0" indent="-300037" algn="l" rtl="0">
               <a:spcBef>
                 <a:spcPts val="0"/>
               </a:spcBef>
@@ -10288,7 +10530,7 @@
             <a:endParaRPr/>
           </a:p>
           <a:p>
-            <a:pPr indent="-300037" lvl="0" marL="457200" rtl="0" algn="l">
+            <a:pPr marL="457200" lvl="0" indent="-300037" algn="l" rtl="0">
               <a:spcBef>
                 <a:spcPts val="0"/>
               </a:spcBef>
@@ -10305,7 +10547,7 @@
             <a:endParaRPr/>
           </a:p>
           <a:p>
-            <a:pPr indent="-284162" lvl="1" marL="914400" rtl="0" algn="l">
+            <a:pPr marL="914400" lvl="1" indent="-284162" algn="l" rtl="0">
               <a:spcBef>
                 <a:spcPts val="0"/>
               </a:spcBef>
@@ -10322,7 +10564,7 @@
             <a:endParaRPr/>
           </a:p>
           <a:p>
-            <a:pPr indent="-300037" lvl="0" marL="457200" rtl="0" algn="l">
+            <a:pPr marL="457200" lvl="0" indent="-300037" algn="l" rtl="0">
               <a:spcBef>
                 <a:spcPts val="0"/>
               </a:spcBef>
@@ -10339,7 +10581,7 @@
             <a:endParaRPr/>
           </a:p>
           <a:p>
-            <a:pPr indent="-284162" lvl="1" marL="914400" rtl="0" algn="l">
+            <a:pPr marL="914400" lvl="1" indent="-284162" algn="l" rtl="0">
               <a:spcBef>
                 <a:spcPts val="0"/>
               </a:spcBef>
@@ -10356,7 +10598,7 @@
             <a:endParaRPr/>
           </a:p>
           <a:p>
-            <a:pPr indent="-284162" lvl="1" marL="914400" rtl="0" algn="l">
+            <a:pPr marL="914400" lvl="1" indent="-284162" algn="l" rtl="0">
               <a:spcBef>
                 <a:spcPts val="0"/>
               </a:spcBef>
@@ -10373,7 +10615,7 @@
             <a:endParaRPr/>
           </a:p>
           <a:p>
-            <a:pPr indent="-284162" lvl="1" marL="914400" rtl="0" algn="l">
+            <a:pPr marL="914400" lvl="1" indent="-284162" algn="l" rtl="0">
               <a:spcBef>
                 <a:spcPts val="0"/>
               </a:spcBef>
@@ -10390,7 +10632,7 @@
             <a:endParaRPr/>
           </a:p>
           <a:p>
-            <a:pPr indent="-300037" lvl="0" marL="457200" rtl="0" algn="l">
+            <a:pPr marL="457200" lvl="0" indent="-300037" algn="l" rtl="0">
               <a:spcBef>
                 <a:spcPts val="0"/>
               </a:spcBef>
@@ -10417,11 +10659,11 @@
 </file>
 
 <file path=ppt/slides/slide5.xml><?xml version="1.0" encoding="utf-8"?>
-<p:sld xmlns:a="http://schemas.openxmlformats.org/drawingml/2006/main" xmlns:r="http://schemas.openxmlformats.org/officeDocument/2006/relationships" xmlns:mc="http://schemas.openxmlformats.org/markup-compatibility/2006" xmlns:mv="urn:schemas-microsoft-com:mac:vml" xmlns:p="http://schemas.openxmlformats.org/presentationml/2006/main" xmlns:c="http://schemas.openxmlformats.org/drawingml/2006/chart" xmlns:dgm="http://schemas.openxmlformats.org/drawingml/2006/diagram" xmlns:o="urn:schemas-microsoft-com:office:office" xmlns:v="urn:schemas-microsoft-com:vml" xmlns:pvml="urn:schemas-microsoft-com:office:powerpoint" xmlns:com="http://schemas.openxmlformats.org/drawingml/2006/compatibility" xmlns:p14="http://schemas.microsoft.com/office/powerpoint/2010/main" xmlns:p15="http://schemas.microsoft.com/office/powerpoint/2012/main" xmlns:ahyp="http://schemas.microsoft.com/office/drawing/2018/hyperlinkcolor">
+<p:sld xmlns:a="http://schemas.openxmlformats.org/drawingml/2006/main" xmlns:r="http://schemas.openxmlformats.org/officeDocument/2006/relationships" xmlns:p="http://schemas.openxmlformats.org/presentationml/2006/main">
   <p:cSld>
     <p:spTree>
       <p:nvGrpSpPr>
-        <p:cNvPr id="77" name="Shape 77"/>
+        <p:cNvPr id="1" name="Shape 77"/>
         <p:cNvGrpSpPr/>
         <p:nvPr/>
       </p:nvGrpSpPr>
@@ -10436,7 +10678,9 @@
       <p:sp>
         <p:nvSpPr>
           <p:cNvPr id="78" name="Google Shape;78;p17"/>
-          <p:cNvSpPr txBox="1"/>
+          <p:cNvSpPr txBox="1">
+            <a:spLocks noGrp="1"/>
+          </p:cNvSpPr>
           <p:nvPr>
             <p:ph type="title"/>
           </p:nvPr>
@@ -10451,12 +10695,12 @@
           </a:prstGeom>
         </p:spPr>
         <p:txBody>
-          <a:bodyPr anchorCtr="0" anchor="t" bIns="91425" lIns="91425" spcFirstLastPara="1" rIns="91425" wrap="square" tIns="91425">
+          <a:bodyPr spcFirstLastPara="1" wrap="square" lIns="91425" tIns="91425" rIns="91425" bIns="91425" anchor="t" anchorCtr="0">
             <a:normAutofit fontScale="90000"/>
           </a:bodyPr>
           <a:lstStyle/>
           <a:p>
-            <a:pPr indent="0" lvl="0" marL="0" rtl="0" algn="l">
+            <a:pPr marL="0" lvl="0" indent="0" algn="l" rtl="0">
               <a:spcBef>
                 <a:spcPts val="0"/>
               </a:spcBef>
@@ -10476,9 +10720,11 @@
       <p:sp>
         <p:nvSpPr>
           <p:cNvPr id="79" name="Google Shape;79;p17"/>
-          <p:cNvSpPr txBox="1"/>
+          <p:cNvSpPr txBox="1">
+            <a:spLocks noGrp="1"/>
+          </p:cNvSpPr>
           <p:nvPr>
-            <p:ph idx="1" type="body"/>
+            <p:ph type="body" idx="1"/>
           </p:nvPr>
         </p:nvSpPr>
         <p:spPr>
@@ -10491,12 +10737,12 @@
           </a:prstGeom>
         </p:spPr>
         <p:txBody>
-          <a:bodyPr anchorCtr="0" anchor="t" bIns="91425" lIns="91425" spcFirstLastPara="1" rIns="91425" wrap="square" tIns="91425">
+          <a:bodyPr spcFirstLastPara="1" wrap="square" lIns="91425" tIns="91425" rIns="91425" bIns="91425" anchor="t" anchorCtr="0">
             <a:normAutofit fontScale="70000" lnSpcReduction="10000"/>
           </a:bodyPr>
           <a:lstStyle/>
           <a:p>
-            <a:pPr indent="-308610" lvl="0" marL="457200" rtl="0" algn="l">
+            <a:pPr marL="457200" lvl="0" indent="-308610" algn="l" rtl="0">
               <a:spcBef>
                 <a:spcPts val="0"/>
               </a:spcBef>
@@ -10513,7 +10759,7 @@
             <a:endParaRPr/>
           </a:p>
           <a:p>
-            <a:pPr indent="-308610" lvl="0" marL="457200" rtl="0" algn="l">
+            <a:pPr marL="457200" lvl="0" indent="-308610" algn="l" rtl="0">
               <a:spcBef>
                 <a:spcPts val="0"/>
               </a:spcBef>
@@ -10530,7 +10776,7 @@
             <a:endParaRPr/>
           </a:p>
           <a:p>
-            <a:pPr indent="0" lvl="0" marL="0" rtl="0" algn="l">
+            <a:pPr marL="0" lvl="0" indent="0" algn="l" rtl="0">
               <a:spcBef>
                 <a:spcPts val="1200"/>
               </a:spcBef>
@@ -10546,7 +10792,7 @@
             <a:endParaRPr/>
           </a:p>
           <a:p>
-            <a:pPr indent="-308610" lvl="0" marL="457200" rtl="0" algn="l">
+            <a:pPr marL="457200" lvl="0" indent="-308610" algn="l" rtl="0">
               <a:spcBef>
                 <a:spcPts val="1200"/>
               </a:spcBef>
@@ -10563,7 +10809,7 @@
             <a:endParaRPr/>
           </a:p>
           <a:p>
-            <a:pPr indent="-290830" lvl="1" marL="914400" rtl="0" algn="l">
+            <a:pPr marL="914400" lvl="1" indent="-290830" algn="l" rtl="0">
               <a:spcBef>
                 <a:spcPts val="0"/>
               </a:spcBef>
@@ -10578,7 +10824,7 @@
               <a:t>시계열 데이터 집합 X = [x</a:t>
             </a:r>
             <a:r>
-              <a:rPr baseline="-25000" lang="ko"/>
+              <a:rPr lang="ko" baseline="-25000"/>
               <a:t>1 </a:t>
             </a:r>
             <a:r>
@@ -10586,7 +10832,7 @@
               <a:t>, x</a:t>
             </a:r>
             <a:r>
-              <a:rPr baseline="-25000" lang="ko"/>
+              <a:rPr lang="ko" baseline="-25000"/>
               <a:t>2</a:t>
             </a:r>
             <a:r>
@@ -10594,7 +10840,7 @@
               <a:t>, … ,</a:t>
             </a:r>
             <a:r>
-              <a:rPr baseline="-25000" lang="ko"/>
+              <a:rPr lang="ko" baseline="-25000"/>
               <a:t> </a:t>
             </a:r>
             <a:r>
@@ -10602,7 +10848,7 @@
               <a:t>x</a:t>
             </a:r>
             <a:r>
-              <a:rPr baseline="-25000" lang="ko"/>
+              <a:rPr lang="ko" baseline="-25000"/>
               <a:t>T </a:t>
             </a:r>
             <a:r>
@@ -10612,7 +10858,7 @@
             <a:endParaRPr/>
           </a:p>
           <a:p>
-            <a:pPr indent="-290830" lvl="1" marL="914400" rtl="0" algn="l">
+            <a:pPr marL="914400" lvl="1" indent="-290830" algn="l" rtl="0">
               <a:spcBef>
                 <a:spcPts val="0"/>
               </a:spcBef>
@@ -10627,7 +10873,7 @@
               <a:t>잘 훈련된 딥러닝 모델 f(·) ∈ F : R</a:t>
             </a:r>
             <a:r>
-              <a:rPr baseline="30000" lang="ko"/>
+              <a:rPr lang="ko" baseline="30000"/>
               <a:t>T </a:t>
             </a:r>
             <a:r>
@@ -10637,7 +10883,7 @@
             <a:endParaRPr/>
           </a:p>
           <a:p>
-            <a:pPr indent="-290830" lvl="1" marL="914400" rtl="0" algn="l">
+            <a:pPr marL="914400" lvl="1" indent="-290830" algn="l" rtl="0">
               <a:spcBef>
                 <a:spcPts val="0"/>
               </a:spcBef>
@@ -10654,7 +10900,7 @@
             <a:endParaRPr/>
           </a:p>
           <a:p>
-            <a:pPr indent="-290830" lvl="1" marL="914400" rtl="0" algn="l">
+            <a:pPr marL="914400" lvl="1" indent="-290830" algn="l" rtl="0">
               <a:spcBef>
                 <a:spcPts val="0"/>
               </a:spcBef>
@@ -10671,7 +10917,7 @@
             <a:endParaRPr/>
           </a:p>
           <a:p>
-            <a:pPr indent="-308610" lvl="0" marL="457200" rtl="0" algn="l">
+            <a:pPr marL="457200" lvl="0" indent="-308610" algn="l" rtl="0">
               <a:spcBef>
                 <a:spcPts val="0"/>
               </a:spcBef>
@@ -10688,7 +10934,7 @@
             <a:endParaRPr/>
           </a:p>
           <a:p>
-            <a:pPr indent="-290830" lvl="1" marL="914400" rtl="0" algn="l">
+            <a:pPr marL="914400" lvl="1" indent="-290830" algn="l" rtl="0">
               <a:spcBef>
                 <a:spcPts val="0"/>
               </a:spcBef>
@@ -10705,7 +10951,7 @@
             <a:endParaRPr/>
           </a:p>
           <a:p>
-            <a:pPr indent="-290830" lvl="1" marL="914400" rtl="0" algn="l">
+            <a:pPr marL="914400" lvl="1" indent="-290830" algn="l" rtl="0">
               <a:spcBef>
                 <a:spcPts val="0"/>
               </a:spcBef>
@@ -10722,7 +10968,7 @@
             <a:endParaRPr/>
           </a:p>
           <a:p>
-            <a:pPr indent="-290830" lvl="1" marL="914400" rtl="0" algn="l">
+            <a:pPr marL="914400" lvl="1" indent="-290830" algn="l" rtl="0">
               <a:spcBef>
                 <a:spcPts val="0"/>
               </a:spcBef>
@@ -10739,7 +10985,7 @@
             <a:endParaRPr/>
           </a:p>
           <a:p>
-            <a:pPr indent="-290830" lvl="1" marL="914400" rtl="0" algn="l">
+            <a:pPr marL="914400" lvl="1" indent="-290830" algn="l" rtl="0">
               <a:spcBef>
                 <a:spcPts val="0"/>
               </a:spcBef>
@@ -10756,7 +11002,7 @@
             <a:endParaRPr/>
           </a:p>
           <a:p>
-            <a:pPr indent="-290830" lvl="1" marL="914400" rtl="0" algn="l">
+            <a:pPr marL="914400" lvl="1" indent="-290830" algn="l" rtl="0">
               <a:spcBef>
                 <a:spcPts val="0"/>
               </a:spcBef>
@@ -10773,7 +11019,7 @@
             <a:endParaRPr/>
           </a:p>
           <a:p>
-            <a:pPr indent="-308610" lvl="0" marL="457200" rtl="0" algn="l">
+            <a:pPr marL="457200" lvl="0" indent="-308610" algn="l" rtl="0">
               <a:spcBef>
                 <a:spcPts val="0"/>
               </a:spcBef>
@@ -10790,7 +11036,7 @@
             <a:endParaRPr/>
           </a:p>
           <a:p>
-            <a:pPr indent="-290830" lvl="1" marL="914400" rtl="0" algn="l">
+            <a:pPr marL="914400" lvl="1" indent="-290830" algn="l" rtl="0">
               <a:spcBef>
                 <a:spcPts val="0"/>
               </a:spcBef>
@@ -10807,7 +11053,7 @@
             <a:endParaRPr/>
           </a:p>
           <a:p>
-            <a:pPr indent="-290830" lvl="1" marL="914400" rtl="0" algn="l">
+            <a:pPr marL="914400" lvl="1" indent="-290830" algn="l" rtl="0">
               <a:spcBef>
                 <a:spcPts val="0"/>
               </a:spcBef>
@@ -10918,11 +11164,11 @@
 </file>
 
 <file path=ppt/slides/slide6.xml><?xml version="1.0" encoding="utf-8"?>
-<p:sld xmlns:a="http://schemas.openxmlformats.org/drawingml/2006/main" xmlns:r="http://schemas.openxmlformats.org/officeDocument/2006/relationships" xmlns:mc="http://schemas.openxmlformats.org/markup-compatibility/2006" xmlns:mv="urn:schemas-microsoft-com:mac:vml" xmlns:p="http://schemas.openxmlformats.org/presentationml/2006/main" xmlns:c="http://schemas.openxmlformats.org/drawingml/2006/chart" xmlns:dgm="http://schemas.openxmlformats.org/drawingml/2006/diagram" xmlns:o="urn:schemas-microsoft-com:office:office" xmlns:v="urn:schemas-microsoft-com:vml" xmlns:pvml="urn:schemas-microsoft-com:office:powerpoint" xmlns:com="http://schemas.openxmlformats.org/drawingml/2006/compatibility" xmlns:p14="http://schemas.microsoft.com/office/powerpoint/2010/main" xmlns:p15="http://schemas.microsoft.com/office/powerpoint/2012/main" xmlns:ahyp="http://schemas.microsoft.com/office/drawing/2018/hyperlinkcolor">
+<p:sld xmlns:a="http://schemas.openxmlformats.org/drawingml/2006/main" xmlns:r="http://schemas.openxmlformats.org/officeDocument/2006/relationships" xmlns:p="http://schemas.openxmlformats.org/presentationml/2006/main">
   <p:cSld>
     <p:spTree>
       <p:nvGrpSpPr>
-        <p:cNvPr id="86" name="Shape 86"/>
+        <p:cNvPr id="1" name="Shape 86"/>
         <p:cNvGrpSpPr/>
         <p:nvPr/>
       </p:nvGrpSpPr>
@@ -10937,7 +11183,9 @@
       <p:sp>
         <p:nvSpPr>
           <p:cNvPr id="87" name="Google Shape;87;p18"/>
-          <p:cNvSpPr txBox="1"/>
+          <p:cNvSpPr txBox="1">
+            <a:spLocks noGrp="1"/>
+          </p:cNvSpPr>
           <p:nvPr>
             <p:ph type="title"/>
           </p:nvPr>
@@ -10952,12 +11200,12 @@
           </a:prstGeom>
         </p:spPr>
         <p:txBody>
-          <a:bodyPr anchorCtr="0" anchor="t" bIns="91425" lIns="91425" spcFirstLastPara="1" rIns="91425" wrap="square" tIns="91425">
+          <a:bodyPr spcFirstLastPara="1" wrap="square" lIns="91425" tIns="91425" rIns="91425" bIns="91425" anchor="t" anchorCtr="0">
             <a:normAutofit fontScale="90000"/>
           </a:bodyPr>
           <a:lstStyle/>
           <a:p>
-            <a:pPr indent="0" lvl="0" marL="0" rtl="0" algn="l">
+            <a:pPr marL="0" lvl="0" indent="0" algn="l" rtl="0">
               <a:spcBef>
                 <a:spcPts val="0"/>
               </a:spcBef>
@@ -10973,18 +11221,15 @@
             <a:endParaRPr/>
           </a:p>
           <a:p>
-            <a:pPr indent="0" lvl="0" marL="0" rtl="0" algn="l">
-              <a:spcBef>
-                <a:spcPts val="0"/>
-              </a:spcBef>
-              <a:spcAft>
-                <a:spcPts val="0"/>
-              </a:spcAft>
-              <a:buNone/>
-            </a:pPr>
-            <a:r>
-              <a:t/>
-            </a:r>
+            <a:pPr marL="0" lvl="0" indent="0" algn="l" rtl="0">
+              <a:spcBef>
+                <a:spcPts val="0"/>
+              </a:spcBef>
+              <a:spcAft>
+                <a:spcPts val="0"/>
+              </a:spcAft>
+              <a:buNone/>
+            </a:pPr>
             <a:endParaRPr/>
           </a:p>
         </p:txBody>
@@ -10992,9 +11237,11 @@
       <p:sp>
         <p:nvSpPr>
           <p:cNvPr id="88" name="Google Shape;88;p18"/>
-          <p:cNvSpPr txBox="1"/>
+          <p:cNvSpPr txBox="1">
+            <a:spLocks noGrp="1"/>
+          </p:cNvSpPr>
           <p:nvPr>
-            <p:ph idx="1" type="body"/>
+            <p:ph type="body" idx="1"/>
           </p:nvPr>
         </p:nvSpPr>
         <p:spPr>
@@ -11007,12 +11254,12 @@
           </a:prstGeom>
         </p:spPr>
         <p:txBody>
-          <a:bodyPr anchorCtr="0" anchor="t" bIns="91425" lIns="91425" spcFirstLastPara="1" rIns="91425" wrap="square" tIns="91425">
+          <a:bodyPr spcFirstLastPara="1" wrap="square" lIns="91425" tIns="91425" rIns="91425" bIns="91425" anchor="t" anchorCtr="0">
             <a:normAutofit fontScale="70000" lnSpcReduction="20000"/>
           </a:bodyPr>
           <a:lstStyle/>
           <a:p>
-            <a:pPr indent="0" lvl="0" marL="0" rtl="0" algn="l">
+            <a:pPr marL="0" lvl="0" indent="0" algn="l" rtl="0">
               <a:spcBef>
                 <a:spcPts val="0"/>
               </a:spcBef>
@@ -11036,7 +11283,7 @@
             </a:endParaRPr>
           </a:p>
           <a:p>
-            <a:pPr indent="-308610" lvl="0" marL="457200" rtl="0" algn="l">
+            <a:pPr marL="457200" lvl="0" indent="-308610" algn="l" rtl="0">
               <a:spcBef>
                 <a:spcPts val="1200"/>
               </a:spcBef>
@@ -11064,7 +11311,7 @@
             </a:endParaRPr>
           </a:p>
           <a:p>
-            <a:pPr indent="-290830" lvl="1" marL="914400" rtl="0" algn="l">
+            <a:pPr marL="914400" lvl="1" indent="-290830" algn="l" rtl="0">
               <a:spcBef>
                 <a:spcPts val="0"/>
               </a:spcBef>
@@ -11092,7 +11339,7 @@
             </a:endParaRPr>
           </a:p>
           <a:p>
-            <a:pPr indent="-290830" lvl="1" marL="914400" rtl="0" algn="l">
+            <a:pPr marL="914400" lvl="1" indent="-290830" algn="l" rtl="0">
               <a:spcBef>
                 <a:spcPts val="0"/>
               </a:spcBef>
@@ -11120,7 +11367,7 @@
             </a:endParaRPr>
           </a:p>
           <a:p>
-            <a:pPr indent="-290830" lvl="1" marL="914400" rtl="0" algn="l">
+            <a:pPr marL="914400" lvl="1" indent="-290830" algn="l" rtl="0">
               <a:spcBef>
                 <a:spcPts val="0"/>
               </a:spcBef>
@@ -11148,7 +11395,7 @@
             </a:endParaRPr>
           </a:p>
           <a:p>
-            <a:pPr indent="-290830" lvl="1" marL="914400" rtl="0" algn="l">
+            <a:pPr marL="914400" lvl="1" indent="-290830" algn="l" rtl="0">
               <a:spcBef>
                 <a:spcPts val="0"/>
               </a:spcBef>
@@ -11176,7 +11423,7 @@
             </a:endParaRPr>
           </a:p>
           <a:p>
-            <a:pPr indent="-308610" lvl="0" marL="457200" rtl="0" algn="l">
+            <a:pPr marL="457200" lvl="0" indent="-308610" algn="l" rtl="0">
               <a:spcBef>
                 <a:spcPts val="0"/>
               </a:spcBef>
@@ -11204,7 +11451,7 @@
             </a:endParaRPr>
           </a:p>
           <a:p>
-            <a:pPr indent="-290830" lvl="1" marL="914400" rtl="0" algn="l">
+            <a:pPr marL="914400" lvl="1" indent="-290830" algn="l" rtl="0">
               <a:spcBef>
                 <a:spcPts val="0"/>
               </a:spcBef>
@@ -11232,7 +11479,7 @@
             </a:endParaRPr>
           </a:p>
           <a:p>
-            <a:pPr indent="-290830" lvl="1" marL="914400" rtl="0" algn="l">
+            <a:pPr marL="914400" lvl="1" indent="-290830" algn="l" rtl="0">
               <a:spcBef>
                 <a:spcPts val="0"/>
               </a:spcBef>
@@ -11260,7 +11507,7 @@
             </a:endParaRPr>
           </a:p>
           <a:p>
-            <a:pPr indent="-290830" lvl="1" marL="914400" rtl="0" algn="l">
+            <a:pPr marL="914400" lvl="1" indent="-290830" algn="l" rtl="0">
               <a:spcBef>
                 <a:spcPts val="0"/>
               </a:spcBef>
@@ -11288,7 +11535,7 @@
             </a:endParaRPr>
           </a:p>
           <a:p>
-            <a:pPr indent="-290830" lvl="2" marL="1371600" rtl="0" algn="l">
+            <a:pPr marL="1371600" lvl="2" indent="-290830" algn="l" rtl="0">
               <a:spcBef>
                 <a:spcPts val="0"/>
               </a:spcBef>
@@ -11310,7 +11557,7 @@
               <a:t>이때 d</a:t>
             </a:r>
             <a:r>
-              <a:rPr baseline="-25000" lang="ko">
+              <a:rPr lang="ko" baseline="-25000">
                 <a:solidFill>
                   <a:schemeClr val="dk1"/>
                 </a:solidFill>
@@ -11326,7 +11573,7 @@
               <a:t>는 시계열 데이터 X</a:t>
             </a:r>
             <a:r>
-              <a:rPr baseline="-25000" lang="ko">
+              <a:rPr lang="ko" baseline="-25000">
                 <a:solidFill>
                   <a:schemeClr val="dk1"/>
                 </a:solidFill>
@@ -11342,7 +11589,7 @@
               <a:t> X</a:t>
             </a:r>
             <a:r>
-              <a:rPr baseline="-25000" lang="ko">
+              <a:rPr lang="ko" baseline="-25000">
                 <a:solidFill>
                   <a:schemeClr val="dk1"/>
                 </a:solidFill>
@@ -11364,7 +11611,7 @@
             </a:endParaRPr>
           </a:p>
           <a:p>
-            <a:pPr indent="-290830" lvl="1" marL="914400" rtl="0" algn="l">
+            <a:pPr marL="914400" lvl="1" indent="-290830" algn="l" rtl="0">
               <a:spcBef>
                 <a:spcPts val="0"/>
               </a:spcBef>
@@ -11392,7 +11639,7 @@
             </a:endParaRPr>
           </a:p>
           <a:p>
-            <a:pPr indent="-290830" lvl="1" marL="914400" rtl="0" algn="l">
+            <a:pPr marL="914400" lvl="1" indent="-290830" algn="l" rtl="0">
               <a:spcBef>
                 <a:spcPts val="0"/>
               </a:spcBef>
@@ -11414,7 +11661,7 @@
               <a:t>각 X</a:t>
             </a:r>
             <a:r>
-              <a:rPr baseline="-25000" lang="ko">
+              <a:rPr lang="ko" baseline="-25000">
                 <a:solidFill>
                   <a:schemeClr val="dk1"/>
                 </a:solidFill>
@@ -11430,7 +11677,7 @@
               <a:t>는 하나의 작은 데이터 포인트 x</a:t>
             </a:r>
             <a:r>
-              <a:rPr baseline="-25000" lang="ko">
+              <a:rPr lang="ko" baseline="-25000">
                 <a:solidFill>
                   <a:schemeClr val="dk1"/>
                 </a:solidFill>
@@ -11452,7 +11699,7 @@
             </a:endParaRPr>
           </a:p>
           <a:p>
-            <a:pPr indent="-308610" lvl="0" marL="457200" rtl="0" algn="l">
+            <a:pPr marL="457200" lvl="0" indent="-308610" algn="l" rtl="0">
               <a:spcBef>
                 <a:spcPts val="0"/>
               </a:spcBef>
@@ -11480,7 +11727,7 @@
             </a:endParaRPr>
           </a:p>
           <a:p>
-            <a:pPr indent="-290830" lvl="1" marL="914400" rtl="0" algn="l">
+            <a:pPr marL="914400" lvl="1" indent="-290830" algn="l" rtl="0">
               <a:spcBef>
                 <a:spcPts val="0"/>
               </a:spcBef>
@@ -11508,7 +11755,7 @@
             </a:endParaRPr>
           </a:p>
           <a:p>
-            <a:pPr indent="-290830" lvl="1" marL="914400" rtl="0" algn="l">
+            <a:pPr marL="914400" lvl="1" indent="-290830" algn="l" rtl="0">
               <a:spcBef>
                 <a:spcPts val="0"/>
               </a:spcBef>
@@ -11536,7 +11783,7 @@
             </a:endParaRPr>
           </a:p>
           <a:p>
-            <a:pPr indent="-290830" lvl="1" marL="914400" rtl="0" algn="l">
+            <a:pPr marL="914400" lvl="1" indent="-290830" algn="l" rtl="0">
               <a:spcBef>
                 <a:spcPts val="0"/>
               </a:spcBef>
@@ -11564,7 +11811,7 @@
             </a:endParaRPr>
           </a:p>
           <a:p>
-            <a:pPr indent="-290830" lvl="1" marL="914400" rtl="0" algn="l">
+            <a:pPr marL="914400" lvl="1" indent="-290830" algn="l" rtl="0">
               <a:spcBef>
                 <a:spcPts val="0"/>
               </a:spcBef>
@@ -11592,7 +11839,7 @@
             </a:endParaRPr>
           </a:p>
           <a:p>
-            <a:pPr indent="-290830" lvl="1" marL="914400" rtl="0" algn="l">
+            <a:pPr marL="914400" lvl="1" indent="-290830" algn="l" rtl="0">
               <a:spcBef>
                 <a:spcPts val="0"/>
               </a:spcBef>
@@ -11658,11 +11905,11 @@
 </file>
 
 <file path=ppt/slides/slide7.xml><?xml version="1.0" encoding="utf-8"?>
-<p:sld xmlns:a="http://schemas.openxmlformats.org/drawingml/2006/main" xmlns:r="http://schemas.openxmlformats.org/officeDocument/2006/relationships" xmlns:mc="http://schemas.openxmlformats.org/markup-compatibility/2006" xmlns:mv="urn:schemas-microsoft-com:mac:vml" xmlns:p="http://schemas.openxmlformats.org/presentationml/2006/main" xmlns:c="http://schemas.openxmlformats.org/drawingml/2006/chart" xmlns:dgm="http://schemas.openxmlformats.org/drawingml/2006/diagram" xmlns:o="urn:schemas-microsoft-com:office:office" xmlns:v="urn:schemas-microsoft-com:vml" xmlns:pvml="urn:schemas-microsoft-com:office:powerpoint" xmlns:com="http://schemas.openxmlformats.org/drawingml/2006/compatibility" xmlns:p14="http://schemas.microsoft.com/office/powerpoint/2010/main" xmlns:p15="http://schemas.microsoft.com/office/powerpoint/2012/main" xmlns:ahyp="http://schemas.microsoft.com/office/drawing/2018/hyperlinkcolor">
+<p:sld xmlns:a="http://schemas.openxmlformats.org/drawingml/2006/main" xmlns:r="http://schemas.openxmlformats.org/officeDocument/2006/relationships" xmlns:p="http://schemas.openxmlformats.org/presentationml/2006/main">
   <p:cSld>
     <p:spTree>
       <p:nvGrpSpPr>
-        <p:cNvPr id="93" name="Shape 93"/>
+        <p:cNvPr id="1" name="Shape 93"/>
         <p:cNvGrpSpPr/>
         <p:nvPr/>
       </p:nvGrpSpPr>
@@ -11677,7 +11924,9 @@
       <p:sp>
         <p:nvSpPr>
           <p:cNvPr id="94" name="Google Shape;94;p19"/>
-          <p:cNvSpPr txBox="1"/>
+          <p:cNvSpPr txBox="1">
+            <a:spLocks noGrp="1"/>
+          </p:cNvSpPr>
           <p:nvPr>
             <p:ph type="title"/>
           </p:nvPr>
@@ -11692,12 +11941,12 @@
           </a:prstGeom>
         </p:spPr>
         <p:txBody>
-          <a:bodyPr anchorCtr="0" anchor="t" bIns="91425" lIns="91425" spcFirstLastPara="1" rIns="91425" wrap="square" tIns="91425">
+          <a:bodyPr spcFirstLastPara="1" wrap="square" lIns="91425" tIns="91425" rIns="91425" bIns="91425" anchor="t" anchorCtr="0">
             <a:normAutofit fontScale="90000"/>
           </a:bodyPr>
           <a:lstStyle/>
           <a:p>
-            <a:pPr indent="0" lvl="0" marL="0" rtl="0" algn="l">
+            <a:pPr marL="0" lvl="0" indent="0" algn="l" rtl="0">
               <a:spcBef>
                 <a:spcPts val="0"/>
               </a:spcBef>
@@ -11718,7 +11967,7 @@
             <a:endParaRPr/>
           </a:p>
           <a:p>
-            <a:pPr indent="0" lvl="0" marL="0" rtl="0" algn="l">
+            <a:pPr marL="0" lvl="0" indent="0" algn="l" rtl="0">
               <a:spcBef>
                 <a:spcPts val="0"/>
               </a:spcBef>
@@ -11732,9 +11981,6 @@
               <a:buFont typeface="Arial"/>
               <a:buNone/>
             </a:pPr>
-            <a:r>
-              <a:t/>
-            </a:r>
             <a:endParaRPr/>
           </a:p>
         </p:txBody>
@@ -11776,11 +12022,11 @@
 </file>
 
 <file path=ppt/slides/slide8.xml><?xml version="1.0" encoding="utf-8"?>
-<p:sld xmlns:a="http://schemas.openxmlformats.org/drawingml/2006/main" xmlns:r="http://schemas.openxmlformats.org/officeDocument/2006/relationships" xmlns:mc="http://schemas.openxmlformats.org/markup-compatibility/2006" xmlns:mv="urn:schemas-microsoft-com:mac:vml" xmlns:p="http://schemas.openxmlformats.org/presentationml/2006/main" xmlns:c="http://schemas.openxmlformats.org/drawingml/2006/chart" xmlns:dgm="http://schemas.openxmlformats.org/drawingml/2006/diagram" xmlns:o="urn:schemas-microsoft-com:office:office" xmlns:v="urn:schemas-microsoft-com:vml" xmlns:pvml="urn:schemas-microsoft-com:office:powerpoint" xmlns:com="http://schemas.openxmlformats.org/drawingml/2006/compatibility" xmlns:p14="http://schemas.microsoft.com/office/powerpoint/2010/main" xmlns:p15="http://schemas.microsoft.com/office/powerpoint/2012/main" xmlns:ahyp="http://schemas.microsoft.com/office/drawing/2018/hyperlinkcolor">
+<p:sld xmlns:a="http://schemas.openxmlformats.org/drawingml/2006/main" xmlns:r="http://schemas.openxmlformats.org/officeDocument/2006/relationships" xmlns:p="http://schemas.openxmlformats.org/presentationml/2006/main">
   <p:cSld>
     <p:spTree>
       <p:nvGrpSpPr>
-        <p:cNvPr id="99" name="Shape 99"/>
+        <p:cNvPr id="1" name="Shape 99"/>
         <p:cNvGrpSpPr/>
         <p:nvPr/>
       </p:nvGrpSpPr>
@@ -11795,7 +12041,9 @@
       <p:sp>
         <p:nvSpPr>
           <p:cNvPr id="100" name="Google Shape;100;p20"/>
-          <p:cNvSpPr txBox="1"/>
+          <p:cNvSpPr txBox="1">
+            <a:spLocks noGrp="1"/>
+          </p:cNvSpPr>
           <p:nvPr>
             <p:ph type="title"/>
           </p:nvPr>
@@ -11810,12 +12058,12 @@
           </a:prstGeom>
         </p:spPr>
         <p:txBody>
-          <a:bodyPr anchorCtr="0" anchor="t" bIns="91425" lIns="91425" spcFirstLastPara="1" rIns="91425" wrap="square" tIns="91425">
+          <a:bodyPr spcFirstLastPara="1" wrap="square" lIns="91425" tIns="91425" rIns="91425" bIns="91425" anchor="t" anchorCtr="0">
             <a:normAutofit fontScale="90000"/>
           </a:bodyPr>
           <a:lstStyle/>
           <a:p>
-            <a:pPr indent="0" lvl="0" marL="0" rtl="0" algn="l">
+            <a:pPr marL="0" lvl="0" indent="0" algn="l" rtl="0">
               <a:spcBef>
                 <a:spcPts val="0"/>
               </a:spcBef>
@@ -11836,7 +12084,7 @@
             <a:endParaRPr/>
           </a:p>
           <a:p>
-            <a:pPr indent="0" lvl="0" marL="0" rtl="0" algn="l">
+            <a:pPr marL="0" lvl="0" indent="0" algn="l" rtl="0">
               <a:spcBef>
                 <a:spcPts val="0"/>
               </a:spcBef>
@@ -11850,9 +12098,6 @@
               <a:buFont typeface="Arial"/>
               <a:buNone/>
             </a:pPr>
-            <a:r>
-              <a:t/>
-            </a:r>
             <a:endParaRPr/>
           </a:p>
         </p:txBody>
@@ -11860,9 +12105,11 @@
       <p:sp>
         <p:nvSpPr>
           <p:cNvPr id="101" name="Google Shape;101;p20"/>
-          <p:cNvSpPr txBox="1"/>
+          <p:cNvSpPr txBox="1">
+            <a:spLocks noGrp="1"/>
+          </p:cNvSpPr>
           <p:nvPr>
-            <p:ph idx="1" type="body"/>
+            <p:ph type="body" idx="1"/>
           </p:nvPr>
         </p:nvSpPr>
         <p:spPr>
@@ -11875,12 +12122,12 @@
           </a:prstGeom>
         </p:spPr>
         <p:txBody>
-          <a:bodyPr anchorCtr="0" anchor="t" bIns="91425" lIns="91425" spcFirstLastPara="1" rIns="91425" wrap="square" tIns="91425">
+          <a:bodyPr spcFirstLastPara="1" wrap="square" lIns="91425" tIns="91425" rIns="91425" bIns="91425" anchor="t" anchorCtr="0">
             <a:normAutofit/>
           </a:bodyPr>
           <a:lstStyle/>
           <a:p>
-            <a:pPr indent="0" lvl="0" marL="0" rtl="0" algn="l">
+            <a:pPr marL="0" lvl="0" indent="0" algn="l" rtl="0">
               <a:spcBef>
                 <a:spcPts val="0"/>
               </a:spcBef>
@@ -11896,7 +12143,7 @@
             <a:endParaRPr/>
           </a:p>
           <a:p>
-            <a:pPr indent="-342900" lvl="0" marL="457200" rtl="0" algn="l">
+            <a:pPr marL="457200" lvl="0" indent="-342900" algn="l" rtl="0">
               <a:spcBef>
                 <a:spcPts val="1200"/>
               </a:spcBef>
@@ -11913,7 +12160,7 @@
             <a:endParaRPr/>
           </a:p>
           <a:p>
-            <a:pPr indent="-317500" lvl="1" marL="914400" rtl="0" algn="l">
+            <a:pPr marL="914400" lvl="1" indent="-317500" algn="l" rtl="0">
               <a:spcBef>
                 <a:spcPts val="0"/>
               </a:spcBef>
@@ -11930,7 +12177,7 @@
             <a:endParaRPr/>
           </a:p>
           <a:p>
-            <a:pPr indent="-317500" lvl="1" marL="914400" rtl="0" algn="l">
+            <a:pPr marL="914400" lvl="1" indent="-317500" algn="l" rtl="0">
               <a:spcBef>
                 <a:spcPts val="0"/>
               </a:spcBef>
@@ -11947,7 +12194,7 @@
             <a:endParaRPr/>
           </a:p>
           <a:p>
-            <a:pPr indent="-317500" lvl="1" marL="914400" rtl="0" algn="l">
+            <a:pPr marL="914400" lvl="1" indent="-317500" algn="l" rtl="0">
               <a:spcBef>
                 <a:spcPts val="0"/>
               </a:spcBef>
@@ -11964,7 +12211,7 @@
             <a:endParaRPr/>
           </a:p>
           <a:p>
-            <a:pPr indent="-317500" lvl="1" marL="914400" rtl="0" algn="l">
+            <a:pPr marL="914400" lvl="1" indent="-317500" algn="l" rtl="0">
               <a:spcBef>
                 <a:spcPts val="0"/>
               </a:spcBef>
@@ -11981,7 +12228,7 @@
             <a:endParaRPr/>
           </a:p>
           <a:p>
-            <a:pPr indent="-342900" lvl="0" marL="457200" rtl="0" algn="l">
+            <a:pPr marL="457200" lvl="0" indent="-342900" algn="l" rtl="0">
               <a:spcBef>
                 <a:spcPts val="0"/>
               </a:spcBef>
@@ -11998,7 +12245,7 @@
             <a:endParaRPr/>
           </a:p>
           <a:p>
-            <a:pPr indent="-317500" lvl="1" marL="914400" rtl="0" algn="l">
+            <a:pPr marL="914400" lvl="1" indent="-317500" algn="l" rtl="0">
               <a:spcBef>
                 <a:spcPts val="0"/>
               </a:spcBef>
@@ -12025,11 +12272,11 @@
 </file>
 
 <file path=ppt/slides/slide9.xml><?xml version="1.0" encoding="utf-8"?>
-<p:sld xmlns:a="http://schemas.openxmlformats.org/drawingml/2006/main" xmlns:r="http://schemas.openxmlformats.org/officeDocument/2006/relationships" xmlns:mc="http://schemas.openxmlformats.org/markup-compatibility/2006" xmlns:mv="urn:schemas-microsoft-com:mac:vml" xmlns:p="http://schemas.openxmlformats.org/presentationml/2006/main" xmlns:c="http://schemas.openxmlformats.org/drawingml/2006/chart" xmlns:dgm="http://schemas.openxmlformats.org/drawingml/2006/diagram" xmlns:o="urn:schemas-microsoft-com:office:office" xmlns:v="urn:schemas-microsoft-com:vml" xmlns:pvml="urn:schemas-microsoft-com:office:powerpoint" xmlns:com="http://schemas.openxmlformats.org/drawingml/2006/compatibility" xmlns:p14="http://schemas.microsoft.com/office/powerpoint/2010/main" xmlns:p15="http://schemas.microsoft.com/office/powerpoint/2012/main" xmlns:ahyp="http://schemas.microsoft.com/office/drawing/2018/hyperlinkcolor">
+<p:sld xmlns:a="http://schemas.openxmlformats.org/drawingml/2006/main" xmlns:r="http://schemas.openxmlformats.org/officeDocument/2006/relationships" xmlns:p="http://schemas.openxmlformats.org/presentationml/2006/main">
   <p:cSld>
     <p:spTree>
       <p:nvGrpSpPr>
-        <p:cNvPr id="105" name="Shape 105"/>
+        <p:cNvPr id="1" name="Shape 105"/>
         <p:cNvGrpSpPr/>
         <p:nvPr/>
       </p:nvGrpSpPr>
@@ -12044,7 +12291,9 @@
       <p:sp>
         <p:nvSpPr>
           <p:cNvPr id="106" name="Google Shape;106;p21"/>
-          <p:cNvSpPr txBox="1"/>
+          <p:cNvSpPr txBox="1">
+            <a:spLocks noGrp="1"/>
+          </p:cNvSpPr>
           <p:nvPr>
             <p:ph type="title"/>
           </p:nvPr>
@@ -12059,12 +12308,12 @@
           </a:prstGeom>
         </p:spPr>
         <p:txBody>
-          <a:bodyPr anchorCtr="0" anchor="t" bIns="91425" lIns="91425" spcFirstLastPara="1" rIns="91425" wrap="square" tIns="91425">
+          <a:bodyPr spcFirstLastPara="1" wrap="square" lIns="91425" tIns="91425" rIns="91425" bIns="91425" anchor="t" anchorCtr="0">
             <a:normAutofit fontScale="90000"/>
           </a:bodyPr>
           <a:lstStyle/>
           <a:p>
-            <a:pPr indent="0" lvl="0" marL="0" rtl="0" algn="l">
+            <a:pPr marL="0" lvl="0" indent="0" algn="l" rtl="0">
               <a:spcBef>
                 <a:spcPts val="0"/>
               </a:spcBef>
@@ -12084,9 +12333,11 @@
       <p:sp>
         <p:nvSpPr>
           <p:cNvPr id="107" name="Google Shape;107;p21"/>
-          <p:cNvSpPr txBox="1"/>
+          <p:cNvSpPr txBox="1">
+            <a:spLocks noGrp="1"/>
+          </p:cNvSpPr>
           <p:nvPr>
-            <p:ph idx="1" type="body"/>
+            <p:ph type="body" idx="1"/>
           </p:nvPr>
         </p:nvSpPr>
         <p:spPr>
@@ -12099,12 +12350,12 @@
           </a:prstGeom>
         </p:spPr>
         <p:txBody>
-          <a:bodyPr anchorCtr="0" anchor="t" bIns="91425" lIns="91425" spcFirstLastPara="1" rIns="91425" wrap="square" tIns="91425">
+          <a:bodyPr spcFirstLastPara="1" wrap="square" lIns="91425" tIns="91425" rIns="91425" bIns="91425" anchor="t" anchorCtr="0">
             <a:normAutofit lnSpcReduction="20000"/>
           </a:bodyPr>
           <a:lstStyle/>
           <a:p>
-            <a:pPr indent="0" lvl="0" marL="0" rtl="0" algn="l">
+            <a:pPr marL="0" lvl="0" indent="0" algn="l" rtl="0">
               <a:spcBef>
                 <a:spcPts val="0"/>
               </a:spcBef>
@@ -12120,7 +12371,7 @@
             <a:endParaRPr/>
           </a:p>
           <a:p>
-            <a:pPr indent="-342900" lvl="0" marL="457200" rtl="0" algn="l">
+            <a:pPr marL="457200" lvl="0" indent="-342900" algn="l" rtl="0">
               <a:spcBef>
                 <a:spcPts val="1200"/>
               </a:spcBef>
@@ -12137,7 +12388,7 @@
             <a:endParaRPr/>
           </a:p>
           <a:p>
-            <a:pPr indent="-317500" lvl="1" marL="914400" rtl="0" algn="l">
+            <a:pPr marL="914400" lvl="1" indent="-317500" algn="l" rtl="0">
               <a:spcBef>
                 <a:spcPts val="0"/>
               </a:spcBef>
@@ -12154,7 +12405,7 @@
             <a:endParaRPr/>
           </a:p>
           <a:p>
-            <a:pPr indent="-317500" lvl="1" marL="914400" rtl="0" algn="l">
+            <a:pPr marL="914400" lvl="1" indent="-317500" algn="l" rtl="0">
               <a:spcBef>
                 <a:spcPts val="0"/>
               </a:spcBef>
@@ -12171,7 +12422,7 @@
             <a:endParaRPr/>
           </a:p>
           <a:p>
-            <a:pPr indent="-317500" lvl="1" marL="914400" rtl="0" algn="l">
+            <a:pPr marL="914400" lvl="1" indent="-317500" algn="l" rtl="0">
               <a:spcBef>
                 <a:spcPts val="0"/>
               </a:spcBef>
@@ -12188,7 +12439,7 @@
             <a:endParaRPr/>
           </a:p>
           <a:p>
-            <a:pPr indent="-317500" lvl="1" marL="914400" rtl="0" algn="l">
+            <a:pPr marL="914400" lvl="1" indent="-317500" algn="l" rtl="0">
               <a:spcBef>
                 <a:spcPts val="0"/>
               </a:spcBef>
@@ -12205,7 +12456,7 @@
             <a:endParaRPr/>
           </a:p>
           <a:p>
-            <a:pPr indent="-342900" lvl="0" marL="457200" rtl="0" algn="l">
+            <a:pPr marL="457200" lvl="0" indent="-342900" algn="l" rtl="0">
               <a:spcBef>
                 <a:spcPts val="0"/>
               </a:spcBef>
@@ -12222,7 +12473,7 @@
             <a:endParaRPr/>
           </a:p>
           <a:p>
-            <a:pPr indent="-317500" lvl="1" marL="914400" rtl="0" algn="l">
+            <a:pPr marL="914400" lvl="1" indent="-317500" algn="l" rtl="0">
               <a:spcBef>
                 <a:spcPts val="0"/>
               </a:spcBef>
@@ -12239,7 +12490,7 @@
             <a:endParaRPr/>
           </a:p>
           <a:p>
-            <a:pPr indent="-317500" lvl="1" marL="914400" rtl="0" algn="l">
+            <a:pPr marL="914400" lvl="1" indent="-317500" algn="l" rtl="0">
               <a:spcBef>
                 <a:spcPts val="0"/>
               </a:spcBef>
@@ -12256,7 +12507,7 @@
             <a:endParaRPr/>
           </a:p>
           <a:p>
-            <a:pPr indent="-317500" lvl="1" marL="914400" rtl="0" algn="l">
+            <a:pPr marL="914400" lvl="1" indent="-317500" algn="l" rtl="0">
               <a:spcBef>
                 <a:spcPts val="0"/>
               </a:spcBef>
@@ -12339,7 +12590,288 @@
 </file>
 
 <file path=ppt/theme/theme1.xml><?xml version="1.0" encoding="utf-8"?>
-<a:theme xmlns:a="http://schemas.openxmlformats.org/drawingml/2006/main" xmlns:r="http://schemas.openxmlformats.org/officeDocument/2006/relationships">
+<a:theme xmlns:a="http://schemas.openxmlformats.org/drawingml/2006/main" name="Simple Light">
+  <a:themeElements>
+    <a:clrScheme name="Simple Light">
+      <a:dk1>
+        <a:srgbClr val="000000"/>
+      </a:dk1>
+      <a:lt1>
+        <a:srgbClr val="FFFFFF"/>
+      </a:lt1>
+      <a:dk2>
+        <a:srgbClr val="595959"/>
+      </a:dk2>
+      <a:lt2>
+        <a:srgbClr val="EEEEEE"/>
+      </a:lt2>
+      <a:accent1>
+        <a:srgbClr val="4285F4"/>
+      </a:accent1>
+      <a:accent2>
+        <a:srgbClr val="212121"/>
+      </a:accent2>
+      <a:accent3>
+        <a:srgbClr val="78909C"/>
+      </a:accent3>
+      <a:accent4>
+        <a:srgbClr val="FFAB40"/>
+      </a:accent4>
+      <a:accent5>
+        <a:srgbClr val="0097A7"/>
+      </a:accent5>
+      <a:accent6>
+        <a:srgbClr val="EEFF41"/>
+      </a:accent6>
+      <a:hlink>
+        <a:srgbClr val="0097A7"/>
+      </a:hlink>
+      <a:folHlink>
+        <a:srgbClr val="0097A7"/>
+      </a:folHlink>
+    </a:clrScheme>
+    <a:fontScheme name="Office">
+      <a:majorFont>
+        <a:latin typeface="Arial"/>
+        <a:ea typeface=""/>
+        <a:cs typeface=""/>
+        <a:font script="Jpan" typeface="ＭＳ Ｐゴシック"/>
+        <a:font script="Hang" typeface="맑은 고딕"/>
+        <a:font script="Hans" typeface="宋体"/>
+        <a:font script="Hant" typeface="新細明體"/>
+        <a:font script="Arab" typeface="Times New Roman"/>
+        <a:font script="Hebr" typeface="Times New Roman"/>
+        <a:font script="Thai" typeface="Angsana New"/>
+        <a:font script="Ethi" typeface="Nyala"/>
+        <a:font script="Beng" typeface="Vrinda"/>
+        <a:font script="Gujr" typeface="Shruti"/>
+        <a:font script="Khmr" typeface="MoolBoran"/>
+        <a:font script="Knda" typeface="Tunga"/>
+        <a:font script="Guru" typeface="Raavi"/>
+        <a:font script="Cans" typeface="Euphemia"/>
+        <a:font script="Cher" typeface="Plantagenet Cherokee"/>
+        <a:font script="Yiii" typeface="Microsoft Yi Baiti"/>
+        <a:font script="Tibt" typeface="Microsoft Himalaya"/>
+        <a:font script="Thaa" typeface="MV Boli"/>
+        <a:font script="Deva" typeface="Mangal"/>
+        <a:font script="Telu" typeface="Gautami"/>
+        <a:font script="Taml" typeface="Latha"/>
+        <a:font script="Syrc" typeface="Estrangelo Edessa"/>
+        <a:font script="Orya" typeface="Kalinga"/>
+        <a:font script="Mlym" typeface="Kartika"/>
+        <a:font script="Laoo" typeface="DokChampa"/>
+        <a:font script="Sinh" typeface="Iskoola Pota"/>
+        <a:font script="Mong" typeface="Mongolian Baiti"/>
+        <a:font script="Viet" typeface="Times New Roman"/>
+        <a:font script="Uigh" typeface="Microsoft Uighur"/>
+        <a:font script="Geor" typeface="Sylfaen"/>
+      </a:majorFont>
+      <a:minorFont>
+        <a:latin typeface="Arial"/>
+        <a:ea typeface=""/>
+        <a:cs typeface=""/>
+        <a:font script="Jpan" typeface="ＭＳ Ｐゴシック"/>
+        <a:font script="Hang" typeface="맑은 고딕"/>
+        <a:font script="Hans" typeface="宋体"/>
+        <a:font script="Hant" typeface="新細明體"/>
+        <a:font script="Arab" typeface="Arial"/>
+        <a:font script="Hebr" typeface="Arial"/>
+        <a:font script="Thai" typeface="Cordia New"/>
+        <a:font script="Ethi" typeface="Nyala"/>
+        <a:font script="Beng" typeface="Vrinda"/>
+        <a:font script="Gujr" typeface="Shruti"/>
+        <a:font script="Khmr" typeface="DaunPenh"/>
+        <a:font script="Knda" typeface="Tunga"/>
+        <a:font script="Guru" typeface="Raavi"/>
+        <a:font script="Cans" typeface="Euphemia"/>
+        <a:font script="Cher" typeface="Plantagenet Cherokee"/>
+        <a:font script="Yiii" typeface="Microsoft Yi Baiti"/>
+        <a:font script="Tibt" typeface="Microsoft Himalaya"/>
+        <a:font script="Thaa" typeface="MV Boli"/>
+        <a:font script="Deva" typeface="Mangal"/>
+        <a:font script="Telu" typeface="Gautami"/>
+        <a:font script="Taml" typeface="Latha"/>
+        <a:font script="Syrc" typeface="Estrangelo Edessa"/>
+        <a:font script="Orya" typeface="Kalinga"/>
+        <a:font script="Mlym" typeface="Kartika"/>
+        <a:font script="Laoo" typeface="DokChampa"/>
+        <a:font script="Sinh" typeface="Iskoola Pota"/>
+        <a:font script="Mong" typeface="Mongolian Baiti"/>
+        <a:font script="Viet" typeface="Arial"/>
+        <a:font script="Uigh" typeface="Microsoft Uighur"/>
+        <a:font script="Geor" typeface="Sylfaen"/>
+      </a:minorFont>
+    </a:fontScheme>
+    <a:fmtScheme name="Office">
+      <a:fillStyleLst>
+        <a:solidFill>
+          <a:schemeClr val="phClr"/>
+        </a:solidFill>
+        <a:gradFill rotWithShape="1">
+          <a:gsLst>
+            <a:gs pos="0">
+              <a:schemeClr val="phClr">
+                <a:tint val="50000"/>
+                <a:satMod val="300000"/>
+              </a:schemeClr>
+            </a:gs>
+            <a:gs pos="35000">
+              <a:schemeClr val="phClr">
+                <a:tint val="37000"/>
+                <a:satMod val="300000"/>
+              </a:schemeClr>
+            </a:gs>
+            <a:gs pos="100000">
+              <a:schemeClr val="phClr">
+                <a:tint val="15000"/>
+                <a:satMod val="350000"/>
+              </a:schemeClr>
+            </a:gs>
+          </a:gsLst>
+          <a:lin ang="16200000" scaled="1"/>
+        </a:gradFill>
+        <a:gradFill rotWithShape="1">
+          <a:gsLst>
+            <a:gs pos="0">
+              <a:schemeClr val="phClr">
+                <a:tint val="100000"/>
+                <a:shade val="100000"/>
+                <a:satMod val="130000"/>
+              </a:schemeClr>
+            </a:gs>
+            <a:gs pos="100000">
+              <a:schemeClr val="phClr">
+                <a:tint val="50000"/>
+                <a:shade val="100000"/>
+                <a:satMod val="350000"/>
+              </a:schemeClr>
+            </a:gs>
+          </a:gsLst>
+          <a:lin ang="16200000" scaled="0"/>
+        </a:gradFill>
+      </a:fillStyleLst>
+      <a:lnStyleLst>
+        <a:ln w="9525" cap="flat" cmpd="sng" algn="ctr">
+          <a:solidFill>
+            <a:schemeClr val="phClr">
+              <a:shade val="95000"/>
+              <a:satMod val="105000"/>
+            </a:schemeClr>
+          </a:solidFill>
+          <a:prstDash val="solid"/>
+        </a:ln>
+        <a:ln w="25400" cap="flat" cmpd="sng" algn="ctr">
+          <a:solidFill>
+            <a:schemeClr val="phClr"/>
+          </a:solidFill>
+          <a:prstDash val="solid"/>
+        </a:ln>
+        <a:ln w="38100" cap="flat" cmpd="sng" algn="ctr">
+          <a:solidFill>
+            <a:schemeClr val="phClr"/>
+          </a:solidFill>
+          <a:prstDash val="solid"/>
+        </a:ln>
+      </a:lnStyleLst>
+      <a:effectStyleLst>
+        <a:effectStyle>
+          <a:effectLst>
+            <a:outerShdw blurRad="40000" dist="20000" dir="5400000" rotWithShape="0">
+              <a:srgbClr val="000000">
+                <a:alpha val="38000"/>
+              </a:srgbClr>
+            </a:outerShdw>
+          </a:effectLst>
+        </a:effectStyle>
+        <a:effectStyle>
+          <a:effectLst>
+            <a:outerShdw blurRad="40000" dist="23000" dir="5400000" rotWithShape="0">
+              <a:srgbClr val="000000">
+                <a:alpha val="35000"/>
+              </a:srgbClr>
+            </a:outerShdw>
+          </a:effectLst>
+        </a:effectStyle>
+        <a:effectStyle>
+          <a:effectLst>
+            <a:outerShdw blurRad="40000" dist="23000" dir="5400000" rotWithShape="0">
+              <a:srgbClr val="000000">
+                <a:alpha val="35000"/>
+              </a:srgbClr>
+            </a:outerShdw>
+          </a:effectLst>
+          <a:scene3d>
+            <a:camera prst="orthographicFront">
+              <a:rot lat="0" lon="0" rev="0"/>
+            </a:camera>
+            <a:lightRig rig="threePt" dir="t">
+              <a:rot lat="0" lon="0" rev="1200000"/>
+            </a:lightRig>
+          </a:scene3d>
+          <a:sp3d>
+            <a:bevelT w="63500" h="25400"/>
+          </a:sp3d>
+        </a:effectStyle>
+      </a:effectStyleLst>
+      <a:bgFillStyleLst>
+        <a:solidFill>
+          <a:schemeClr val="phClr"/>
+        </a:solidFill>
+        <a:gradFill rotWithShape="1">
+          <a:gsLst>
+            <a:gs pos="0">
+              <a:schemeClr val="phClr">
+                <a:tint val="40000"/>
+                <a:satMod val="350000"/>
+              </a:schemeClr>
+            </a:gs>
+            <a:gs pos="40000">
+              <a:schemeClr val="phClr">
+                <a:tint val="45000"/>
+                <a:shade val="99000"/>
+                <a:satMod val="350000"/>
+              </a:schemeClr>
+            </a:gs>
+            <a:gs pos="100000">
+              <a:schemeClr val="phClr">
+                <a:shade val="20000"/>
+                <a:satMod val="255000"/>
+              </a:schemeClr>
+            </a:gs>
+          </a:gsLst>
+          <a:path path="circle">
+            <a:fillToRect l="50000" t="-80000" r="50000" b="180000"/>
+          </a:path>
+        </a:gradFill>
+        <a:gradFill rotWithShape="1">
+          <a:gsLst>
+            <a:gs pos="0">
+              <a:schemeClr val="phClr">
+                <a:tint val="80000"/>
+                <a:satMod val="300000"/>
+              </a:schemeClr>
+            </a:gs>
+            <a:gs pos="100000">
+              <a:schemeClr val="phClr">
+                <a:shade val="30000"/>
+                <a:satMod val="200000"/>
+              </a:schemeClr>
+            </a:gs>
+          </a:gsLst>
+          <a:path path="circle">
+            <a:fillToRect l="50000" t="50000" r="50000" b="50000"/>
+          </a:path>
+        </a:gradFill>
+      </a:bgFillStyleLst>
+    </a:fmtScheme>
+  </a:themeElements>
+  <a:objectDefaults/>
+  <a:extraClrSchemeLst/>
+</a:theme>
+</file>
+
+<file path=ppt/theme/theme2.xml><?xml version="1.0" encoding="utf-8"?>
+<a:theme xmlns:a="http://schemas.openxmlformats.org/drawingml/2006/main">
   <a:themeElements>
     <a:clrScheme name="Default">
       <a:dk1>
@@ -12614,284 +13146,7 @@
       </a:bgFillStyleLst>
     </a:fmtScheme>
   </a:themeElements>
-</a:theme>
-</file>
-
-<file path=ppt/theme/theme2.xml><?xml version="1.0" encoding="utf-8"?>
-<a:theme xmlns:a="http://schemas.openxmlformats.org/drawingml/2006/main" xmlns:r="http://schemas.openxmlformats.org/officeDocument/2006/relationships" name="Simple Light">
-  <a:themeElements>
-    <a:clrScheme name="Simple Light">
-      <a:dk1>
-        <a:srgbClr val="000000"/>
-      </a:dk1>
-      <a:lt1>
-        <a:srgbClr val="FFFFFF"/>
-      </a:lt1>
-      <a:dk2>
-        <a:srgbClr val="595959"/>
-      </a:dk2>
-      <a:lt2>
-        <a:srgbClr val="EEEEEE"/>
-      </a:lt2>
-      <a:accent1>
-        <a:srgbClr val="4285F4"/>
-      </a:accent1>
-      <a:accent2>
-        <a:srgbClr val="212121"/>
-      </a:accent2>
-      <a:accent3>
-        <a:srgbClr val="78909C"/>
-      </a:accent3>
-      <a:accent4>
-        <a:srgbClr val="FFAB40"/>
-      </a:accent4>
-      <a:accent5>
-        <a:srgbClr val="0097A7"/>
-      </a:accent5>
-      <a:accent6>
-        <a:srgbClr val="EEFF41"/>
-      </a:accent6>
-      <a:hlink>
-        <a:srgbClr val="0097A7"/>
-      </a:hlink>
-      <a:folHlink>
-        <a:srgbClr val="0097A7"/>
-      </a:folHlink>
-    </a:clrScheme>
-    <a:fontScheme name="Office">
-      <a:majorFont>
-        <a:latin typeface="Arial"/>
-        <a:ea typeface=""/>
-        <a:cs typeface=""/>
-        <a:font script="Jpan" typeface="ＭＳ Ｐゴシック"/>
-        <a:font script="Hang" typeface="맑은 고딕"/>
-        <a:font script="Hans" typeface="宋体"/>
-        <a:font script="Hant" typeface="新細明體"/>
-        <a:font script="Arab" typeface="Times New Roman"/>
-        <a:font script="Hebr" typeface="Times New Roman"/>
-        <a:font script="Thai" typeface="Angsana New"/>
-        <a:font script="Ethi" typeface="Nyala"/>
-        <a:font script="Beng" typeface="Vrinda"/>
-        <a:font script="Gujr" typeface="Shruti"/>
-        <a:font script="Khmr" typeface="MoolBoran"/>
-        <a:font script="Knda" typeface="Tunga"/>
-        <a:font script="Guru" typeface="Raavi"/>
-        <a:font script="Cans" typeface="Euphemia"/>
-        <a:font script="Cher" typeface="Plantagenet Cherokee"/>
-        <a:font script="Yiii" typeface="Microsoft Yi Baiti"/>
-        <a:font script="Tibt" typeface="Microsoft Himalaya"/>
-        <a:font script="Thaa" typeface="MV Boli"/>
-        <a:font script="Deva" typeface="Mangal"/>
-        <a:font script="Telu" typeface="Gautami"/>
-        <a:font script="Taml" typeface="Latha"/>
-        <a:font script="Syrc" typeface="Estrangelo Edessa"/>
-        <a:font script="Orya" typeface="Kalinga"/>
-        <a:font script="Mlym" typeface="Kartika"/>
-        <a:font script="Laoo" typeface="DokChampa"/>
-        <a:font script="Sinh" typeface="Iskoola Pota"/>
-        <a:font script="Mong" typeface="Mongolian Baiti"/>
-        <a:font script="Viet" typeface="Times New Roman"/>
-        <a:font script="Uigh" typeface="Microsoft Uighur"/>
-        <a:font script="Geor" typeface="Sylfaen"/>
-      </a:majorFont>
-      <a:minorFont>
-        <a:latin typeface="Arial"/>
-        <a:ea typeface=""/>
-        <a:cs typeface=""/>
-        <a:font script="Jpan" typeface="ＭＳ Ｐゴシック"/>
-        <a:font script="Hang" typeface="맑은 고딕"/>
-        <a:font script="Hans" typeface="宋体"/>
-        <a:font script="Hant" typeface="新細明體"/>
-        <a:font script="Arab" typeface="Arial"/>
-        <a:font script="Hebr" typeface="Arial"/>
-        <a:font script="Thai" typeface="Cordia New"/>
-        <a:font script="Ethi" typeface="Nyala"/>
-        <a:font script="Beng" typeface="Vrinda"/>
-        <a:font script="Gujr" typeface="Shruti"/>
-        <a:font script="Khmr" typeface="DaunPenh"/>
-        <a:font script="Knda" typeface="Tunga"/>
-        <a:font script="Guru" typeface="Raavi"/>
-        <a:font script="Cans" typeface="Euphemia"/>
-        <a:font script="Cher" typeface="Plantagenet Cherokee"/>
-        <a:font script="Yiii" typeface="Microsoft Yi Baiti"/>
-        <a:font script="Tibt" typeface="Microsoft Himalaya"/>
-        <a:font script="Thaa" typeface="MV Boli"/>
-        <a:font script="Deva" typeface="Mangal"/>
-        <a:font script="Telu" typeface="Gautami"/>
-        <a:font script="Taml" typeface="Latha"/>
-        <a:font script="Syrc" typeface="Estrangelo Edessa"/>
-        <a:font script="Orya" typeface="Kalinga"/>
-        <a:font script="Mlym" typeface="Kartika"/>
-        <a:font script="Laoo" typeface="DokChampa"/>
-        <a:font script="Sinh" typeface="Iskoola Pota"/>
-        <a:font script="Mong" typeface="Mongolian Baiti"/>
-        <a:font script="Viet" typeface="Arial"/>
-        <a:font script="Uigh" typeface="Microsoft Uighur"/>
-        <a:font script="Geor" typeface="Sylfaen"/>
-      </a:minorFont>
-    </a:fontScheme>
-    <a:fmtScheme name="Office">
-      <a:fillStyleLst>
-        <a:solidFill>
-          <a:schemeClr val="phClr"/>
-        </a:solidFill>
-        <a:gradFill rotWithShape="1">
-          <a:gsLst>
-            <a:gs pos="0">
-              <a:schemeClr val="phClr">
-                <a:tint val="50000"/>
-                <a:satMod val="300000"/>
-              </a:schemeClr>
-            </a:gs>
-            <a:gs pos="35000">
-              <a:schemeClr val="phClr">
-                <a:tint val="37000"/>
-                <a:satMod val="300000"/>
-              </a:schemeClr>
-            </a:gs>
-            <a:gs pos="100000">
-              <a:schemeClr val="phClr">
-                <a:tint val="15000"/>
-                <a:satMod val="350000"/>
-              </a:schemeClr>
-            </a:gs>
-          </a:gsLst>
-          <a:lin ang="16200000" scaled="1"/>
-        </a:gradFill>
-        <a:gradFill rotWithShape="1">
-          <a:gsLst>
-            <a:gs pos="0">
-              <a:schemeClr val="phClr">
-                <a:tint val="100000"/>
-                <a:shade val="100000"/>
-                <a:satMod val="130000"/>
-              </a:schemeClr>
-            </a:gs>
-            <a:gs pos="100000">
-              <a:schemeClr val="phClr">
-                <a:tint val="50000"/>
-                <a:shade val="100000"/>
-                <a:satMod val="350000"/>
-              </a:schemeClr>
-            </a:gs>
-          </a:gsLst>
-          <a:lin ang="16200000" scaled="0"/>
-        </a:gradFill>
-      </a:fillStyleLst>
-      <a:lnStyleLst>
-        <a:ln w="9525" cap="flat" cmpd="sng" algn="ctr">
-          <a:solidFill>
-            <a:schemeClr val="phClr">
-              <a:shade val="95000"/>
-              <a:satMod val="105000"/>
-            </a:schemeClr>
-          </a:solidFill>
-          <a:prstDash val="solid"/>
-        </a:ln>
-        <a:ln w="25400" cap="flat" cmpd="sng" algn="ctr">
-          <a:solidFill>
-            <a:schemeClr val="phClr"/>
-          </a:solidFill>
-          <a:prstDash val="solid"/>
-        </a:ln>
-        <a:ln w="38100" cap="flat" cmpd="sng" algn="ctr">
-          <a:solidFill>
-            <a:schemeClr val="phClr"/>
-          </a:solidFill>
-          <a:prstDash val="solid"/>
-        </a:ln>
-      </a:lnStyleLst>
-      <a:effectStyleLst>
-        <a:effectStyle>
-          <a:effectLst>
-            <a:outerShdw blurRad="40000" dist="20000" dir="5400000" rotWithShape="0">
-              <a:srgbClr val="000000">
-                <a:alpha val="38000"/>
-              </a:srgbClr>
-            </a:outerShdw>
-          </a:effectLst>
-        </a:effectStyle>
-        <a:effectStyle>
-          <a:effectLst>
-            <a:outerShdw blurRad="40000" dist="23000" dir="5400000" rotWithShape="0">
-              <a:srgbClr val="000000">
-                <a:alpha val="35000"/>
-              </a:srgbClr>
-            </a:outerShdw>
-          </a:effectLst>
-        </a:effectStyle>
-        <a:effectStyle>
-          <a:effectLst>
-            <a:outerShdw blurRad="40000" dist="23000" dir="5400000" rotWithShape="0">
-              <a:srgbClr val="000000">
-                <a:alpha val="35000"/>
-              </a:srgbClr>
-            </a:outerShdw>
-          </a:effectLst>
-          <a:scene3d>
-            <a:camera prst="orthographicFront">
-              <a:rot lat="0" lon="0" rev="0"/>
-            </a:camera>
-            <a:lightRig rig="threePt" dir="t">
-              <a:rot lat="0" lon="0" rev="1200000"/>
-            </a:lightRig>
-          </a:scene3d>
-          <a:sp3d>
-            <a:bevelT w="63500" h="25400"/>
-          </a:sp3d>
-        </a:effectStyle>
-      </a:effectStyleLst>
-      <a:bgFillStyleLst>
-        <a:solidFill>
-          <a:schemeClr val="phClr"/>
-        </a:solidFill>
-        <a:gradFill rotWithShape="1">
-          <a:gsLst>
-            <a:gs pos="0">
-              <a:schemeClr val="phClr">
-                <a:tint val="40000"/>
-                <a:satMod val="350000"/>
-              </a:schemeClr>
-            </a:gs>
-            <a:gs pos="40000">
-              <a:schemeClr val="phClr">
-                <a:tint val="45000"/>
-                <a:shade val="99000"/>
-                <a:satMod val="350000"/>
-              </a:schemeClr>
-            </a:gs>
-            <a:gs pos="100000">
-              <a:schemeClr val="phClr">
-                <a:shade val="20000"/>
-                <a:satMod val="255000"/>
-              </a:schemeClr>
-            </a:gs>
-          </a:gsLst>
-          <a:path path="circle">
-            <a:fillToRect l="50000" t="-80000" r="50000" b="180000"/>
-          </a:path>
-        </a:gradFill>
-        <a:gradFill rotWithShape="1">
-          <a:gsLst>
-            <a:gs pos="0">
-              <a:schemeClr val="phClr">
-                <a:tint val="80000"/>
-                <a:satMod val="300000"/>
-              </a:schemeClr>
-            </a:gs>
-            <a:gs pos="100000">
-              <a:schemeClr val="phClr">
-                <a:shade val="30000"/>
-                <a:satMod val="200000"/>
-              </a:schemeClr>
-            </a:gs>
-          </a:gsLst>
-          <a:path path="circle">
-            <a:fillToRect l="50000" t="50000" r="50000" b="50000"/>
-          </a:path>
-        </a:gradFill>
-      </a:bgFillStyleLst>
-    </a:fmtScheme>
-  </a:themeElements>
+  <a:objectDefaults/>
+  <a:extraClrSchemeLst/>
 </a:theme>
 </file>